--- a/Introductory lecture/Investment Strategies.pptx
+++ b/Introductory lecture/Investment Strategies.pptx
@@ -117,7 +117,7 @@
   </p:defaultTextStyle>
   <p:extLst>
     <p:ext uri="{EFAFB233-063F-42B5-8137-9DF3F51BA10A}">
-      <p15:sldGuideLst xmlns="" xmlns:p15="http://schemas.microsoft.com/office/powerpoint/2012/main">
+      <p15:sldGuideLst xmlns:p15="http://schemas.microsoft.com/office/powerpoint/2012/main">
         <p15:guide id="1" orient="horz" pos="2160">
           <p15:clr>
             <a:srgbClr val="A4A3A4"/>
@@ -386,7 +386,7 @@
     </p:spTree>
     <p:extLst>
       <p:ext uri="{BB962C8B-B14F-4D97-AF65-F5344CB8AC3E}">
-        <p14:creationId xmlns="" xmlns:p14="http://schemas.microsoft.com/office/powerpoint/2010/main" val="4276527390"/>
+        <p14:creationId xmlns:p14="http://schemas.microsoft.com/office/powerpoint/2010/main" val="4276527390"/>
       </p:ext>
     </p:extLst>
   </p:cSld>
@@ -561,7 +561,7 @@
     </p:spTree>
     <p:extLst>
       <p:ext uri="{BB962C8B-B14F-4D97-AF65-F5344CB8AC3E}">
-        <p14:creationId xmlns="" xmlns:p14="http://schemas.microsoft.com/office/powerpoint/2010/main" val="586571412"/>
+        <p14:creationId xmlns:p14="http://schemas.microsoft.com/office/powerpoint/2010/main" val="586571412"/>
       </p:ext>
     </p:extLst>
   </p:cSld>
@@ -593,7 +593,7 @@
           <p:cNvPr id="2" name="Title 1">
             <a:extLst>
               <a:ext uri="{FF2B5EF4-FFF2-40B4-BE49-F238E27FC236}">
-                <a16:creationId xmlns="" xmlns:a16="http://schemas.microsoft.com/office/drawing/2014/main" id="{5DD2126D-CA23-6F58-02B9-67C879EB8854}"/>
+                <a16:creationId xmlns:a16="http://schemas.microsoft.com/office/drawing/2014/main" id="{5DD2126D-CA23-6F58-02B9-67C879EB8854}"/>
               </a:ext>
             </a:extLst>
           </p:cNvPr>
@@ -631,7 +631,7 @@
           <p:cNvPr id="3" name="Subtitle 2">
             <a:extLst>
               <a:ext uri="{FF2B5EF4-FFF2-40B4-BE49-F238E27FC236}">
-                <a16:creationId xmlns="" xmlns:a16="http://schemas.microsoft.com/office/drawing/2014/main" id="{4E31C0FC-AC8E-D7C8-C631-8B596DF827A2}"/>
+                <a16:creationId xmlns:a16="http://schemas.microsoft.com/office/drawing/2014/main" id="{4E31C0FC-AC8E-D7C8-C631-8B596DF827A2}"/>
               </a:ext>
             </a:extLst>
           </p:cNvPr>
@@ -702,7 +702,7 @@
           <p:cNvPr id="4" name="Date Placeholder 3">
             <a:extLst>
               <a:ext uri="{FF2B5EF4-FFF2-40B4-BE49-F238E27FC236}">
-                <a16:creationId xmlns="" xmlns:a16="http://schemas.microsoft.com/office/drawing/2014/main" id="{EB26D6F2-71D1-4159-9098-A99DCB14CED5}"/>
+                <a16:creationId xmlns:a16="http://schemas.microsoft.com/office/drawing/2014/main" id="{EB26D6F2-71D1-4159-9098-A99DCB14CED5}"/>
               </a:ext>
             </a:extLst>
           </p:cNvPr>
@@ -732,7 +732,7 @@
           <p:cNvPr id="5" name="Footer Placeholder 4">
             <a:extLst>
               <a:ext uri="{FF2B5EF4-FFF2-40B4-BE49-F238E27FC236}">
-                <a16:creationId xmlns="" xmlns:a16="http://schemas.microsoft.com/office/drawing/2014/main" id="{5E0F78C9-D0A2-E396-86D7-5D4F93CE745B}"/>
+                <a16:creationId xmlns:a16="http://schemas.microsoft.com/office/drawing/2014/main" id="{5E0F78C9-D0A2-E396-86D7-5D4F93CE745B}"/>
               </a:ext>
             </a:extLst>
           </p:cNvPr>
@@ -757,7 +757,7 @@
           <p:cNvPr id="6" name="Slide Number Placeholder 5">
             <a:extLst>
               <a:ext uri="{FF2B5EF4-FFF2-40B4-BE49-F238E27FC236}">
-                <a16:creationId xmlns="" xmlns:a16="http://schemas.microsoft.com/office/drawing/2014/main" id="{CCDAB65D-42FF-A115-AE6D-510ECE342FF4}"/>
+                <a16:creationId xmlns:a16="http://schemas.microsoft.com/office/drawing/2014/main" id="{CCDAB65D-42FF-A115-AE6D-510ECE342FF4}"/>
               </a:ext>
             </a:extLst>
           </p:cNvPr>
@@ -785,7 +785,7 @@
     </p:spTree>
     <p:extLst>
       <p:ext uri="{BB962C8B-B14F-4D97-AF65-F5344CB8AC3E}">
-        <p14:creationId xmlns="" xmlns:p14="http://schemas.microsoft.com/office/powerpoint/2010/main" val="3714418875"/>
+        <p14:creationId xmlns:p14="http://schemas.microsoft.com/office/powerpoint/2010/main" val="3714418875"/>
       </p:ext>
     </p:extLst>
   </p:cSld>
@@ -817,7 +817,7 @@
           <p:cNvPr id="2" name="Title 1">
             <a:extLst>
               <a:ext uri="{FF2B5EF4-FFF2-40B4-BE49-F238E27FC236}">
-                <a16:creationId xmlns="" xmlns:a16="http://schemas.microsoft.com/office/drawing/2014/main" id="{B3F51568-5521-5059-E307-0C68EABB8286}"/>
+                <a16:creationId xmlns:a16="http://schemas.microsoft.com/office/drawing/2014/main" id="{B3F51568-5521-5059-E307-0C68EABB8286}"/>
               </a:ext>
             </a:extLst>
           </p:cNvPr>
@@ -846,7 +846,7 @@
           <p:cNvPr id="3" name="Vertical Text Placeholder 2">
             <a:extLst>
               <a:ext uri="{FF2B5EF4-FFF2-40B4-BE49-F238E27FC236}">
-                <a16:creationId xmlns="" xmlns:a16="http://schemas.microsoft.com/office/drawing/2014/main" id="{63F46412-6807-B639-092E-89DD56A0D148}"/>
+                <a16:creationId xmlns:a16="http://schemas.microsoft.com/office/drawing/2014/main" id="{63F46412-6807-B639-092E-89DD56A0D148}"/>
               </a:ext>
             </a:extLst>
           </p:cNvPr>
@@ -904,7 +904,7 @@
           <p:cNvPr id="4" name="Date Placeholder 3">
             <a:extLst>
               <a:ext uri="{FF2B5EF4-FFF2-40B4-BE49-F238E27FC236}">
-                <a16:creationId xmlns="" xmlns:a16="http://schemas.microsoft.com/office/drawing/2014/main" id="{F13C1771-3285-EA8B-D697-E0992B10D2B3}"/>
+                <a16:creationId xmlns:a16="http://schemas.microsoft.com/office/drawing/2014/main" id="{F13C1771-3285-EA8B-D697-E0992B10D2B3}"/>
               </a:ext>
             </a:extLst>
           </p:cNvPr>
@@ -934,7 +934,7 @@
           <p:cNvPr id="5" name="Footer Placeholder 4">
             <a:extLst>
               <a:ext uri="{FF2B5EF4-FFF2-40B4-BE49-F238E27FC236}">
-                <a16:creationId xmlns="" xmlns:a16="http://schemas.microsoft.com/office/drawing/2014/main" id="{2DD7C615-2A7A-0CF3-C5CB-AAFA9B10A00B}"/>
+                <a16:creationId xmlns:a16="http://schemas.microsoft.com/office/drawing/2014/main" id="{2DD7C615-2A7A-0CF3-C5CB-AAFA9B10A00B}"/>
               </a:ext>
             </a:extLst>
           </p:cNvPr>
@@ -959,7 +959,7 @@
           <p:cNvPr id="6" name="Slide Number Placeholder 5">
             <a:extLst>
               <a:ext uri="{FF2B5EF4-FFF2-40B4-BE49-F238E27FC236}">
-                <a16:creationId xmlns="" xmlns:a16="http://schemas.microsoft.com/office/drawing/2014/main" id="{C282428C-B566-E8E4-8B94-9902AEEE568C}"/>
+                <a16:creationId xmlns:a16="http://schemas.microsoft.com/office/drawing/2014/main" id="{C282428C-B566-E8E4-8B94-9902AEEE568C}"/>
               </a:ext>
             </a:extLst>
           </p:cNvPr>
@@ -987,7 +987,7 @@
     </p:spTree>
     <p:extLst>
       <p:ext uri="{BB962C8B-B14F-4D97-AF65-F5344CB8AC3E}">
-        <p14:creationId xmlns="" xmlns:p14="http://schemas.microsoft.com/office/powerpoint/2010/main" val="2539630569"/>
+        <p14:creationId xmlns:p14="http://schemas.microsoft.com/office/powerpoint/2010/main" val="2539630569"/>
       </p:ext>
     </p:extLst>
   </p:cSld>
@@ -1019,7 +1019,7 @@
           <p:cNvPr id="2" name="Vertical Title 1">
             <a:extLst>
               <a:ext uri="{FF2B5EF4-FFF2-40B4-BE49-F238E27FC236}">
-                <a16:creationId xmlns="" xmlns:a16="http://schemas.microsoft.com/office/drawing/2014/main" id="{A35565EA-2A8C-027A-28F1-1BFC21B19EE3}"/>
+                <a16:creationId xmlns:a16="http://schemas.microsoft.com/office/drawing/2014/main" id="{A35565EA-2A8C-027A-28F1-1BFC21B19EE3}"/>
               </a:ext>
             </a:extLst>
           </p:cNvPr>
@@ -1053,7 +1053,7 @@
           <p:cNvPr id="3" name="Vertical Text Placeholder 2">
             <a:extLst>
               <a:ext uri="{FF2B5EF4-FFF2-40B4-BE49-F238E27FC236}">
-                <a16:creationId xmlns="" xmlns:a16="http://schemas.microsoft.com/office/drawing/2014/main" id="{CB6E9C74-05AD-3AB5-EFFA-482419EEC7E2}"/>
+                <a16:creationId xmlns:a16="http://schemas.microsoft.com/office/drawing/2014/main" id="{CB6E9C74-05AD-3AB5-EFFA-482419EEC7E2}"/>
               </a:ext>
             </a:extLst>
           </p:cNvPr>
@@ -1116,7 +1116,7 @@
           <p:cNvPr id="4" name="Date Placeholder 3">
             <a:extLst>
               <a:ext uri="{FF2B5EF4-FFF2-40B4-BE49-F238E27FC236}">
-                <a16:creationId xmlns="" xmlns:a16="http://schemas.microsoft.com/office/drawing/2014/main" id="{3C8D1EFB-A4D1-6BE4-EAE4-54B6842BE052}"/>
+                <a16:creationId xmlns:a16="http://schemas.microsoft.com/office/drawing/2014/main" id="{3C8D1EFB-A4D1-6BE4-EAE4-54B6842BE052}"/>
               </a:ext>
             </a:extLst>
           </p:cNvPr>
@@ -1146,7 +1146,7 @@
           <p:cNvPr id="5" name="Footer Placeholder 4">
             <a:extLst>
               <a:ext uri="{FF2B5EF4-FFF2-40B4-BE49-F238E27FC236}">
-                <a16:creationId xmlns="" xmlns:a16="http://schemas.microsoft.com/office/drawing/2014/main" id="{8178D469-2436-2C4B-9E7D-46EB27E8D4A0}"/>
+                <a16:creationId xmlns:a16="http://schemas.microsoft.com/office/drawing/2014/main" id="{8178D469-2436-2C4B-9E7D-46EB27E8D4A0}"/>
               </a:ext>
             </a:extLst>
           </p:cNvPr>
@@ -1171,7 +1171,7 @@
           <p:cNvPr id="6" name="Slide Number Placeholder 5">
             <a:extLst>
               <a:ext uri="{FF2B5EF4-FFF2-40B4-BE49-F238E27FC236}">
-                <a16:creationId xmlns="" xmlns:a16="http://schemas.microsoft.com/office/drawing/2014/main" id="{8FA3E790-D1C7-9D4D-CA77-E1B5FC7350B7}"/>
+                <a16:creationId xmlns:a16="http://schemas.microsoft.com/office/drawing/2014/main" id="{8FA3E790-D1C7-9D4D-CA77-E1B5FC7350B7}"/>
               </a:ext>
             </a:extLst>
           </p:cNvPr>
@@ -1199,7 +1199,7 @@
     </p:spTree>
     <p:extLst>
       <p:ext uri="{BB962C8B-B14F-4D97-AF65-F5344CB8AC3E}">
-        <p14:creationId xmlns="" xmlns:p14="http://schemas.microsoft.com/office/powerpoint/2010/main" val="1871138745"/>
+        <p14:creationId xmlns:p14="http://schemas.microsoft.com/office/powerpoint/2010/main" val="1871138745"/>
       </p:ext>
     </p:extLst>
   </p:cSld>
@@ -1231,7 +1231,7 @@
           <p:cNvPr id="2" name="Title 1">
             <a:extLst>
               <a:ext uri="{FF2B5EF4-FFF2-40B4-BE49-F238E27FC236}">
-                <a16:creationId xmlns="" xmlns:a16="http://schemas.microsoft.com/office/drawing/2014/main" id="{FCFD0200-E590-972A-AE08-8991518E8862}"/>
+                <a16:creationId xmlns:a16="http://schemas.microsoft.com/office/drawing/2014/main" id="{FCFD0200-E590-972A-AE08-8991518E8862}"/>
               </a:ext>
             </a:extLst>
           </p:cNvPr>
@@ -1260,7 +1260,7 @@
           <p:cNvPr id="3" name="Content Placeholder 2">
             <a:extLst>
               <a:ext uri="{FF2B5EF4-FFF2-40B4-BE49-F238E27FC236}">
-                <a16:creationId xmlns="" xmlns:a16="http://schemas.microsoft.com/office/drawing/2014/main" id="{F1D81735-AD7C-D49F-228E-2E5EC0110633}"/>
+                <a16:creationId xmlns:a16="http://schemas.microsoft.com/office/drawing/2014/main" id="{F1D81735-AD7C-D49F-228E-2E5EC0110633}"/>
               </a:ext>
             </a:extLst>
           </p:cNvPr>
@@ -1318,7 +1318,7 @@
           <p:cNvPr id="4" name="Date Placeholder 3">
             <a:extLst>
               <a:ext uri="{FF2B5EF4-FFF2-40B4-BE49-F238E27FC236}">
-                <a16:creationId xmlns="" xmlns:a16="http://schemas.microsoft.com/office/drawing/2014/main" id="{5A370E30-2B2E-433B-57E6-715ABDD047A4}"/>
+                <a16:creationId xmlns:a16="http://schemas.microsoft.com/office/drawing/2014/main" id="{5A370E30-2B2E-433B-57E6-715ABDD047A4}"/>
               </a:ext>
             </a:extLst>
           </p:cNvPr>
@@ -1348,7 +1348,7 @@
           <p:cNvPr id="5" name="Footer Placeholder 4">
             <a:extLst>
               <a:ext uri="{FF2B5EF4-FFF2-40B4-BE49-F238E27FC236}">
-                <a16:creationId xmlns="" xmlns:a16="http://schemas.microsoft.com/office/drawing/2014/main" id="{F1BC8FEC-7750-451A-7C8E-44830C79F5F8}"/>
+                <a16:creationId xmlns:a16="http://schemas.microsoft.com/office/drawing/2014/main" id="{F1BC8FEC-7750-451A-7C8E-44830C79F5F8}"/>
               </a:ext>
             </a:extLst>
           </p:cNvPr>
@@ -1373,7 +1373,7 @@
           <p:cNvPr id="6" name="Slide Number Placeholder 5">
             <a:extLst>
               <a:ext uri="{FF2B5EF4-FFF2-40B4-BE49-F238E27FC236}">
-                <a16:creationId xmlns="" xmlns:a16="http://schemas.microsoft.com/office/drawing/2014/main" id="{A924B3A1-BA3B-A5D8-9C7B-205A1946DDCC}"/>
+                <a16:creationId xmlns:a16="http://schemas.microsoft.com/office/drawing/2014/main" id="{A924B3A1-BA3B-A5D8-9C7B-205A1946DDCC}"/>
               </a:ext>
             </a:extLst>
           </p:cNvPr>
@@ -1401,7 +1401,7 @@
     </p:spTree>
     <p:extLst>
       <p:ext uri="{BB962C8B-B14F-4D97-AF65-F5344CB8AC3E}">
-        <p14:creationId xmlns="" xmlns:p14="http://schemas.microsoft.com/office/powerpoint/2010/main" val="1939927895"/>
+        <p14:creationId xmlns:p14="http://schemas.microsoft.com/office/powerpoint/2010/main" val="1939927895"/>
       </p:ext>
     </p:extLst>
   </p:cSld>
@@ -1433,7 +1433,7 @@
           <p:cNvPr id="2" name="Title 1">
             <a:extLst>
               <a:ext uri="{FF2B5EF4-FFF2-40B4-BE49-F238E27FC236}">
-                <a16:creationId xmlns="" xmlns:a16="http://schemas.microsoft.com/office/drawing/2014/main" id="{474DD7FA-615A-F4B9-950C-7568BC1797B7}"/>
+                <a16:creationId xmlns:a16="http://schemas.microsoft.com/office/drawing/2014/main" id="{474DD7FA-615A-F4B9-950C-7568BC1797B7}"/>
               </a:ext>
             </a:extLst>
           </p:cNvPr>
@@ -1471,7 +1471,7 @@
           <p:cNvPr id="3" name="Text Placeholder 2">
             <a:extLst>
               <a:ext uri="{FF2B5EF4-FFF2-40B4-BE49-F238E27FC236}">
-                <a16:creationId xmlns="" xmlns:a16="http://schemas.microsoft.com/office/drawing/2014/main" id="{3AFE13B3-ED66-852E-BACE-D8BBFF725220}"/>
+                <a16:creationId xmlns:a16="http://schemas.microsoft.com/office/drawing/2014/main" id="{3AFE13B3-ED66-852E-BACE-D8BBFF725220}"/>
               </a:ext>
             </a:extLst>
           </p:cNvPr>
@@ -1596,7 +1596,7 @@
           <p:cNvPr id="4" name="Date Placeholder 3">
             <a:extLst>
               <a:ext uri="{FF2B5EF4-FFF2-40B4-BE49-F238E27FC236}">
-                <a16:creationId xmlns="" xmlns:a16="http://schemas.microsoft.com/office/drawing/2014/main" id="{2B4F40C8-D8DF-F90B-3C08-6986A421957A}"/>
+                <a16:creationId xmlns:a16="http://schemas.microsoft.com/office/drawing/2014/main" id="{2B4F40C8-D8DF-F90B-3C08-6986A421957A}"/>
               </a:ext>
             </a:extLst>
           </p:cNvPr>
@@ -1626,7 +1626,7 @@
           <p:cNvPr id="5" name="Footer Placeholder 4">
             <a:extLst>
               <a:ext uri="{FF2B5EF4-FFF2-40B4-BE49-F238E27FC236}">
-                <a16:creationId xmlns="" xmlns:a16="http://schemas.microsoft.com/office/drawing/2014/main" id="{652F9F29-6926-1582-E045-164EF49DA90B}"/>
+                <a16:creationId xmlns:a16="http://schemas.microsoft.com/office/drawing/2014/main" id="{652F9F29-6926-1582-E045-164EF49DA90B}"/>
               </a:ext>
             </a:extLst>
           </p:cNvPr>
@@ -1651,7 +1651,7 @@
           <p:cNvPr id="6" name="Slide Number Placeholder 5">
             <a:extLst>
               <a:ext uri="{FF2B5EF4-FFF2-40B4-BE49-F238E27FC236}">
-                <a16:creationId xmlns="" xmlns:a16="http://schemas.microsoft.com/office/drawing/2014/main" id="{0C40B3F1-15F4-8B75-B62F-498424B50A14}"/>
+                <a16:creationId xmlns:a16="http://schemas.microsoft.com/office/drawing/2014/main" id="{0C40B3F1-15F4-8B75-B62F-498424B50A14}"/>
               </a:ext>
             </a:extLst>
           </p:cNvPr>
@@ -1679,7 +1679,7 @@
     </p:spTree>
     <p:extLst>
       <p:ext uri="{BB962C8B-B14F-4D97-AF65-F5344CB8AC3E}">
-        <p14:creationId xmlns="" xmlns:p14="http://schemas.microsoft.com/office/powerpoint/2010/main" val="472402021"/>
+        <p14:creationId xmlns:p14="http://schemas.microsoft.com/office/powerpoint/2010/main" val="472402021"/>
       </p:ext>
     </p:extLst>
   </p:cSld>
@@ -1711,7 +1711,7 @@
           <p:cNvPr id="2" name="Title 1">
             <a:extLst>
               <a:ext uri="{FF2B5EF4-FFF2-40B4-BE49-F238E27FC236}">
-                <a16:creationId xmlns="" xmlns:a16="http://schemas.microsoft.com/office/drawing/2014/main" id="{339F1CEB-5495-30EC-D841-E7E91D2786C6}"/>
+                <a16:creationId xmlns:a16="http://schemas.microsoft.com/office/drawing/2014/main" id="{339F1CEB-5495-30EC-D841-E7E91D2786C6}"/>
               </a:ext>
             </a:extLst>
           </p:cNvPr>
@@ -1740,7 +1740,7 @@
           <p:cNvPr id="3" name="Content Placeholder 2">
             <a:extLst>
               <a:ext uri="{FF2B5EF4-FFF2-40B4-BE49-F238E27FC236}">
-                <a16:creationId xmlns="" xmlns:a16="http://schemas.microsoft.com/office/drawing/2014/main" id="{3AD4F28D-B5CA-F4EC-30A9-3FF760CED78A}"/>
+                <a16:creationId xmlns:a16="http://schemas.microsoft.com/office/drawing/2014/main" id="{3AD4F28D-B5CA-F4EC-30A9-3FF760CED78A}"/>
               </a:ext>
             </a:extLst>
           </p:cNvPr>
@@ -1803,7 +1803,7 @@
           <p:cNvPr id="4" name="Content Placeholder 3">
             <a:extLst>
               <a:ext uri="{FF2B5EF4-FFF2-40B4-BE49-F238E27FC236}">
-                <a16:creationId xmlns="" xmlns:a16="http://schemas.microsoft.com/office/drawing/2014/main" id="{57737B83-7A1A-2FE3-95BC-B02F8047D02B}"/>
+                <a16:creationId xmlns:a16="http://schemas.microsoft.com/office/drawing/2014/main" id="{57737B83-7A1A-2FE3-95BC-B02F8047D02B}"/>
               </a:ext>
             </a:extLst>
           </p:cNvPr>
@@ -1866,7 +1866,7 @@
           <p:cNvPr id="5" name="Date Placeholder 4">
             <a:extLst>
               <a:ext uri="{FF2B5EF4-FFF2-40B4-BE49-F238E27FC236}">
-                <a16:creationId xmlns="" xmlns:a16="http://schemas.microsoft.com/office/drawing/2014/main" id="{CD6BAB4A-37F6-DEA7-6885-EF3ECC83C656}"/>
+                <a16:creationId xmlns:a16="http://schemas.microsoft.com/office/drawing/2014/main" id="{CD6BAB4A-37F6-DEA7-6885-EF3ECC83C656}"/>
               </a:ext>
             </a:extLst>
           </p:cNvPr>
@@ -1896,7 +1896,7 @@
           <p:cNvPr id="6" name="Footer Placeholder 5">
             <a:extLst>
               <a:ext uri="{FF2B5EF4-FFF2-40B4-BE49-F238E27FC236}">
-                <a16:creationId xmlns="" xmlns:a16="http://schemas.microsoft.com/office/drawing/2014/main" id="{65CE3BF7-0DC4-5A48-F9A6-2F4AC8B703FD}"/>
+                <a16:creationId xmlns:a16="http://schemas.microsoft.com/office/drawing/2014/main" id="{65CE3BF7-0DC4-5A48-F9A6-2F4AC8B703FD}"/>
               </a:ext>
             </a:extLst>
           </p:cNvPr>
@@ -1921,7 +1921,7 @@
           <p:cNvPr id="7" name="Slide Number Placeholder 6">
             <a:extLst>
               <a:ext uri="{FF2B5EF4-FFF2-40B4-BE49-F238E27FC236}">
-                <a16:creationId xmlns="" xmlns:a16="http://schemas.microsoft.com/office/drawing/2014/main" id="{2E568719-F689-08CA-64F4-9B4130BA4A23}"/>
+                <a16:creationId xmlns:a16="http://schemas.microsoft.com/office/drawing/2014/main" id="{2E568719-F689-08CA-64F4-9B4130BA4A23}"/>
               </a:ext>
             </a:extLst>
           </p:cNvPr>
@@ -1949,7 +1949,7 @@
     </p:spTree>
     <p:extLst>
       <p:ext uri="{BB962C8B-B14F-4D97-AF65-F5344CB8AC3E}">
-        <p14:creationId xmlns="" xmlns:p14="http://schemas.microsoft.com/office/powerpoint/2010/main" val="292412517"/>
+        <p14:creationId xmlns:p14="http://schemas.microsoft.com/office/powerpoint/2010/main" val="292412517"/>
       </p:ext>
     </p:extLst>
   </p:cSld>
@@ -1981,7 +1981,7 @@
           <p:cNvPr id="2" name="Title 1">
             <a:extLst>
               <a:ext uri="{FF2B5EF4-FFF2-40B4-BE49-F238E27FC236}">
-                <a16:creationId xmlns="" xmlns:a16="http://schemas.microsoft.com/office/drawing/2014/main" id="{90F0BFE2-E9CA-DC2B-57F1-4A3DE9C7191A}"/>
+                <a16:creationId xmlns:a16="http://schemas.microsoft.com/office/drawing/2014/main" id="{90F0BFE2-E9CA-DC2B-57F1-4A3DE9C7191A}"/>
               </a:ext>
             </a:extLst>
           </p:cNvPr>
@@ -2015,7 +2015,7 @@
           <p:cNvPr id="3" name="Text Placeholder 2">
             <a:extLst>
               <a:ext uri="{FF2B5EF4-FFF2-40B4-BE49-F238E27FC236}">
-                <a16:creationId xmlns="" xmlns:a16="http://schemas.microsoft.com/office/drawing/2014/main" id="{6D77EE4D-30E2-BF74-14E5-208082927254}"/>
+                <a16:creationId xmlns:a16="http://schemas.microsoft.com/office/drawing/2014/main" id="{6D77EE4D-30E2-BF74-14E5-208082927254}"/>
               </a:ext>
             </a:extLst>
           </p:cNvPr>
@@ -2086,7 +2086,7 @@
           <p:cNvPr id="4" name="Content Placeholder 3">
             <a:extLst>
               <a:ext uri="{FF2B5EF4-FFF2-40B4-BE49-F238E27FC236}">
-                <a16:creationId xmlns="" xmlns:a16="http://schemas.microsoft.com/office/drawing/2014/main" id="{587EBC84-615A-97BB-3F75-63C4FF1BF174}"/>
+                <a16:creationId xmlns:a16="http://schemas.microsoft.com/office/drawing/2014/main" id="{587EBC84-615A-97BB-3F75-63C4FF1BF174}"/>
               </a:ext>
             </a:extLst>
           </p:cNvPr>
@@ -2149,7 +2149,7 @@
           <p:cNvPr id="5" name="Text Placeholder 4">
             <a:extLst>
               <a:ext uri="{FF2B5EF4-FFF2-40B4-BE49-F238E27FC236}">
-                <a16:creationId xmlns="" xmlns:a16="http://schemas.microsoft.com/office/drawing/2014/main" id="{8E5A8D3E-2E55-582D-263F-0145B31D8545}"/>
+                <a16:creationId xmlns:a16="http://schemas.microsoft.com/office/drawing/2014/main" id="{8E5A8D3E-2E55-582D-263F-0145B31D8545}"/>
               </a:ext>
             </a:extLst>
           </p:cNvPr>
@@ -2220,7 +2220,7 @@
           <p:cNvPr id="6" name="Content Placeholder 5">
             <a:extLst>
               <a:ext uri="{FF2B5EF4-FFF2-40B4-BE49-F238E27FC236}">
-                <a16:creationId xmlns="" xmlns:a16="http://schemas.microsoft.com/office/drawing/2014/main" id="{44F8719A-2B4E-DDAA-8710-2DAD024B2527}"/>
+                <a16:creationId xmlns:a16="http://schemas.microsoft.com/office/drawing/2014/main" id="{44F8719A-2B4E-DDAA-8710-2DAD024B2527}"/>
               </a:ext>
             </a:extLst>
           </p:cNvPr>
@@ -2283,7 +2283,7 @@
           <p:cNvPr id="7" name="Date Placeholder 6">
             <a:extLst>
               <a:ext uri="{FF2B5EF4-FFF2-40B4-BE49-F238E27FC236}">
-                <a16:creationId xmlns="" xmlns:a16="http://schemas.microsoft.com/office/drawing/2014/main" id="{8633A6A7-2951-2F69-2838-A82A41D3E5B2}"/>
+                <a16:creationId xmlns:a16="http://schemas.microsoft.com/office/drawing/2014/main" id="{8633A6A7-2951-2F69-2838-A82A41D3E5B2}"/>
               </a:ext>
             </a:extLst>
           </p:cNvPr>
@@ -2313,7 +2313,7 @@
           <p:cNvPr id="8" name="Footer Placeholder 7">
             <a:extLst>
               <a:ext uri="{FF2B5EF4-FFF2-40B4-BE49-F238E27FC236}">
-                <a16:creationId xmlns="" xmlns:a16="http://schemas.microsoft.com/office/drawing/2014/main" id="{82845914-0579-F62A-0E60-F28E95B4A1EB}"/>
+                <a16:creationId xmlns:a16="http://schemas.microsoft.com/office/drawing/2014/main" id="{82845914-0579-F62A-0E60-F28E95B4A1EB}"/>
               </a:ext>
             </a:extLst>
           </p:cNvPr>
@@ -2338,7 +2338,7 @@
           <p:cNvPr id="9" name="Slide Number Placeholder 8">
             <a:extLst>
               <a:ext uri="{FF2B5EF4-FFF2-40B4-BE49-F238E27FC236}">
-                <a16:creationId xmlns="" xmlns:a16="http://schemas.microsoft.com/office/drawing/2014/main" id="{1E9137EC-5BB5-BBDF-E257-301C68A3F09D}"/>
+                <a16:creationId xmlns:a16="http://schemas.microsoft.com/office/drawing/2014/main" id="{1E9137EC-5BB5-BBDF-E257-301C68A3F09D}"/>
               </a:ext>
             </a:extLst>
           </p:cNvPr>
@@ -2366,7 +2366,7 @@
     </p:spTree>
     <p:extLst>
       <p:ext uri="{BB962C8B-B14F-4D97-AF65-F5344CB8AC3E}">
-        <p14:creationId xmlns="" xmlns:p14="http://schemas.microsoft.com/office/powerpoint/2010/main" val="1631315875"/>
+        <p14:creationId xmlns:p14="http://schemas.microsoft.com/office/powerpoint/2010/main" val="1631315875"/>
       </p:ext>
     </p:extLst>
   </p:cSld>
@@ -2398,7 +2398,7 @@
           <p:cNvPr id="2" name="Title 1">
             <a:extLst>
               <a:ext uri="{FF2B5EF4-FFF2-40B4-BE49-F238E27FC236}">
-                <a16:creationId xmlns="" xmlns:a16="http://schemas.microsoft.com/office/drawing/2014/main" id="{D7B7A3AA-2DCB-A2AC-D271-E3B430E21DE5}"/>
+                <a16:creationId xmlns:a16="http://schemas.microsoft.com/office/drawing/2014/main" id="{D7B7A3AA-2DCB-A2AC-D271-E3B430E21DE5}"/>
               </a:ext>
             </a:extLst>
           </p:cNvPr>
@@ -2427,7 +2427,7 @@
           <p:cNvPr id="3" name="Date Placeholder 2">
             <a:extLst>
               <a:ext uri="{FF2B5EF4-FFF2-40B4-BE49-F238E27FC236}">
-                <a16:creationId xmlns="" xmlns:a16="http://schemas.microsoft.com/office/drawing/2014/main" id="{F7DCBEDE-C61B-A048-531A-3BDFAAA6FB6D}"/>
+                <a16:creationId xmlns:a16="http://schemas.microsoft.com/office/drawing/2014/main" id="{F7DCBEDE-C61B-A048-531A-3BDFAAA6FB6D}"/>
               </a:ext>
             </a:extLst>
           </p:cNvPr>
@@ -2457,7 +2457,7 @@
           <p:cNvPr id="4" name="Footer Placeholder 3">
             <a:extLst>
               <a:ext uri="{FF2B5EF4-FFF2-40B4-BE49-F238E27FC236}">
-                <a16:creationId xmlns="" xmlns:a16="http://schemas.microsoft.com/office/drawing/2014/main" id="{57EB5CEB-3AD5-94C0-348D-891DE605A56B}"/>
+                <a16:creationId xmlns:a16="http://schemas.microsoft.com/office/drawing/2014/main" id="{57EB5CEB-3AD5-94C0-348D-891DE605A56B}"/>
               </a:ext>
             </a:extLst>
           </p:cNvPr>
@@ -2482,7 +2482,7 @@
           <p:cNvPr id="5" name="Slide Number Placeholder 4">
             <a:extLst>
               <a:ext uri="{FF2B5EF4-FFF2-40B4-BE49-F238E27FC236}">
-                <a16:creationId xmlns="" xmlns:a16="http://schemas.microsoft.com/office/drawing/2014/main" id="{7226F3F6-1322-8417-A453-3D9708A92E2F}"/>
+                <a16:creationId xmlns:a16="http://schemas.microsoft.com/office/drawing/2014/main" id="{7226F3F6-1322-8417-A453-3D9708A92E2F}"/>
               </a:ext>
             </a:extLst>
           </p:cNvPr>
@@ -2510,7 +2510,7 @@
     </p:spTree>
     <p:extLst>
       <p:ext uri="{BB962C8B-B14F-4D97-AF65-F5344CB8AC3E}">
-        <p14:creationId xmlns="" xmlns:p14="http://schemas.microsoft.com/office/powerpoint/2010/main" val="1723479412"/>
+        <p14:creationId xmlns:p14="http://schemas.microsoft.com/office/powerpoint/2010/main" val="1723479412"/>
       </p:ext>
     </p:extLst>
   </p:cSld>
@@ -2542,7 +2542,7 @@
           <p:cNvPr id="2" name="Date Placeholder 1">
             <a:extLst>
               <a:ext uri="{FF2B5EF4-FFF2-40B4-BE49-F238E27FC236}">
-                <a16:creationId xmlns="" xmlns:a16="http://schemas.microsoft.com/office/drawing/2014/main" id="{9FB55AEC-8869-54A2-A918-005EE38627BD}"/>
+                <a16:creationId xmlns:a16="http://schemas.microsoft.com/office/drawing/2014/main" id="{9FB55AEC-8869-54A2-A918-005EE38627BD}"/>
               </a:ext>
             </a:extLst>
           </p:cNvPr>
@@ -2572,7 +2572,7 @@
           <p:cNvPr id="3" name="Footer Placeholder 2">
             <a:extLst>
               <a:ext uri="{FF2B5EF4-FFF2-40B4-BE49-F238E27FC236}">
-                <a16:creationId xmlns="" xmlns:a16="http://schemas.microsoft.com/office/drawing/2014/main" id="{2F1C656A-5B43-61CD-F53D-4A6213890D3B}"/>
+                <a16:creationId xmlns:a16="http://schemas.microsoft.com/office/drawing/2014/main" id="{2F1C656A-5B43-61CD-F53D-4A6213890D3B}"/>
               </a:ext>
             </a:extLst>
           </p:cNvPr>
@@ -2597,7 +2597,7 @@
           <p:cNvPr id="4" name="Slide Number Placeholder 3">
             <a:extLst>
               <a:ext uri="{FF2B5EF4-FFF2-40B4-BE49-F238E27FC236}">
-                <a16:creationId xmlns="" xmlns:a16="http://schemas.microsoft.com/office/drawing/2014/main" id="{898F7BF4-6274-5727-26E8-E96041D983BB}"/>
+                <a16:creationId xmlns:a16="http://schemas.microsoft.com/office/drawing/2014/main" id="{898F7BF4-6274-5727-26E8-E96041D983BB}"/>
               </a:ext>
             </a:extLst>
           </p:cNvPr>
@@ -2625,7 +2625,7 @@
     </p:spTree>
     <p:extLst>
       <p:ext uri="{BB962C8B-B14F-4D97-AF65-F5344CB8AC3E}">
-        <p14:creationId xmlns="" xmlns:p14="http://schemas.microsoft.com/office/powerpoint/2010/main" val="2453492435"/>
+        <p14:creationId xmlns:p14="http://schemas.microsoft.com/office/powerpoint/2010/main" val="2453492435"/>
       </p:ext>
     </p:extLst>
   </p:cSld>
@@ -2657,7 +2657,7 @@
           <p:cNvPr id="2" name="Title 1">
             <a:extLst>
               <a:ext uri="{FF2B5EF4-FFF2-40B4-BE49-F238E27FC236}">
-                <a16:creationId xmlns="" xmlns:a16="http://schemas.microsoft.com/office/drawing/2014/main" id="{5D9CEE6C-C1C9-D433-835E-7AE0C78B9971}"/>
+                <a16:creationId xmlns:a16="http://schemas.microsoft.com/office/drawing/2014/main" id="{5D9CEE6C-C1C9-D433-835E-7AE0C78B9971}"/>
               </a:ext>
             </a:extLst>
           </p:cNvPr>
@@ -2695,7 +2695,7 @@
           <p:cNvPr id="3" name="Content Placeholder 2">
             <a:extLst>
               <a:ext uri="{FF2B5EF4-FFF2-40B4-BE49-F238E27FC236}">
-                <a16:creationId xmlns="" xmlns:a16="http://schemas.microsoft.com/office/drawing/2014/main" id="{D6477CB4-9796-24B2-D9F0-FEFD7FCED166}"/>
+                <a16:creationId xmlns:a16="http://schemas.microsoft.com/office/drawing/2014/main" id="{D6477CB4-9796-24B2-D9F0-FEFD7FCED166}"/>
               </a:ext>
             </a:extLst>
           </p:cNvPr>
@@ -2786,7 +2786,7 @@
           <p:cNvPr id="4" name="Text Placeholder 3">
             <a:extLst>
               <a:ext uri="{FF2B5EF4-FFF2-40B4-BE49-F238E27FC236}">
-                <a16:creationId xmlns="" xmlns:a16="http://schemas.microsoft.com/office/drawing/2014/main" id="{F1BF0108-EDAF-C5C5-9706-2252D23D483F}"/>
+                <a16:creationId xmlns:a16="http://schemas.microsoft.com/office/drawing/2014/main" id="{F1BF0108-EDAF-C5C5-9706-2252D23D483F}"/>
               </a:ext>
             </a:extLst>
           </p:cNvPr>
@@ -2857,7 +2857,7 @@
           <p:cNvPr id="5" name="Date Placeholder 4">
             <a:extLst>
               <a:ext uri="{FF2B5EF4-FFF2-40B4-BE49-F238E27FC236}">
-                <a16:creationId xmlns="" xmlns:a16="http://schemas.microsoft.com/office/drawing/2014/main" id="{D9038628-E017-80BD-27C9-B957CEF33D1F}"/>
+                <a16:creationId xmlns:a16="http://schemas.microsoft.com/office/drawing/2014/main" id="{D9038628-E017-80BD-27C9-B957CEF33D1F}"/>
               </a:ext>
             </a:extLst>
           </p:cNvPr>
@@ -2887,7 +2887,7 @@
           <p:cNvPr id="6" name="Footer Placeholder 5">
             <a:extLst>
               <a:ext uri="{FF2B5EF4-FFF2-40B4-BE49-F238E27FC236}">
-                <a16:creationId xmlns="" xmlns:a16="http://schemas.microsoft.com/office/drawing/2014/main" id="{F8387076-C8E0-45EE-58FF-4791BC9DCBE8}"/>
+                <a16:creationId xmlns:a16="http://schemas.microsoft.com/office/drawing/2014/main" id="{F8387076-C8E0-45EE-58FF-4791BC9DCBE8}"/>
               </a:ext>
             </a:extLst>
           </p:cNvPr>
@@ -2912,7 +2912,7 @@
           <p:cNvPr id="7" name="Slide Number Placeholder 6">
             <a:extLst>
               <a:ext uri="{FF2B5EF4-FFF2-40B4-BE49-F238E27FC236}">
-                <a16:creationId xmlns="" xmlns:a16="http://schemas.microsoft.com/office/drawing/2014/main" id="{978CB46B-1B46-1E88-CC23-D5BC8BDA73FF}"/>
+                <a16:creationId xmlns:a16="http://schemas.microsoft.com/office/drawing/2014/main" id="{978CB46B-1B46-1E88-CC23-D5BC8BDA73FF}"/>
               </a:ext>
             </a:extLst>
           </p:cNvPr>
@@ -2940,7 +2940,7 @@
     </p:spTree>
     <p:extLst>
       <p:ext uri="{BB962C8B-B14F-4D97-AF65-F5344CB8AC3E}">
-        <p14:creationId xmlns="" xmlns:p14="http://schemas.microsoft.com/office/powerpoint/2010/main" val="4181189447"/>
+        <p14:creationId xmlns:p14="http://schemas.microsoft.com/office/powerpoint/2010/main" val="4181189447"/>
       </p:ext>
     </p:extLst>
   </p:cSld>
@@ -2972,7 +2972,7 @@
           <p:cNvPr id="2" name="Title 1">
             <a:extLst>
               <a:ext uri="{FF2B5EF4-FFF2-40B4-BE49-F238E27FC236}">
-                <a16:creationId xmlns="" xmlns:a16="http://schemas.microsoft.com/office/drawing/2014/main" id="{CDB02663-02F6-3A0D-9829-AC016FB90A2D}"/>
+                <a16:creationId xmlns:a16="http://schemas.microsoft.com/office/drawing/2014/main" id="{CDB02663-02F6-3A0D-9829-AC016FB90A2D}"/>
               </a:ext>
             </a:extLst>
           </p:cNvPr>
@@ -3010,7 +3010,7 @@
           <p:cNvPr id="3" name="Picture Placeholder 2">
             <a:extLst>
               <a:ext uri="{FF2B5EF4-FFF2-40B4-BE49-F238E27FC236}">
-                <a16:creationId xmlns="" xmlns:a16="http://schemas.microsoft.com/office/drawing/2014/main" id="{E6BF4D1A-0B56-34C4-8431-BCA2F561F317}"/>
+                <a16:creationId xmlns:a16="http://schemas.microsoft.com/office/drawing/2014/main" id="{E6BF4D1A-0B56-34C4-8431-BCA2F561F317}"/>
               </a:ext>
             </a:extLst>
           </p:cNvPr>
@@ -3077,7 +3077,7 @@
           <p:cNvPr id="4" name="Text Placeholder 3">
             <a:extLst>
               <a:ext uri="{FF2B5EF4-FFF2-40B4-BE49-F238E27FC236}">
-                <a16:creationId xmlns="" xmlns:a16="http://schemas.microsoft.com/office/drawing/2014/main" id="{03E137C0-8249-269C-08E5-02E955753D7A}"/>
+                <a16:creationId xmlns:a16="http://schemas.microsoft.com/office/drawing/2014/main" id="{03E137C0-8249-269C-08E5-02E955753D7A}"/>
               </a:ext>
             </a:extLst>
           </p:cNvPr>
@@ -3148,7 +3148,7 @@
           <p:cNvPr id="5" name="Date Placeholder 4">
             <a:extLst>
               <a:ext uri="{FF2B5EF4-FFF2-40B4-BE49-F238E27FC236}">
-                <a16:creationId xmlns="" xmlns:a16="http://schemas.microsoft.com/office/drawing/2014/main" id="{C0EDC815-A1AF-B873-DB5F-27BE43CB9CC9}"/>
+                <a16:creationId xmlns:a16="http://schemas.microsoft.com/office/drawing/2014/main" id="{C0EDC815-A1AF-B873-DB5F-27BE43CB9CC9}"/>
               </a:ext>
             </a:extLst>
           </p:cNvPr>
@@ -3178,7 +3178,7 @@
           <p:cNvPr id="6" name="Footer Placeholder 5">
             <a:extLst>
               <a:ext uri="{FF2B5EF4-FFF2-40B4-BE49-F238E27FC236}">
-                <a16:creationId xmlns="" xmlns:a16="http://schemas.microsoft.com/office/drawing/2014/main" id="{77F604FE-1B10-9927-1027-F18B4A414458}"/>
+                <a16:creationId xmlns:a16="http://schemas.microsoft.com/office/drawing/2014/main" id="{77F604FE-1B10-9927-1027-F18B4A414458}"/>
               </a:ext>
             </a:extLst>
           </p:cNvPr>
@@ -3203,7 +3203,7 @@
           <p:cNvPr id="7" name="Slide Number Placeholder 6">
             <a:extLst>
               <a:ext uri="{FF2B5EF4-FFF2-40B4-BE49-F238E27FC236}">
-                <a16:creationId xmlns="" xmlns:a16="http://schemas.microsoft.com/office/drawing/2014/main" id="{D70E0FCB-0F58-8666-B4A4-0C61CA8BC416}"/>
+                <a16:creationId xmlns:a16="http://schemas.microsoft.com/office/drawing/2014/main" id="{D70E0FCB-0F58-8666-B4A4-0C61CA8BC416}"/>
               </a:ext>
             </a:extLst>
           </p:cNvPr>
@@ -3231,7 +3231,7 @@
     </p:spTree>
     <p:extLst>
       <p:ext uri="{BB962C8B-B14F-4D97-AF65-F5344CB8AC3E}">
-        <p14:creationId xmlns="" xmlns:p14="http://schemas.microsoft.com/office/powerpoint/2010/main" val="1500425649"/>
+        <p14:creationId xmlns:p14="http://schemas.microsoft.com/office/powerpoint/2010/main" val="1500425649"/>
       </p:ext>
     </p:extLst>
   </p:cSld>
@@ -3268,7 +3268,7 @@
           <p:cNvPr id="2" name="Title Placeholder 1">
             <a:extLst>
               <a:ext uri="{FF2B5EF4-FFF2-40B4-BE49-F238E27FC236}">
-                <a16:creationId xmlns="" xmlns:a16="http://schemas.microsoft.com/office/drawing/2014/main" id="{26A356EA-1C8A-1127-3B33-64B5F80894FB}"/>
+                <a16:creationId xmlns:a16="http://schemas.microsoft.com/office/drawing/2014/main" id="{26A356EA-1C8A-1127-3B33-64B5F80894FB}"/>
               </a:ext>
             </a:extLst>
           </p:cNvPr>
@@ -3307,7 +3307,7 @@
           <p:cNvPr id="3" name="Text Placeholder 2">
             <a:extLst>
               <a:ext uri="{FF2B5EF4-FFF2-40B4-BE49-F238E27FC236}">
-                <a16:creationId xmlns="" xmlns:a16="http://schemas.microsoft.com/office/drawing/2014/main" id="{9540629D-7BB3-017F-6398-83F1CA543D65}"/>
+                <a16:creationId xmlns:a16="http://schemas.microsoft.com/office/drawing/2014/main" id="{9540629D-7BB3-017F-6398-83F1CA543D65}"/>
               </a:ext>
             </a:extLst>
           </p:cNvPr>
@@ -3375,7 +3375,7 @@
           <p:cNvPr id="4" name="Date Placeholder 3">
             <a:extLst>
               <a:ext uri="{FF2B5EF4-FFF2-40B4-BE49-F238E27FC236}">
-                <a16:creationId xmlns="" xmlns:a16="http://schemas.microsoft.com/office/drawing/2014/main" id="{F181D787-A399-A1C4-B769-FB551B089AD3}"/>
+                <a16:creationId xmlns:a16="http://schemas.microsoft.com/office/drawing/2014/main" id="{F181D787-A399-A1C4-B769-FB551B089AD3}"/>
               </a:ext>
             </a:extLst>
           </p:cNvPr>
@@ -3423,7 +3423,7 @@
           <p:cNvPr id="5" name="Footer Placeholder 4">
             <a:extLst>
               <a:ext uri="{FF2B5EF4-FFF2-40B4-BE49-F238E27FC236}">
-                <a16:creationId xmlns="" xmlns:a16="http://schemas.microsoft.com/office/drawing/2014/main" id="{6AC1B5C8-5FC6-82CE-0584-31DFB6D37133}"/>
+                <a16:creationId xmlns:a16="http://schemas.microsoft.com/office/drawing/2014/main" id="{6AC1B5C8-5FC6-82CE-0584-31DFB6D37133}"/>
               </a:ext>
             </a:extLst>
           </p:cNvPr>
@@ -3466,7 +3466,7 @@
           <p:cNvPr id="6" name="Slide Number Placeholder 5">
             <a:extLst>
               <a:ext uri="{FF2B5EF4-FFF2-40B4-BE49-F238E27FC236}">
-                <a16:creationId xmlns="" xmlns:a16="http://schemas.microsoft.com/office/drawing/2014/main" id="{FC30154C-6DBF-F6EB-30B2-9153249AD839}"/>
+                <a16:creationId xmlns:a16="http://schemas.microsoft.com/office/drawing/2014/main" id="{FC30154C-6DBF-F6EB-30B2-9153249AD839}"/>
               </a:ext>
             </a:extLst>
           </p:cNvPr>
@@ -3512,7 +3512,7 @@
     </p:spTree>
     <p:extLst>
       <p:ext uri="{BB962C8B-B14F-4D97-AF65-F5344CB8AC3E}">
-        <p14:creationId xmlns="" xmlns:p14="http://schemas.microsoft.com/office/powerpoint/2010/main" val="766404787"/>
+        <p14:creationId xmlns:p14="http://schemas.microsoft.com/office/powerpoint/2010/main" val="766404787"/>
       </p:ext>
     </p:extLst>
   </p:cSld>
@@ -3843,7 +3843,7 @@
           <p:cNvPr id="28" name="Picture 19" descr="Colourful charts and graphs">
             <a:extLst>
               <a:ext uri="{FF2B5EF4-FFF2-40B4-BE49-F238E27FC236}">
-                <a16:creationId xmlns="" xmlns:a16="http://schemas.microsoft.com/office/drawing/2014/main" id="{299A07DE-8725-3B4D-BDBA-5739D8F943BA}"/>
+                <a16:creationId xmlns:a16="http://schemas.microsoft.com/office/drawing/2014/main" id="{299A07DE-8725-3B4D-BDBA-5739D8F943BA}"/>
               </a:ext>
             </a:extLst>
           </p:cNvPr>
@@ -3984,7 +3984,7 @@
           <p:cNvPr id="8" name="TextBox 7">
             <a:extLst>
               <a:ext uri="{FF2B5EF4-FFF2-40B4-BE49-F238E27FC236}">
-                <a16:creationId xmlns="" xmlns:a16="http://schemas.microsoft.com/office/drawing/2014/main" id="{FBB6795C-FB99-CF17-54EF-44026FF8150F}"/>
+                <a16:creationId xmlns:a16="http://schemas.microsoft.com/office/drawing/2014/main" id="{FBB6795C-FB99-CF17-54EF-44026FF8150F}"/>
               </a:ext>
             </a:extLst>
           </p:cNvPr>
@@ -4024,7 +4024,7 @@
           <p:cNvPr id="22" name="TextBox 21" hidden="1">
             <a:extLst>
               <a:ext uri="{FF2B5EF4-FFF2-40B4-BE49-F238E27FC236}">
-                <a16:creationId xmlns="" xmlns:a16="http://schemas.microsoft.com/office/drawing/2014/main" id="{E593D707-90B7-8EB8-A16F-7FA467826B21}"/>
+                <a16:creationId xmlns:a16="http://schemas.microsoft.com/office/drawing/2014/main" id="{E593D707-90B7-8EB8-A16F-7FA467826B21}"/>
               </a:ext>
             </a:extLst>
           </p:cNvPr>
@@ -4092,7 +4092,7 @@
           <p:cNvPr id="2" name="TextBox 1">
             <a:extLst>
               <a:ext uri="{FF2B5EF4-FFF2-40B4-BE49-F238E27FC236}">
-                <a16:creationId xmlns="" xmlns:a16="http://schemas.microsoft.com/office/drawing/2014/main" id="{08B4B685-7AE9-44DF-22FD-C15358776F31}"/>
+                <a16:creationId xmlns:a16="http://schemas.microsoft.com/office/drawing/2014/main" id="{08B4B685-7AE9-44DF-22FD-C15358776F31}"/>
               </a:ext>
             </a:extLst>
           </p:cNvPr>
@@ -4117,7 +4117,7 @@
           <a:p>
             <a:pPr algn="ctr"/>
             <a:r>
-              <a:rPr lang="en-US" sz="2400" dirty="0" smtClean="0">
+              <a:rPr lang="en-US" sz="2400" dirty="0">
                 <a:solidFill>
                   <a:srgbClr val="002060"/>
                 </a:solidFill>
@@ -4126,13 +4126,6 @@
               </a:rPr>
               <a:t>Investment Strategies</a:t>
             </a:r>
-            <a:endParaRPr lang="en-US" sz="2400" dirty="0" smtClean="0">
-              <a:solidFill>
-                <a:srgbClr val="002060"/>
-              </a:solidFill>
-              <a:latin typeface="Cascadia Code SemiBold" pitchFamily="50" charset="0"/>
-              <a:cs typeface="Cascadia Code SemiBold" pitchFamily="50" charset="0"/>
-            </a:endParaRPr>
           </a:p>
           <a:p>
             <a:pPr algn="ctr"/>
@@ -4149,7 +4142,7 @@
     </p:spTree>
     <p:extLst>
       <p:ext uri="{BB962C8B-B14F-4D97-AF65-F5344CB8AC3E}">
-        <p14:creationId xmlns="" xmlns:p14="http://schemas.microsoft.com/office/powerpoint/2010/main" val="3266916071"/>
+        <p14:creationId xmlns:p14="http://schemas.microsoft.com/office/powerpoint/2010/main" val="3266916071"/>
       </p:ext>
     </p:extLst>
   </p:cSld>
@@ -4189,7 +4182,7 @@
           <p:cNvPr id="3" name="TextBox 2">
             <a:extLst>
               <a:ext uri="{FF2B5EF4-FFF2-40B4-BE49-F238E27FC236}">
-                <a16:creationId xmlns="" xmlns:a16="http://schemas.microsoft.com/office/drawing/2014/main" id="{3FCF3979-E4B3-0634-4C0B-AB862892E9BF}"/>
+                <a16:creationId xmlns:a16="http://schemas.microsoft.com/office/drawing/2014/main" id="{3FCF3979-E4B3-0634-4C0B-AB862892E9BF}"/>
               </a:ext>
             </a:extLst>
           </p:cNvPr>
@@ -4199,7 +4192,7 @@
         <p:spPr>
           <a:xfrm>
             <a:off x="596282" y="452140"/>
-            <a:ext cx="5272083" cy="1323439"/>
+            <a:ext cx="7485834" cy="1323439"/>
           </a:xfrm>
           <a:prstGeom prst="rect">
             <a:avLst/>
@@ -4213,7 +4206,7 @@
           <a:lstStyle/>
           <a:p>
             <a:r>
-              <a:rPr lang="en-IN" sz="4000" dirty="0" smtClean="0">
+              <a:rPr lang="en-IN" sz="4000" dirty="0">
                 <a:solidFill>
                   <a:srgbClr val="F4F4F2"/>
                 </a:solidFill>
@@ -4224,7 +4217,7 @@
           </a:p>
           <a:p>
             <a:r>
-              <a:rPr lang="en-IN" sz="4000" dirty="0" smtClean="0">
+              <a:rPr lang="en-IN" sz="4000" dirty="0">
                 <a:solidFill>
                   <a:srgbClr val="F4F4F2"/>
                 </a:solidFill>
@@ -4232,12 +4225,6 @@
               </a:rPr>
               <a:t>Momentum Investing</a:t>
             </a:r>
-            <a:endParaRPr lang="en-IN" sz="4000" dirty="0">
-              <a:solidFill>
-                <a:srgbClr val="F4F4F2"/>
-              </a:solidFill>
-              <a:latin typeface="Amasis MT Pro Black" panose="02040A04050005020304" pitchFamily="18" charset="0"/>
-            </a:endParaRPr>
           </a:p>
         </p:txBody>
       </p:sp>
@@ -4246,7 +4233,7 @@
           <p:cNvPr id="7" name="TextBox 6">
             <a:extLst>
               <a:ext uri="{FF2B5EF4-FFF2-40B4-BE49-F238E27FC236}">
-                <a16:creationId xmlns="" xmlns:a16="http://schemas.microsoft.com/office/drawing/2014/main" id="{4CE4714F-5B28-DDDA-2E6D-2AD9A4F1FC7E}"/>
+                <a16:creationId xmlns:a16="http://schemas.microsoft.com/office/drawing/2014/main" id="{4CE4714F-5B28-DDDA-2E6D-2AD9A4F1FC7E}"/>
               </a:ext>
             </a:extLst>
           </p:cNvPr>
@@ -4255,7 +4242,7 @@
         </p:nvSpPr>
         <p:spPr>
           <a:xfrm>
-            <a:off x="688628" y="2078424"/>
+            <a:off x="596282" y="2078713"/>
             <a:ext cx="7735502" cy="830997"/>
           </a:xfrm>
           <a:prstGeom prst="rect">
@@ -4285,7 +4272,7 @@
               <a:defRPr/>
             </a:pPr>
             <a:r>
-              <a:rPr lang="en-IN" sz="2400" dirty="0" smtClean="0">
+              <a:rPr lang="en-IN" sz="2400" dirty="0">
                 <a:solidFill>
                   <a:prstClr val="white"/>
                 </a:solidFill>
@@ -4300,24 +4287,14 @@
               <a:defRPr/>
             </a:pPr>
             <a:r>
-              <a:rPr lang="en-IN" sz="2400" dirty="0" smtClean="0">
+              <a:rPr lang="en-IN" sz="2400" dirty="0">
                 <a:solidFill>
                   <a:prstClr val="white"/>
                 </a:solidFill>
                 <a:latin typeface="Cascadia Code SemiBold" pitchFamily="50" charset="0"/>
                 <a:cs typeface="Cascadia Code SemiBold" pitchFamily="50" charset="0"/>
               </a:rPr>
-              <a:t>VALUE : Worth of a Stock</a:t>
-            </a:r>
-            <a:r>
-              <a:rPr lang="en-IN" sz="2400" dirty="0" smtClean="0">
-                <a:solidFill>
-                  <a:prstClr val="white"/>
-                </a:solidFill>
-                <a:latin typeface="Cascadia Code SemiBold" pitchFamily="50" charset="0"/>
-                <a:cs typeface="Cascadia Code SemiBold" pitchFamily="50" charset="0"/>
-              </a:rPr>
-              <a:t>.</a:t>
+              <a:t>VALUE : Worth of a Stock.</a:t>
             </a:r>
             <a:endParaRPr kumimoji="0" lang="en-IN" sz="2400" b="0" i="0" u="none" strike="noStrike" kern="1200" cap="none" spc="0" normalizeH="0" noProof="0" dirty="0">
               <a:ln>
@@ -4353,7 +4330,7 @@
         </p:blipFill>
         <p:spPr bwMode="auto">
           <a:xfrm>
-            <a:off x="3266614" y="3439464"/>
+            <a:off x="3003599" y="3301812"/>
             <a:ext cx="2671199" cy="2559899"/>
           </a:xfrm>
           <a:prstGeom prst="rect">
@@ -4367,7 +4344,7 @@
           <p:cNvPr id="12" name="TextBox 11">
             <a:extLst>
               <a:ext uri="{FF2B5EF4-FFF2-40B4-BE49-F238E27FC236}">
-                <a16:creationId xmlns="" xmlns:a16="http://schemas.microsoft.com/office/drawing/2014/main" id="{4CE4714F-5B28-DDDA-2E6D-2AD9A4F1FC7E}"/>
+                <a16:creationId xmlns:a16="http://schemas.microsoft.com/office/drawing/2014/main" id="{4CE4714F-5B28-DDDA-2E6D-2AD9A4F1FC7E}"/>
               </a:ext>
             </a:extLst>
           </p:cNvPr>
@@ -4376,7 +4353,7 @@
         </p:nvSpPr>
         <p:spPr>
           <a:xfrm>
-            <a:off x="1755427" y="3666085"/>
+            <a:off x="1056860" y="3717457"/>
             <a:ext cx="2145241" cy="461665"/>
           </a:xfrm>
           <a:prstGeom prst="rect">
@@ -4406,7 +4383,7 @@
               <a:defRPr/>
             </a:pPr>
             <a:r>
-              <a:rPr kumimoji="0" lang="en-IN" sz="2400" b="0" i="0" u="none" strike="noStrike" kern="1200" cap="none" spc="0" normalizeH="0" noProof="0" dirty="0" smtClean="0">
+              <a:rPr kumimoji="0" lang="en-IN" sz="2400" b="0" i="0" u="none" strike="noStrike" kern="1200" cap="none" spc="0" normalizeH="0" noProof="0" dirty="0">
                 <a:ln>
                   <a:noFill/>
                 </a:ln>
@@ -4422,20 +4399,6 @@
               </a:rPr>
               <a:t>MRP 10,000</a:t>
             </a:r>
-            <a:endParaRPr kumimoji="0" lang="en-IN" sz="2400" b="0" i="0" u="none" strike="noStrike" kern="1200" cap="none" spc="0" normalizeH="0" noProof="0" dirty="0">
-              <a:ln>
-                <a:noFill/>
-              </a:ln>
-              <a:solidFill>
-                <a:prstClr val="white"/>
-              </a:solidFill>
-              <a:effectLst/>
-              <a:uLnTx/>
-              <a:uFillTx/>
-              <a:latin typeface="Cascadia Code SemiBold" pitchFamily="50" charset="0"/>
-              <a:ea typeface="+mn-ea"/>
-              <a:cs typeface="Cascadia Code SemiBold" pitchFamily="50" charset="0"/>
-            </a:endParaRPr>
           </a:p>
         </p:txBody>
       </p:sp>
@@ -4444,7 +4407,7 @@
           <p:cNvPr id="13" name="TextBox 12">
             <a:extLst>
               <a:ext uri="{FF2B5EF4-FFF2-40B4-BE49-F238E27FC236}">
-                <a16:creationId xmlns="" xmlns:a16="http://schemas.microsoft.com/office/drawing/2014/main" id="{4CE4714F-5B28-DDDA-2E6D-2AD9A4F1FC7E}"/>
+                <a16:creationId xmlns:a16="http://schemas.microsoft.com/office/drawing/2014/main" id="{4CE4714F-5B28-DDDA-2E6D-2AD9A4F1FC7E}"/>
               </a:ext>
             </a:extLst>
           </p:cNvPr>
@@ -4453,7 +4416,7 @@
         </p:nvSpPr>
         <p:spPr>
           <a:xfrm>
-            <a:off x="5380233" y="3679588"/>
+            <a:off x="5545843" y="3717457"/>
             <a:ext cx="3069286" cy="461665"/>
           </a:xfrm>
           <a:prstGeom prst="rect">
@@ -4483,7 +4446,7 @@
               <a:defRPr/>
             </a:pPr>
             <a:r>
-              <a:rPr kumimoji="0" lang="en-IN" sz="2400" b="0" i="0" u="none" strike="noStrike" kern="1200" cap="none" spc="0" normalizeH="0" noProof="0" dirty="0" smtClean="0">
+              <a:rPr kumimoji="0" lang="en-IN" sz="2400" b="0" i="0" u="none" strike="noStrike" kern="1200" cap="none" spc="0" normalizeH="0" noProof="0" dirty="0">
                 <a:ln>
                   <a:noFill/>
                 </a:ln>
@@ -4499,20 +4462,6 @@
               </a:rPr>
               <a:t>Offer 15,000</a:t>
             </a:r>
-            <a:endParaRPr kumimoji="0" lang="en-IN" sz="2400" b="0" i="0" u="none" strike="noStrike" kern="1200" cap="none" spc="0" normalizeH="0" noProof="0" dirty="0">
-              <a:ln>
-                <a:noFill/>
-              </a:ln>
-              <a:solidFill>
-                <a:prstClr val="white"/>
-              </a:solidFill>
-              <a:effectLst/>
-              <a:uLnTx/>
-              <a:uFillTx/>
-              <a:latin typeface="Cascadia Code SemiBold" pitchFamily="50" charset="0"/>
-              <a:ea typeface="+mn-ea"/>
-              <a:cs typeface="Cascadia Code SemiBold" pitchFamily="50" charset="0"/>
-            </a:endParaRPr>
           </a:p>
         </p:txBody>
       </p:sp>
@@ -4521,7 +4470,7 @@
           <p:cNvPr id="14" name="TextBox 13">
             <a:extLst>
               <a:ext uri="{FF2B5EF4-FFF2-40B4-BE49-F238E27FC236}">
-                <a16:creationId xmlns="" xmlns:a16="http://schemas.microsoft.com/office/drawing/2014/main" id="{4CE4714F-5B28-DDDA-2E6D-2AD9A4F1FC7E}"/>
+                <a16:creationId xmlns:a16="http://schemas.microsoft.com/office/drawing/2014/main" id="{4CE4714F-5B28-DDDA-2E6D-2AD9A4F1FC7E}"/>
               </a:ext>
             </a:extLst>
           </p:cNvPr>
@@ -4530,7 +4479,7 @@
         </p:nvSpPr>
         <p:spPr>
           <a:xfrm>
-            <a:off x="5416887" y="5093629"/>
+            <a:off x="5545843" y="5113294"/>
             <a:ext cx="3069286" cy="461665"/>
           </a:xfrm>
           <a:prstGeom prst="rect">
@@ -4560,7 +4509,7 @@
               <a:defRPr/>
             </a:pPr>
             <a:r>
-              <a:rPr kumimoji="0" lang="en-IN" sz="2400" b="0" i="0" u="none" strike="noStrike" kern="1200" cap="none" spc="0" normalizeH="0" noProof="0" dirty="0" smtClean="0">
+              <a:rPr kumimoji="0" lang="en-IN" sz="2400" b="0" i="0" u="none" strike="noStrike" kern="1200" cap="none" spc="0" normalizeH="0" noProof="0" dirty="0">
                 <a:ln>
                   <a:noFill/>
                 </a:ln>
@@ -4576,27 +4525,13 @@
               </a:rPr>
               <a:t>Offer 5,000</a:t>
             </a:r>
-            <a:endParaRPr kumimoji="0" lang="en-IN" sz="2400" b="0" i="0" u="none" strike="noStrike" kern="1200" cap="none" spc="0" normalizeH="0" noProof="0" dirty="0">
-              <a:ln>
-                <a:noFill/>
-              </a:ln>
-              <a:solidFill>
-                <a:prstClr val="white"/>
-              </a:solidFill>
-              <a:effectLst/>
-              <a:uLnTx/>
-              <a:uFillTx/>
-              <a:latin typeface="Cascadia Code SemiBold" pitchFamily="50" charset="0"/>
-              <a:ea typeface="+mn-ea"/>
-              <a:cs typeface="Cascadia Code SemiBold" pitchFamily="50" charset="0"/>
-            </a:endParaRPr>
           </a:p>
         </p:txBody>
       </p:sp>
     </p:spTree>
     <p:extLst>
       <p:ext uri="{BB962C8B-B14F-4D97-AF65-F5344CB8AC3E}">
-        <p14:creationId xmlns="" xmlns:p14="http://schemas.microsoft.com/office/powerpoint/2010/main" val="2656182769"/>
+        <p14:creationId xmlns:p14="http://schemas.microsoft.com/office/powerpoint/2010/main" val="2656182769"/>
       </p:ext>
     </p:extLst>
   </p:cSld>
@@ -4607,9 +4542,303 @@
   <p:timing>
     <p:tnLst>
       <p:par>
-        <p:cTn id="1" dur="indefinite" restart="never" nodeType="tmRoot"/>
+        <p:cTn id="1" dur="indefinite" restart="never" nodeType="tmRoot">
+          <p:childTnLst>
+            <p:seq concurrent="1" nextAc="seek">
+              <p:cTn id="2" dur="indefinite" nodeType="mainSeq">
+                <p:childTnLst>
+                  <p:par>
+                    <p:cTn id="3" fill="hold">
+                      <p:stCondLst>
+                        <p:cond delay="indefinite"/>
+                      </p:stCondLst>
+                      <p:childTnLst>
+                        <p:par>
+                          <p:cTn id="4" fill="hold">
+                            <p:stCondLst>
+                              <p:cond delay="0"/>
+                            </p:stCondLst>
+                            <p:childTnLst>
+                              <p:par>
+                                <p:cTn id="5" presetID="10" presetClass="entr" presetSubtype="0" fill="hold" grpId="0" nodeType="clickEffect">
+                                  <p:stCondLst>
+                                    <p:cond delay="0"/>
+                                  </p:stCondLst>
+                                  <p:childTnLst>
+                                    <p:set>
+                                      <p:cBhvr>
+                                        <p:cTn id="6" dur="1" fill="hold">
+                                          <p:stCondLst>
+                                            <p:cond delay="0"/>
+                                          </p:stCondLst>
+                                        </p:cTn>
+                                        <p:tgtEl>
+                                          <p:spTgt spid="7"/>
+                                        </p:tgtEl>
+                                        <p:attrNameLst>
+                                          <p:attrName>style.visibility</p:attrName>
+                                        </p:attrNameLst>
+                                      </p:cBhvr>
+                                      <p:to>
+                                        <p:strVal val="visible"/>
+                                      </p:to>
+                                    </p:set>
+                                    <p:animEffect transition="in" filter="fade">
+                                      <p:cBhvr>
+                                        <p:cTn id="7" dur="500"/>
+                                        <p:tgtEl>
+                                          <p:spTgt spid="7"/>
+                                        </p:tgtEl>
+                                      </p:cBhvr>
+                                    </p:animEffect>
+                                  </p:childTnLst>
+                                </p:cTn>
+                              </p:par>
+                            </p:childTnLst>
+                          </p:cTn>
+                        </p:par>
+                      </p:childTnLst>
+                    </p:cTn>
+                  </p:par>
+                  <p:par>
+                    <p:cTn id="8" fill="hold">
+                      <p:stCondLst>
+                        <p:cond delay="indefinite"/>
+                      </p:stCondLst>
+                      <p:childTnLst>
+                        <p:par>
+                          <p:cTn id="9" fill="hold">
+                            <p:stCondLst>
+                              <p:cond delay="0"/>
+                            </p:stCondLst>
+                            <p:childTnLst>
+                              <p:par>
+                                <p:cTn id="10" presetID="10" presetClass="entr" presetSubtype="0" fill="hold" nodeType="clickEffect">
+                                  <p:stCondLst>
+                                    <p:cond delay="0"/>
+                                  </p:stCondLst>
+                                  <p:childTnLst>
+                                    <p:set>
+                                      <p:cBhvr>
+                                        <p:cTn id="11" dur="1" fill="hold">
+                                          <p:stCondLst>
+                                            <p:cond delay="0"/>
+                                          </p:stCondLst>
+                                        </p:cTn>
+                                        <p:tgtEl>
+                                          <p:spTgt spid="2050"/>
+                                        </p:tgtEl>
+                                        <p:attrNameLst>
+                                          <p:attrName>style.visibility</p:attrName>
+                                        </p:attrNameLst>
+                                      </p:cBhvr>
+                                      <p:to>
+                                        <p:strVal val="visible"/>
+                                      </p:to>
+                                    </p:set>
+                                    <p:animEffect transition="in" filter="fade">
+                                      <p:cBhvr>
+                                        <p:cTn id="12" dur="500"/>
+                                        <p:tgtEl>
+                                          <p:spTgt spid="2050"/>
+                                        </p:tgtEl>
+                                      </p:cBhvr>
+                                    </p:animEffect>
+                                  </p:childTnLst>
+                                </p:cTn>
+                              </p:par>
+                            </p:childTnLst>
+                          </p:cTn>
+                        </p:par>
+                      </p:childTnLst>
+                    </p:cTn>
+                  </p:par>
+                  <p:par>
+                    <p:cTn id="13" fill="hold">
+                      <p:stCondLst>
+                        <p:cond delay="indefinite"/>
+                      </p:stCondLst>
+                      <p:childTnLst>
+                        <p:par>
+                          <p:cTn id="14" fill="hold">
+                            <p:stCondLst>
+                              <p:cond delay="0"/>
+                            </p:stCondLst>
+                            <p:childTnLst>
+                              <p:par>
+                                <p:cTn id="15" presetID="10" presetClass="entr" presetSubtype="0" fill="hold" grpId="0" nodeType="clickEffect">
+                                  <p:stCondLst>
+                                    <p:cond delay="0"/>
+                                  </p:stCondLst>
+                                  <p:childTnLst>
+                                    <p:set>
+                                      <p:cBhvr>
+                                        <p:cTn id="16" dur="1" fill="hold">
+                                          <p:stCondLst>
+                                            <p:cond delay="0"/>
+                                          </p:stCondLst>
+                                        </p:cTn>
+                                        <p:tgtEl>
+                                          <p:spTgt spid="12"/>
+                                        </p:tgtEl>
+                                        <p:attrNameLst>
+                                          <p:attrName>style.visibility</p:attrName>
+                                        </p:attrNameLst>
+                                      </p:cBhvr>
+                                      <p:to>
+                                        <p:strVal val="visible"/>
+                                      </p:to>
+                                    </p:set>
+                                    <p:animEffect transition="in" filter="fade">
+                                      <p:cBhvr>
+                                        <p:cTn id="17" dur="500"/>
+                                        <p:tgtEl>
+                                          <p:spTgt spid="12"/>
+                                        </p:tgtEl>
+                                      </p:cBhvr>
+                                    </p:animEffect>
+                                  </p:childTnLst>
+                                </p:cTn>
+                              </p:par>
+                            </p:childTnLst>
+                          </p:cTn>
+                        </p:par>
+                      </p:childTnLst>
+                    </p:cTn>
+                  </p:par>
+                  <p:par>
+                    <p:cTn id="18" fill="hold">
+                      <p:stCondLst>
+                        <p:cond delay="indefinite"/>
+                      </p:stCondLst>
+                      <p:childTnLst>
+                        <p:par>
+                          <p:cTn id="19" fill="hold">
+                            <p:stCondLst>
+                              <p:cond delay="0"/>
+                            </p:stCondLst>
+                            <p:childTnLst>
+                              <p:par>
+                                <p:cTn id="20" presetID="10" presetClass="entr" presetSubtype="0" fill="hold" grpId="0" nodeType="clickEffect">
+                                  <p:stCondLst>
+                                    <p:cond delay="0"/>
+                                  </p:stCondLst>
+                                  <p:childTnLst>
+                                    <p:set>
+                                      <p:cBhvr>
+                                        <p:cTn id="21" dur="1" fill="hold">
+                                          <p:stCondLst>
+                                            <p:cond delay="0"/>
+                                          </p:stCondLst>
+                                        </p:cTn>
+                                        <p:tgtEl>
+                                          <p:spTgt spid="13"/>
+                                        </p:tgtEl>
+                                        <p:attrNameLst>
+                                          <p:attrName>style.visibility</p:attrName>
+                                        </p:attrNameLst>
+                                      </p:cBhvr>
+                                      <p:to>
+                                        <p:strVal val="visible"/>
+                                      </p:to>
+                                    </p:set>
+                                    <p:animEffect transition="in" filter="fade">
+                                      <p:cBhvr>
+                                        <p:cTn id="22" dur="500"/>
+                                        <p:tgtEl>
+                                          <p:spTgt spid="13"/>
+                                        </p:tgtEl>
+                                      </p:cBhvr>
+                                    </p:animEffect>
+                                  </p:childTnLst>
+                                </p:cTn>
+                              </p:par>
+                            </p:childTnLst>
+                          </p:cTn>
+                        </p:par>
+                      </p:childTnLst>
+                    </p:cTn>
+                  </p:par>
+                  <p:par>
+                    <p:cTn id="23" fill="hold">
+                      <p:stCondLst>
+                        <p:cond delay="indefinite"/>
+                      </p:stCondLst>
+                      <p:childTnLst>
+                        <p:par>
+                          <p:cTn id="24" fill="hold">
+                            <p:stCondLst>
+                              <p:cond delay="0"/>
+                            </p:stCondLst>
+                            <p:childTnLst>
+                              <p:par>
+                                <p:cTn id="25" presetID="10" presetClass="entr" presetSubtype="0" fill="hold" grpId="0" nodeType="clickEffect">
+                                  <p:stCondLst>
+                                    <p:cond delay="0"/>
+                                  </p:stCondLst>
+                                  <p:childTnLst>
+                                    <p:set>
+                                      <p:cBhvr>
+                                        <p:cTn id="26" dur="1" fill="hold">
+                                          <p:stCondLst>
+                                            <p:cond delay="0"/>
+                                          </p:stCondLst>
+                                        </p:cTn>
+                                        <p:tgtEl>
+                                          <p:spTgt spid="14"/>
+                                        </p:tgtEl>
+                                        <p:attrNameLst>
+                                          <p:attrName>style.visibility</p:attrName>
+                                        </p:attrNameLst>
+                                      </p:cBhvr>
+                                      <p:to>
+                                        <p:strVal val="visible"/>
+                                      </p:to>
+                                    </p:set>
+                                    <p:animEffect transition="in" filter="fade">
+                                      <p:cBhvr>
+                                        <p:cTn id="27" dur="500"/>
+                                        <p:tgtEl>
+                                          <p:spTgt spid="14"/>
+                                        </p:tgtEl>
+                                      </p:cBhvr>
+                                    </p:animEffect>
+                                  </p:childTnLst>
+                                </p:cTn>
+                              </p:par>
+                            </p:childTnLst>
+                          </p:cTn>
+                        </p:par>
+                      </p:childTnLst>
+                    </p:cTn>
+                  </p:par>
+                </p:childTnLst>
+              </p:cTn>
+              <p:prevCondLst>
+                <p:cond evt="onPrev" delay="0">
+                  <p:tgtEl>
+                    <p:sldTgt/>
+                  </p:tgtEl>
+                </p:cond>
+              </p:prevCondLst>
+              <p:nextCondLst>
+                <p:cond evt="onNext" delay="0">
+                  <p:tgtEl>
+                    <p:sldTgt/>
+                  </p:tgtEl>
+                </p:cond>
+              </p:nextCondLst>
+            </p:seq>
+          </p:childTnLst>
+        </p:cTn>
       </p:par>
     </p:tnLst>
+    <p:bldLst>
+      <p:bldP spid="7" grpId="0"/>
+      <p:bldP spid="12" grpId="0"/>
+      <p:bldP spid="13" grpId="0"/>
+      <p:bldP spid="14" grpId="0"/>
+    </p:bldLst>
   </p:timing>
 </p:sld>
 </file>
@@ -4644,7 +4873,7 @@
           <p:cNvPr id="3" name="TextBox 2">
             <a:extLst>
               <a:ext uri="{FF2B5EF4-FFF2-40B4-BE49-F238E27FC236}">
-                <a16:creationId xmlns="" xmlns:a16="http://schemas.microsoft.com/office/drawing/2014/main" id="{3FCF3979-E4B3-0634-4C0B-AB862892E9BF}"/>
+                <a16:creationId xmlns:a16="http://schemas.microsoft.com/office/drawing/2014/main" id="{3FCF3979-E4B3-0634-4C0B-AB862892E9BF}"/>
               </a:ext>
             </a:extLst>
           </p:cNvPr>
@@ -4668,7 +4897,7 @@
           <a:lstStyle/>
           <a:p>
             <a:r>
-              <a:rPr lang="en-IN" sz="4000" dirty="0" smtClean="0">
+              <a:rPr lang="en-IN" sz="4000" dirty="0">
                 <a:solidFill>
                   <a:srgbClr val="F4F4F2"/>
                 </a:solidFill>
@@ -4684,7 +4913,7 @@
           <p:cNvPr id="7" name="TextBox 6">
             <a:extLst>
               <a:ext uri="{FF2B5EF4-FFF2-40B4-BE49-F238E27FC236}">
-                <a16:creationId xmlns="" xmlns:a16="http://schemas.microsoft.com/office/drawing/2014/main" id="{4CE4714F-5B28-DDDA-2E6D-2AD9A4F1FC7E}"/>
+                <a16:creationId xmlns:a16="http://schemas.microsoft.com/office/drawing/2014/main" id="{4CE4714F-5B28-DDDA-2E6D-2AD9A4F1FC7E}"/>
               </a:ext>
             </a:extLst>
           </p:cNvPr>
@@ -4725,7 +4954,7 @@
               <a:defRPr/>
             </a:pPr>
             <a:r>
-              <a:rPr lang="en-IN" sz="2400" dirty="0" smtClean="0">
+              <a:rPr lang="en-IN" sz="2400" dirty="0">
                 <a:solidFill>
                   <a:prstClr val="white"/>
                 </a:solidFill>
@@ -4734,13 +4963,6 @@
               </a:rPr>
               <a:t>Always has low PE</a:t>
             </a:r>
-            <a:endParaRPr lang="en-IN" sz="2400" dirty="0" smtClean="0">
-              <a:solidFill>
-                <a:prstClr val="white"/>
-              </a:solidFill>
-              <a:latin typeface="Cascadia Code SemiBold" pitchFamily="50" charset="0"/>
-              <a:cs typeface="Cascadia Code SemiBold" pitchFamily="50" charset="0"/>
-            </a:endParaRPr>
           </a:p>
           <a:p>
             <a:pPr marL="342900" marR="0" lvl="0" indent="-342900" algn="l" defTabSz="457200" rtl="0" eaLnBrk="1" fontAlgn="auto" latinLnBrk="0" hangingPunct="1">
@@ -4761,7 +4983,7 @@
               <a:defRPr/>
             </a:pPr>
             <a:r>
-              <a:rPr kumimoji="0" lang="en-IN" sz="2400" b="0" i="0" u="none" strike="noStrike" kern="1200" cap="none" spc="0" normalizeH="0" noProof="0" dirty="0" smtClean="0">
+              <a:rPr kumimoji="0" lang="en-IN" sz="2400" b="0" i="0" u="none" strike="noStrike" kern="1200" cap="none" spc="0" normalizeH="0" noProof="0" dirty="0">
                 <a:ln>
                   <a:noFill/>
                 </a:ln>
@@ -4797,7 +5019,7 @@
               <a:defRPr/>
             </a:pPr>
             <a:r>
-              <a:rPr lang="en-IN" sz="2400" dirty="0" smtClean="0">
+              <a:rPr lang="en-IN" sz="2400" dirty="0">
                 <a:solidFill>
                   <a:prstClr val="white"/>
                 </a:solidFill>
@@ -4828,7 +5050,7 @@
           <p:cNvPr id="8" name="TextBox 7">
             <a:extLst>
               <a:ext uri="{FF2B5EF4-FFF2-40B4-BE49-F238E27FC236}">
-                <a16:creationId xmlns="" xmlns:a16="http://schemas.microsoft.com/office/drawing/2014/main" id="{3FCF3979-E4B3-0634-4C0B-AB862892E9BF}"/>
+                <a16:creationId xmlns:a16="http://schemas.microsoft.com/office/drawing/2014/main" id="{3FCF3979-E4B3-0634-4C0B-AB862892E9BF}"/>
               </a:ext>
             </a:extLst>
           </p:cNvPr>
@@ -4837,7 +5059,7 @@
         </p:nvSpPr>
         <p:spPr>
           <a:xfrm>
-            <a:off x="667658" y="3544510"/>
+            <a:off x="688879" y="3670017"/>
             <a:ext cx="5272083" cy="707886"/>
           </a:xfrm>
           <a:prstGeom prst="rect">
@@ -4852,7 +5074,7 @@
           <a:lstStyle/>
           <a:p>
             <a:r>
-              <a:rPr lang="en-IN" sz="4000" dirty="0" smtClean="0">
+              <a:rPr lang="en-IN" sz="4000" dirty="0">
                 <a:solidFill>
                   <a:srgbClr val="F4F4F2"/>
                 </a:solidFill>
@@ -4868,7 +5090,7 @@
           <p:cNvPr id="9" name="TextBox 8">
             <a:extLst>
               <a:ext uri="{FF2B5EF4-FFF2-40B4-BE49-F238E27FC236}">
-                <a16:creationId xmlns="" xmlns:a16="http://schemas.microsoft.com/office/drawing/2014/main" id="{4CE4714F-5B28-DDDA-2E6D-2AD9A4F1FC7E}"/>
+                <a16:creationId xmlns:a16="http://schemas.microsoft.com/office/drawing/2014/main" id="{4CE4714F-5B28-DDDA-2E6D-2AD9A4F1FC7E}"/>
               </a:ext>
             </a:extLst>
           </p:cNvPr>
@@ -4877,7 +5099,7 @@
         </p:nvSpPr>
         <p:spPr>
           <a:xfrm>
-            <a:off x="736855" y="4418439"/>
+            <a:off x="781226" y="4389924"/>
             <a:ext cx="7735502" cy="1200329"/>
           </a:xfrm>
           <a:prstGeom prst="rect">
@@ -4909,7 +5131,7 @@
               <a:defRPr/>
             </a:pPr>
             <a:r>
-              <a:rPr lang="en-IN" sz="2400" dirty="0" smtClean="0">
+              <a:rPr lang="en-IN" sz="2400" dirty="0">
                 <a:solidFill>
                   <a:prstClr val="white"/>
                 </a:solidFill>
@@ -4938,7 +5160,7 @@
               <a:defRPr/>
             </a:pPr>
             <a:r>
-              <a:rPr kumimoji="0" lang="en-IN" sz="2400" b="0" i="0" u="none" strike="noStrike" kern="1200" cap="none" spc="0" normalizeH="0" noProof="0" dirty="0" smtClean="0">
+              <a:rPr kumimoji="0" lang="en-IN" sz="2400" b="0" i="0" u="none" strike="noStrike" kern="1200" cap="none" spc="0" normalizeH="0" noProof="0" dirty="0">
                 <a:ln>
                   <a:noFill/>
                 </a:ln>
@@ -4991,7 +5213,7 @@
     </p:spTree>
     <p:extLst>
       <p:ext uri="{BB962C8B-B14F-4D97-AF65-F5344CB8AC3E}">
-        <p14:creationId xmlns="" xmlns:p14="http://schemas.microsoft.com/office/powerpoint/2010/main" val="2656182769"/>
+        <p14:creationId xmlns:p14="http://schemas.microsoft.com/office/powerpoint/2010/main" val="2656182769"/>
       </p:ext>
     </p:extLst>
   </p:cSld>
@@ -5002,9 +5224,196 @@
   <p:timing>
     <p:tnLst>
       <p:par>
-        <p:cTn id="1" dur="indefinite" restart="never" nodeType="tmRoot"/>
+        <p:cTn id="1" dur="indefinite" restart="never" nodeType="tmRoot">
+          <p:childTnLst>
+            <p:seq concurrent="1" nextAc="seek">
+              <p:cTn id="2" dur="indefinite" nodeType="mainSeq">
+                <p:childTnLst>
+                  <p:par>
+                    <p:cTn id="3" fill="hold">
+                      <p:stCondLst>
+                        <p:cond delay="indefinite"/>
+                      </p:stCondLst>
+                      <p:childTnLst>
+                        <p:par>
+                          <p:cTn id="4" fill="hold">
+                            <p:stCondLst>
+                              <p:cond delay="0"/>
+                            </p:stCondLst>
+                            <p:childTnLst>
+                              <p:par>
+                                <p:cTn id="5" presetID="10" presetClass="entr" presetSubtype="0" fill="hold" grpId="0" nodeType="clickEffect">
+                                  <p:stCondLst>
+                                    <p:cond delay="0"/>
+                                  </p:stCondLst>
+                                  <p:childTnLst>
+                                    <p:set>
+                                      <p:cBhvr>
+                                        <p:cTn id="6" dur="1" fill="hold">
+                                          <p:stCondLst>
+                                            <p:cond delay="0"/>
+                                          </p:stCondLst>
+                                        </p:cTn>
+                                        <p:tgtEl>
+                                          <p:spTgt spid="7"/>
+                                        </p:tgtEl>
+                                        <p:attrNameLst>
+                                          <p:attrName>style.visibility</p:attrName>
+                                        </p:attrNameLst>
+                                      </p:cBhvr>
+                                      <p:to>
+                                        <p:strVal val="visible"/>
+                                      </p:to>
+                                    </p:set>
+                                    <p:animEffect transition="in" filter="fade">
+                                      <p:cBhvr>
+                                        <p:cTn id="7" dur="500"/>
+                                        <p:tgtEl>
+                                          <p:spTgt spid="7"/>
+                                        </p:tgtEl>
+                                      </p:cBhvr>
+                                    </p:animEffect>
+                                  </p:childTnLst>
+                                </p:cTn>
+                              </p:par>
+                            </p:childTnLst>
+                          </p:cTn>
+                        </p:par>
+                      </p:childTnLst>
+                    </p:cTn>
+                  </p:par>
+                  <p:par>
+                    <p:cTn id="8" fill="hold">
+                      <p:stCondLst>
+                        <p:cond delay="indefinite"/>
+                      </p:stCondLst>
+                      <p:childTnLst>
+                        <p:par>
+                          <p:cTn id="9" fill="hold">
+                            <p:stCondLst>
+                              <p:cond delay="0"/>
+                            </p:stCondLst>
+                            <p:childTnLst>
+                              <p:par>
+                                <p:cTn id="10" presetID="10" presetClass="entr" presetSubtype="0" fill="hold" grpId="0" nodeType="clickEffect">
+                                  <p:stCondLst>
+                                    <p:cond delay="0"/>
+                                  </p:stCondLst>
+                                  <p:childTnLst>
+                                    <p:set>
+                                      <p:cBhvr>
+                                        <p:cTn id="11" dur="1" fill="hold">
+                                          <p:stCondLst>
+                                            <p:cond delay="0"/>
+                                          </p:stCondLst>
+                                        </p:cTn>
+                                        <p:tgtEl>
+                                          <p:spTgt spid="8"/>
+                                        </p:tgtEl>
+                                        <p:attrNameLst>
+                                          <p:attrName>style.visibility</p:attrName>
+                                        </p:attrNameLst>
+                                      </p:cBhvr>
+                                      <p:to>
+                                        <p:strVal val="visible"/>
+                                      </p:to>
+                                    </p:set>
+                                    <p:animEffect transition="in" filter="fade">
+                                      <p:cBhvr>
+                                        <p:cTn id="12" dur="500"/>
+                                        <p:tgtEl>
+                                          <p:spTgt spid="8"/>
+                                        </p:tgtEl>
+                                      </p:cBhvr>
+                                    </p:animEffect>
+                                  </p:childTnLst>
+                                </p:cTn>
+                              </p:par>
+                            </p:childTnLst>
+                          </p:cTn>
+                        </p:par>
+                      </p:childTnLst>
+                    </p:cTn>
+                  </p:par>
+                  <p:par>
+                    <p:cTn id="13" fill="hold">
+                      <p:stCondLst>
+                        <p:cond delay="indefinite"/>
+                      </p:stCondLst>
+                      <p:childTnLst>
+                        <p:par>
+                          <p:cTn id="14" fill="hold">
+                            <p:stCondLst>
+                              <p:cond delay="0"/>
+                            </p:stCondLst>
+                            <p:childTnLst>
+                              <p:par>
+                                <p:cTn id="15" presetID="10" presetClass="entr" presetSubtype="0" fill="hold" grpId="0" nodeType="clickEffect">
+                                  <p:stCondLst>
+                                    <p:cond delay="0"/>
+                                  </p:stCondLst>
+                                  <p:childTnLst>
+                                    <p:set>
+                                      <p:cBhvr>
+                                        <p:cTn id="16" dur="1" fill="hold">
+                                          <p:stCondLst>
+                                            <p:cond delay="0"/>
+                                          </p:stCondLst>
+                                        </p:cTn>
+                                        <p:tgtEl>
+                                          <p:spTgt spid="9"/>
+                                        </p:tgtEl>
+                                        <p:attrNameLst>
+                                          <p:attrName>style.visibility</p:attrName>
+                                        </p:attrNameLst>
+                                      </p:cBhvr>
+                                      <p:to>
+                                        <p:strVal val="visible"/>
+                                      </p:to>
+                                    </p:set>
+                                    <p:animEffect transition="in" filter="fade">
+                                      <p:cBhvr>
+                                        <p:cTn id="17" dur="500"/>
+                                        <p:tgtEl>
+                                          <p:spTgt spid="9"/>
+                                        </p:tgtEl>
+                                      </p:cBhvr>
+                                    </p:animEffect>
+                                  </p:childTnLst>
+                                </p:cTn>
+                              </p:par>
+                            </p:childTnLst>
+                          </p:cTn>
+                        </p:par>
+                      </p:childTnLst>
+                    </p:cTn>
+                  </p:par>
+                </p:childTnLst>
+              </p:cTn>
+              <p:prevCondLst>
+                <p:cond evt="onPrev" delay="0">
+                  <p:tgtEl>
+                    <p:sldTgt/>
+                  </p:tgtEl>
+                </p:cond>
+              </p:prevCondLst>
+              <p:nextCondLst>
+                <p:cond evt="onNext" delay="0">
+                  <p:tgtEl>
+                    <p:sldTgt/>
+                  </p:tgtEl>
+                </p:cond>
+              </p:nextCondLst>
+            </p:seq>
+          </p:childTnLst>
+        </p:cTn>
       </p:par>
     </p:tnLst>
+    <p:bldLst>
+      <p:bldP spid="7" grpId="0"/>
+      <p:bldP spid="8" grpId="0"/>
+      <p:bldP spid="9" grpId="0"/>
+    </p:bldLst>
   </p:timing>
 </p:sld>
 </file>
@@ -5039,7 +5448,7 @@
           <p:cNvPr id="3" name="TextBox 2">
             <a:extLst>
               <a:ext uri="{FF2B5EF4-FFF2-40B4-BE49-F238E27FC236}">
-                <a16:creationId xmlns="" xmlns:a16="http://schemas.microsoft.com/office/drawing/2014/main" id="{3FCF3979-E4B3-0634-4C0B-AB862892E9BF}"/>
+                <a16:creationId xmlns:a16="http://schemas.microsoft.com/office/drawing/2014/main" id="{3FCF3979-E4B3-0634-4C0B-AB862892E9BF}"/>
               </a:ext>
             </a:extLst>
           </p:cNvPr>
@@ -5063,7 +5472,7 @@
           <a:lstStyle/>
           <a:p>
             <a:r>
-              <a:rPr lang="en-IN" sz="4000" dirty="0" smtClean="0">
+              <a:rPr lang="en-IN" sz="4000" dirty="0">
                 <a:solidFill>
                   <a:srgbClr val="F4F4F2"/>
                 </a:solidFill>
@@ -5079,7 +5488,7 @@
           <p:cNvPr id="7" name="TextBox 6">
             <a:extLst>
               <a:ext uri="{FF2B5EF4-FFF2-40B4-BE49-F238E27FC236}">
-                <a16:creationId xmlns="" xmlns:a16="http://schemas.microsoft.com/office/drawing/2014/main" id="{4CE4714F-5B28-DDDA-2E6D-2AD9A4F1FC7E}"/>
+                <a16:creationId xmlns:a16="http://schemas.microsoft.com/office/drawing/2014/main" id="{4CE4714F-5B28-DDDA-2E6D-2AD9A4F1FC7E}"/>
               </a:ext>
             </a:extLst>
           </p:cNvPr>
@@ -5088,7 +5497,7 @@
         </p:nvSpPr>
         <p:spPr>
           <a:xfrm>
-            <a:off x="723352" y="1233471"/>
+            <a:off x="704249" y="1310415"/>
             <a:ext cx="7735502" cy="1569660"/>
           </a:xfrm>
           <a:prstGeom prst="rect">
@@ -5120,7 +5529,7 @@
               <a:defRPr/>
             </a:pPr>
             <a:r>
-              <a:rPr lang="en-IN" sz="2400" dirty="0" smtClean="0">
+              <a:rPr lang="en-IN" sz="2400" dirty="0">
                 <a:solidFill>
                   <a:prstClr val="white"/>
                 </a:solidFill>
@@ -5149,7 +5558,7 @@
               <a:defRPr/>
             </a:pPr>
             <a:r>
-              <a:rPr lang="en-IN" sz="2400" dirty="0" smtClean="0">
+              <a:rPr lang="en-IN" sz="2400" dirty="0">
                 <a:solidFill>
                   <a:prstClr val="white"/>
                 </a:solidFill>
@@ -5178,7 +5587,7 @@
               <a:defRPr/>
             </a:pPr>
             <a:r>
-              <a:rPr kumimoji="0" lang="en-IN" sz="2400" b="0" i="0" u="none" strike="noStrike" kern="1200" cap="none" spc="0" normalizeH="0" noProof="0" dirty="0" smtClean="0">
+              <a:rPr kumimoji="0" lang="en-IN" sz="2400" b="0" i="0" u="none" strike="noStrike" kern="1200" cap="none" spc="0" normalizeH="0" noProof="0" dirty="0">
                 <a:ln>
                   <a:noFill/>
                 </a:ln>
@@ -5235,7 +5644,7 @@
           <p:cNvPr id="8" name="TextBox 7">
             <a:extLst>
               <a:ext uri="{FF2B5EF4-FFF2-40B4-BE49-F238E27FC236}">
-                <a16:creationId xmlns="" xmlns:a16="http://schemas.microsoft.com/office/drawing/2014/main" id="{3FCF3979-E4B3-0634-4C0B-AB862892E9BF}"/>
+                <a16:creationId xmlns:a16="http://schemas.microsoft.com/office/drawing/2014/main" id="{3FCF3979-E4B3-0634-4C0B-AB862892E9BF}"/>
               </a:ext>
             </a:extLst>
           </p:cNvPr>
@@ -5244,7 +5653,7 @@
         </p:nvSpPr>
         <p:spPr>
           <a:xfrm>
-            <a:off x="737106" y="3532935"/>
+            <a:off x="688879" y="3591928"/>
             <a:ext cx="5272083" cy="707886"/>
           </a:xfrm>
           <a:prstGeom prst="rect">
@@ -5259,7 +5668,7 @@
           <a:lstStyle/>
           <a:p>
             <a:r>
-              <a:rPr lang="en-IN" sz="4000" dirty="0" smtClean="0">
+              <a:rPr lang="en-IN" sz="4000" dirty="0">
                 <a:solidFill>
                   <a:srgbClr val="F4F4F2"/>
                 </a:solidFill>
@@ -5275,7 +5684,7 @@
           <p:cNvPr id="9" name="TextBox 8">
             <a:extLst>
               <a:ext uri="{FF2B5EF4-FFF2-40B4-BE49-F238E27FC236}">
-                <a16:creationId xmlns="" xmlns:a16="http://schemas.microsoft.com/office/drawing/2014/main" id="{4CE4714F-5B28-DDDA-2E6D-2AD9A4F1FC7E}"/>
+                <a16:creationId xmlns:a16="http://schemas.microsoft.com/office/drawing/2014/main" id="{4CE4714F-5B28-DDDA-2E6D-2AD9A4F1FC7E}"/>
               </a:ext>
             </a:extLst>
           </p:cNvPr>
@@ -5284,7 +5693,7 @@
         </p:nvSpPr>
         <p:spPr>
           <a:xfrm>
-            <a:off x="736855" y="4418439"/>
+            <a:off x="704249" y="4450203"/>
             <a:ext cx="7735502" cy="1569660"/>
           </a:xfrm>
           <a:prstGeom prst="rect">
@@ -5316,7 +5725,7 @@
               <a:defRPr/>
             </a:pPr>
             <a:r>
-              <a:rPr lang="en-IN" sz="2400" dirty="0" smtClean="0">
+              <a:rPr lang="en-IN" sz="2400" dirty="0">
                 <a:solidFill>
                   <a:prstClr val="white"/>
                 </a:solidFill>
@@ -5345,7 +5754,7 @@
               <a:defRPr/>
             </a:pPr>
             <a:r>
-              <a:rPr lang="en-IN" sz="2400" dirty="0" smtClean="0">
+              <a:rPr lang="en-IN" sz="2400" dirty="0">
                 <a:solidFill>
                   <a:prstClr val="white"/>
                 </a:solidFill>
@@ -5374,7 +5783,7 @@
               <a:defRPr/>
             </a:pPr>
             <a:r>
-              <a:rPr kumimoji="0" lang="en-IN" sz="2400" b="0" i="0" u="none" strike="noStrike" kern="1200" cap="none" spc="0" normalizeH="0" noProof="0" dirty="0" smtClean="0">
+              <a:rPr kumimoji="0" lang="en-IN" sz="2400" b="0" i="0" u="none" strike="noStrike" kern="1200" cap="none" spc="0" normalizeH="0" noProof="0" dirty="0">
                 <a:ln>
                   <a:noFill/>
                 </a:ln>
@@ -5391,7 +5800,7 @@
               <a:t>If PE becomes high </a:t>
             </a:r>
             <a:r>
-              <a:rPr kumimoji="0" lang="en-IN" sz="2400" b="0" i="0" u="none" strike="noStrike" kern="1200" cap="none" spc="0" normalizeH="0" noProof="0" dirty="0" err="1" smtClean="0">
+              <a:rPr kumimoji="0" lang="en-IN" sz="2400" b="0" i="0" u="none" strike="noStrike" kern="1200" cap="none" spc="0" normalizeH="0" noProof="0" dirty="0" err="1">
                 <a:ln>
                   <a:noFill/>
                 </a:ln>
@@ -5408,7 +5817,7 @@
               <a:t>eg</a:t>
             </a:r>
             <a:r>
-              <a:rPr kumimoji="0" lang="en-IN" sz="2400" b="0" i="0" u="none" strike="noStrike" kern="1200" cap="none" spc="0" normalizeH="0" noProof="0" dirty="0" smtClean="0">
+              <a:rPr kumimoji="0" lang="en-IN" sz="2400" b="0" i="0" u="none" strike="noStrike" kern="1200" cap="none" spc="0" normalizeH="0" noProof="0" dirty="0">
                 <a:ln>
                   <a:noFill/>
                 </a:ln>
@@ -5461,7 +5870,7 @@
     </p:spTree>
     <p:extLst>
       <p:ext uri="{BB962C8B-B14F-4D97-AF65-F5344CB8AC3E}">
-        <p14:creationId xmlns="" xmlns:p14="http://schemas.microsoft.com/office/powerpoint/2010/main" val="2656182769"/>
+        <p14:creationId xmlns:p14="http://schemas.microsoft.com/office/powerpoint/2010/main" val="2656182769"/>
       </p:ext>
     </p:extLst>
   </p:cSld>
@@ -5472,9 +5881,142 @@
   <p:timing>
     <p:tnLst>
       <p:par>
-        <p:cTn id="1" dur="indefinite" restart="never" nodeType="tmRoot"/>
+        <p:cTn id="1" dur="indefinite" restart="never" nodeType="tmRoot">
+          <p:childTnLst>
+            <p:seq concurrent="1" nextAc="seek">
+              <p:cTn id="2" dur="indefinite" nodeType="mainSeq">
+                <p:childTnLst>
+                  <p:par>
+                    <p:cTn id="3" fill="hold">
+                      <p:stCondLst>
+                        <p:cond delay="indefinite"/>
+                      </p:stCondLst>
+                      <p:childTnLst>
+                        <p:par>
+                          <p:cTn id="4" fill="hold">
+                            <p:stCondLst>
+                              <p:cond delay="0"/>
+                            </p:stCondLst>
+                            <p:childTnLst>
+                              <p:par>
+                                <p:cTn id="5" presetID="10" presetClass="entr" presetSubtype="0" fill="hold" grpId="0" nodeType="clickEffect">
+                                  <p:stCondLst>
+                                    <p:cond delay="0"/>
+                                  </p:stCondLst>
+                                  <p:childTnLst>
+                                    <p:set>
+                                      <p:cBhvr>
+                                        <p:cTn id="6" dur="1" fill="hold">
+                                          <p:stCondLst>
+                                            <p:cond delay="0"/>
+                                          </p:stCondLst>
+                                        </p:cTn>
+                                        <p:tgtEl>
+                                          <p:spTgt spid="7"/>
+                                        </p:tgtEl>
+                                        <p:attrNameLst>
+                                          <p:attrName>style.visibility</p:attrName>
+                                        </p:attrNameLst>
+                                      </p:cBhvr>
+                                      <p:to>
+                                        <p:strVal val="visible"/>
+                                      </p:to>
+                                    </p:set>
+                                    <p:animEffect transition="in" filter="fade">
+                                      <p:cBhvr>
+                                        <p:cTn id="7" dur="500"/>
+                                        <p:tgtEl>
+                                          <p:spTgt spid="7"/>
+                                        </p:tgtEl>
+                                      </p:cBhvr>
+                                    </p:animEffect>
+                                  </p:childTnLst>
+                                </p:cTn>
+                              </p:par>
+                            </p:childTnLst>
+                          </p:cTn>
+                        </p:par>
+                      </p:childTnLst>
+                    </p:cTn>
+                  </p:par>
+                  <p:par>
+                    <p:cTn id="8" fill="hold">
+                      <p:stCondLst>
+                        <p:cond delay="indefinite"/>
+                      </p:stCondLst>
+                      <p:childTnLst>
+                        <p:par>
+                          <p:cTn id="9" fill="hold">
+                            <p:stCondLst>
+                              <p:cond delay="0"/>
+                            </p:stCondLst>
+                            <p:childTnLst>
+                              <p:par>
+                                <p:cTn id="10" presetID="10" presetClass="entr" presetSubtype="0" fill="hold" grpId="0" nodeType="clickEffect">
+                                  <p:stCondLst>
+                                    <p:cond delay="0"/>
+                                  </p:stCondLst>
+                                  <p:childTnLst>
+                                    <p:set>
+                                      <p:cBhvr>
+                                        <p:cTn id="11" dur="1" fill="hold">
+                                          <p:stCondLst>
+                                            <p:cond delay="0"/>
+                                          </p:stCondLst>
+                                        </p:cTn>
+                                        <p:tgtEl>
+                                          <p:spTgt spid="9"/>
+                                        </p:tgtEl>
+                                        <p:attrNameLst>
+                                          <p:attrName>style.visibility</p:attrName>
+                                        </p:attrNameLst>
+                                      </p:cBhvr>
+                                      <p:to>
+                                        <p:strVal val="visible"/>
+                                      </p:to>
+                                    </p:set>
+                                    <p:animEffect transition="in" filter="fade">
+                                      <p:cBhvr>
+                                        <p:cTn id="12" dur="500"/>
+                                        <p:tgtEl>
+                                          <p:spTgt spid="9"/>
+                                        </p:tgtEl>
+                                      </p:cBhvr>
+                                    </p:animEffect>
+                                  </p:childTnLst>
+                                </p:cTn>
+                              </p:par>
+                            </p:childTnLst>
+                          </p:cTn>
+                        </p:par>
+                      </p:childTnLst>
+                    </p:cTn>
+                  </p:par>
+                </p:childTnLst>
+              </p:cTn>
+              <p:prevCondLst>
+                <p:cond evt="onPrev" delay="0">
+                  <p:tgtEl>
+                    <p:sldTgt/>
+                  </p:tgtEl>
+                </p:cond>
+              </p:prevCondLst>
+              <p:nextCondLst>
+                <p:cond evt="onNext" delay="0">
+                  <p:tgtEl>
+                    <p:sldTgt/>
+                  </p:tgtEl>
+                </p:cond>
+              </p:nextCondLst>
+            </p:seq>
+          </p:childTnLst>
+        </p:cTn>
       </p:par>
     </p:tnLst>
+    <p:bldLst>
+      <p:bldP spid="7" grpId="0"/>
+      <p:bldP spid="9" grpId="0"/>
+    </p:bldLst>
   </p:timing>
 </p:sld>
 </file>
@@ -5509,7 +6051,7 @@
           <p:cNvPr id="3" name="TextBox 2">
             <a:extLst>
               <a:ext uri="{FF2B5EF4-FFF2-40B4-BE49-F238E27FC236}">
-                <a16:creationId xmlns="" xmlns:a16="http://schemas.microsoft.com/office/drawing/2014/main" id="{3FCF3979-E4B3-0634-4C0B-AB862892E9BF}"/>
+                <a16:creationId xmlns:a16="http://schemas.microsoft.com/office/drawing/2014/main" id="{3FCF3979-E4B3-0634-4C0B-AB862892E9BF}"/>
               </a:ext>
             </a:extLst>
           </p:cNvPr>
@@ -5519,7 +6061,7 @@
         <p:spPr>
           <a:xfrm>
             <a:off x="688880" y="452140"/>
-            <a:ext cx="5272083" cy="707886"/>
+            <a:ext cx="7009778" cy="707886"/>
           </a:xfrm>
           <a:prstGeom prst="rect">
             <a:avLst/>
@@ -5533,7 +6075,7 @@
           <a:lstStyle/>
           <a:p>
             <a:r>
-              <a:rPr lang="en-IN" sz="4000" dirty="0" smtClean="0">
+              <a:rPr lang="en-IN" sz="4000" dirty="0">
                 <a:solidFill>
                   <a:srgbClr val="F4F4F2"/>
                 </a:solidFill>
@@ -5549,7 +6091,7 @@
           <p:cNvPr id="7" name="TextBox 6">
             <a:extLst>
               <a:ext uri="{FF2B5EF4-FFF2-40B4-BE49-F238E27FC236}">
-                <a16:creationId xmlns="" xmlns:a16="http://schemas.microsoft.com/office/drawing/2014/main" id="{4CE4714F-5B28-DDDA-2E6D-2AD9A4F1FC7E}"/>
+                <a16:creationId xmlns:a16="http://schemas.microsoft.com/office/drawing/2014/main" id="{4CE4714F-5B28-DDDA-2E6D-2AD9A4F1FC7E}"/>
               </a:ext>
             </a:extLst>
           </p:cNvPr>
@@ -5558,7 +6100,7 @@
         </p:nvSpPr>
         <p:spPr>
           <a:xfrm>
-            <a:off x="781226" y="1279769"/>
+            <a:off x="704249" y="1256236"/>
             <a:ext cx="7735502" cy="1200329"/>
           </a:xfrm>
           <a:prstGeom prst="rect">
@@ -5590,7 +6132,7 @@
               <a:defRPr/>
             </a:pPr>
             <a:r>
-              <a:rPr lang="en-IN" sz="2400" dirty="0" smtClean="0">
+              <a:rPr lang="en-IN" sz="2400" dirty="0">
                 <a:solidFill>
                   <a:prstClr val="white"/>
                 </a:solidFill>
@@ -5599,13 +6141,6 @@
               </a:rPr>
               <a:t>Normally has High PE</a:t>
             </a:r>
-            <a:endParaRPr lang="en-IN" sz="2400" dirty="0" smtClean="0">
-              <a:solidFill>
-                <a:prstClr val="white"/>
-              </a:solidFill>
-              <a:latin typeface="Cascadia Code SemiBold" pitchFamily="50" charset="0"/>
-              <a:cs typeface="Cascadia Code SemiBold" pitchFamily="50" charset="0"/>
-            </a:endParaRPr>
           </a:p>
           <a:p>
             <a:pPr marL="342900" marR="0" lvl="0" indent="-342900" algn="l" defTabSz="457200" rtl="0" eaLnBrk="1" fontAlgn="auto" latinLnBrk="0" hangingPunct="1">
@@ -5626,7 +6161,7 @@
               <a:defRPr/>
             </a:pPr>
             <a:r>
-              <a:rPr kumimoji="0" lang="en-IN" sz="2400" b="0" i="0" u="none" strike="noStrike" kern="1200" cap="none" spc="0" normalizeH="0" noProof="0" dirty="0" smtClean="0">
+              <a:rPr kumimoji="0" lang="en-IN" sz="2400" b="0" i="0" u="none" strike="noStrike" kern="1200" cap="none" spc="0" normalizeH="0" noProof="0" dirty="0">
                 <a:ln>
                   <a:noFill/>
                 </a:ln>
@@ -5662,7 +6197,7 @@
               <a:defRPr/>
             </a:pPr>
             <a:r>
-              <a:rPr lang="en-IN" sz="2400" dirty="0" smtClean="0">
+              <a:rPr lang="en-IN" sz="2400" dirty="0">
                 <a:solidFill>
                   <a:prstClr val="white"/>
                 </a:solidFill>
@@ -5693,7 +6228,7 @@
           <p:cNvPr id="8" name="TextBox 7">
             <a:extLst>
               <a:ext uri="{FF2B5EF4-FFF2-40B4-BE49-F238E27FC236}">
-                <a16:creationId xmlns="" xmlns:a16="http://schemas.microsoft.com/office/drawing/2014/main" id="{3FCF3979-E4B3-0634-4C0B-AB862892E9BF}"/>
+                <a16:creationId xmlns:a16="http://schemas.microsoft.com/office/drawing/2014/main" id="{3FCF3979-E4B3-0634-4C0B-AB862892E9BF}"/>
               </a:ext>
             </a:extLst>
           </p:cNvPr>
@@ -5702,7 +6237,7 @@
         </p:nvSpPr>
         <p:spPr>
           <a:xfrm>
-            <a:off x="667658" y="3544510"/>
+            <a:off x="688880" y="3544510"/>
             <a:ext cx="5272083" cy="707886"/>
           </a:xfrm>
           <a:prstGeom prst="rect">
@@ -5717,7 +6252,7 @@
           <a:lstStyle/>
           <a:p>
             <a:r>
-              <a:rPr lang="en-IN" sz="4000" dirty="0" smtClean="0">
+              <a:rPr lang="en-IN" sz="4000" dirty="0">
                 <a:solidFill>
                   <a:srgbClr val="F4F4F2"/>
                 </a:solidFill>
@@ -5733,7 +6268,7 @@
           <p:cNvPr id="9" name="TextBox 8">
             <a:extLst>
               <a:ext uri="{FF2B5EF4-FFF2-40B4-BE49-F238E27FC236}">
-                <a16:creationId xmlns="" xmlns:a16="http://schemas.microsoft.com/office/drawing/2014/main" id="{4CE4714F-5B28-DDDA-2E6D-2AD9A4F1FC7E}"/>
+                <a16:creationId xmlns:a16="http://schemas.microsoft.com/office/drawing/2014/main" id="{4CE4714F-5B28-DDDA-2E6D-2AD9A4F1FC7E}"/>
               </a:ext>
             </a:extLst>
           </p:cNvPr>
@@ -5742,7 +6277,7 @@
         </p:nvSpPr>
         <p:spPr>
           <a:xfrm>
-            <a:off x="736855" y="4418439"/>
+            <a:off x="736855" y="4342533"/>
             <a:ext cx="7735502" cy="830997"/>
           </a:xfrm>
           <a:prstGeom prst="rect">
@@ -5774,7 +6309,7 @@
               <a:defRPr/>
             </a:pPr>
             <a:r>
-              <a:rPr kumimoji="0" lang="en-IN" sz="2400" b="0" i="0" u="none" strike="noStrike" kern="1200" cap="none" spc="0" normalizeH="0" noProof="0" dirty="0" smtClean="0">
+              <a:rPr kumimoji="0" lang="en-IN" sz="2400" b="0" i="0" u="none" strike="noStrike" kern="1200" cap="none" spc="0" normalizeH="0" noProof="0" dirty="0">
                 <a:ln>
                   <a:noFill/>
                 </a:ln>
@@ -5827,7 +6362,7 @@
     </p:spTree>
     <p:extLst>
       <p:ext uri="{BB962C8B-B14F-4D97-AF65-F5344CB8AC3E}">
-        <p14:creationId xmlns="" xmlns:p14="http://schemas.microsoft.com/office/powerpoint/2010/main" val="2656182769"/>
+        <p14:creationId xmlns:p14="http://schemas.microsoft.com/office/powerpoint/2010/main" val="2656182769"/>
       </p:ext>
     </p:extLst>
   </p:cSld>
@@ -5838,9 +6373,196 @@
   <p:timing>
     <p:tnLst>
       <p:par>
-        <p:cTn id="1" dur="indefinite" restart="never" nodeType="tmRoot"/>
+        <p:cTn id="1" dur="indefinite" restart="never" nodeType="tmRoot">
+          <p:childTnLst>
+            <p:seq concurrent="1" nextAc="seek">
+              <p:cTn id="2" dur="indefinite" nodeType="mainSeq">
+                <p:childTnLst>
+                  <p:par>
+                    <p:cTn id="3" fill="hold">
+                      <p:stCondLst>
+                        <p:cond delay="indefinite"/>
+                      </p:stCondLst>
+                      <p:childTnLst>
+                        <p:par>
+                          <p:cTn id="4" fill="hold">
+                            <p:stCondLst>
+                              <p:cond delay="0"/>
+                            </p:stCondLst>
+                            <p:childTnLst>
+                              <p:par>
+                                <p:cTn id="5" presetID="10" presetClass="entr" presetSubtype="0" fill="hold" grpId="0" nodeType="clickEffect">
+                                  <p:stCondLst>
+                                    <p:cond delay="0"/>
+                                  </p:stCondLst>
+                                  <p:childTnLst>
+                                    <p:set>
+                                      <p:cBhvr>
+                                        <p:cTn id="6" dur="1" fill="hold">
+                                          <p:stCondLst>
+                                            <p:cond delay="0"/>
+                                          </p:stCondLst>
+                                        </p:cTn>
+                                        <p:tgtEl>
+                                          <p:spTgt spid="7"/>
+                                        </p:tgtEl>
+                                        <p:attrNameLst>
+                                          <p:attrName>style.visibility</p:attrName>
+                                        </p:attrNameLst>
+                                      </p:cBhvr>
+                                      <p:to>
+                                        <p:strVal val="visible"/>
+                                      </p:to>
+                                    </p:set>
+                                    <p:animEffect transition="in" filter="fade">
+                                      <p:cBhvr>
+                                        <p:cTn id="7" dur="500"/>
+                                        <p:tgtEl>
+                                          <p:spTgt spid="7"/>
+                                        </p:tgtEl>
+                                      </p:cBhvr>
+                                    </p:animEffect>
+                                  </p:childTnLst>
+                                </p:cTn>
+                              </p:par>
+                            </p:childTnLst>
+                          </p:cTn>
+                        </p:par>
+                      </p:childTnLst>
+                    </p:cTn>
+                  </p:par>
+                  <p:par>
+                    <p:cTn id="8" fill="hold">
+                      <p:stCondLst>
+                        <p:cond delay="indefinite"/>
+                      </p:stCondLst>
+                      <p:childTnLst>
+                        <p:par>
+                          <p:cTn id="9" fill="hold">
+                            <p:stCondLst>
+                              <p:cond delay="0"/>
+                            </p:stCondLst>
+                            <p:childTnLst>
+                              <p:par>
+                                <p:cTn id="10" presetID="10" presetClass="entr" presetSubtype="0" fill="hold" grpId="0" nodeType="clickEffect">
+                                  <p:stCondLst>
+                                    <p:cond delay="0"/>
+                                  </p:stCondLst>
+                                  <p:childTnLst>
+                                    <p:set>
+                                      <p:cBhvr>
+                                        <p:cTn id="11" dur="1" fill="hold">
+                                          <p:stCondLst>
+                                            <p:cond delay="0"/>
+                                          </p:stCondLst>
+                                        </p:cTn>
+                                        <p:tgtEl>
+                                          <p:spTgt spid="8"/>
+                                        </p:tgtEl>
+                                        <p:attrNameLst>
+                                          <p:attrName>style.visibility</p:attrName>
+                                        </p:attrNameLst>
+                                      </p:cBhvr>
+                                      <p:to>
+                                        <p:strVal val="visible"/>
+                                      </p:to>
+                                    </p:set>
+                                    <p:animEffect transition="in" filter="fade">
+                                      <p:cBhvr>
+                                        <p:cTn id="12" dur="500"/>
+                                        <p:tgtEl>
+                                          <p:spTgt spid="8"/>
+                                        </p:tgtEl>
+                                      </p:cBhvr>
+                                    </p:animEffect>
+                                  </p:childTnLst>
+                                </p:cTn>
+                              </p:par>
+                            </p:childTnLst>
+                          </p:cTn>
+                        </p:par>
+                      </p:childTnLst>
+                    </p:cTn>
+                  </p:par>
+                  <p:par>
+                    <p:cTn id="13" fill="hold">
+                      <p:stCondLst>
+                        <p:cond delay="indefinite"/>
+                      </p:stCondLst>
+                      <p:childTnLst>
+                        <p:par>
+                          <p:cTn id="14" fill="hold">
+                            <p:stCondLst>
+                              <p:cond delay="0"/>
+                            </p:stCondLst>
+                            <p:childTnLst>
+                              <p:par>
+                                <p:cTn id="15" presetID="10" presetClass="entr" presetSubtype="0" fill="hold" grpId="0" nodeType="clickEffect">
+                                  <p:stCondLst>
+                                    <p:cond delay="0"/>
+                                  </p:stCondLst>
+                                  <p:childTnLst>
+                                    <p:set>
+                                      <p:cBhvr>
+                                        <p:cTn id="16" dur="1" fill="hold">
+                                          <p:stCondLst>
+                                            <p:cond delay="0"/>
+                                          </p:stCondLst>
+                                        </p:cTn>
+                                        <p:tgtEl>
+                                          <p:spTgt spid="9"/>
+                                        </p:tgtEl>
+                                        <p:attrNameLst>
+                                          <p:attrName>style.visibility</p:attrName>
+                                        </p:attrNameLst>
+                                      </p:cBhvr>
+                                      <p:to>
+                                        <p:strVal val="visible"/>
+                                      </p:to>
+                                    </p:set>
+                                    <p:animEffect transition="in" filter="fade">
+                                      <p:cBhvr>
+                                        <p:cTn id="17" dur="500"/>
+                                        <p:tgtEl>
+                                          <p:spTgt spid="9"/>
+                                        </p:tgtEl>
+                                      </p:cBhvr>
+                                    </p:animEffect>
+                                  </p:childTnLst>
+                                </p:cTn>
+                              </p:par>
+                            </p:childTnLst>
+                          </p:cTn>
+                        </p:par>
+                      </p:childTnLst>
+                    </p:cTn>
+                  </p:par>
+                </p:childTnLst>
+              </p:cTn>
+              <p:prevCondLst>
+                <p:cond evt="onPrev" delay="0">
+                  <p:tgtEl>
+                    <p:sldTgt/>
+                  </p:tgtEl>
+                </p:cond>
+              </p:prevCondLst>
+              <p:nextCondLst>
+                <p:cond evt="onNext" delay="0">
+                  <p:tgtEl>
+                    <p:sldTgt/>
+                  </p:tgtEl>
+                </p:cond>
+              </p:nextCondLst>
+            </p:seq>
+          </p:childTnLst>
+        </p:cTn>
       </p:par>
     </p:tnLst>
+    <p:bldLst>
+      <p:bldP spid="7" grpId="0"/>
+      <p:bldP spid="8" grpId="0"/>
+      <p:bldP spid="9" grpId="0"/>
+    </p:bldLst>
   </p:timing>
 </p:sld>
 </file>
@@ -5875,7 +6597,7 @@
           <p:cNvPr id="3" name="TextBox 2">
             <a:extLst>
               <a:ext uri="{FF2B5EF4-FFF2-40B4-BE49-F238E27FC236}">
-                <a16:creationId xmlns="" xmlns:a16="http://schemas.microsoft.com/office/drawing/2014/main" id="{3FCF3979-E4B3-0634-4C0B-AB862892E9BF}"/>
+                <a16:creationId xmlns:a16="http://schemas.microsoft.com/office/drawing/2014/main" id="{3FCF3979-E4B3-0634-4C0B-AB862892E9BF}"/>
               </a:ext>
             </a:extLst>
           </p:cNvPr>
@@ -5899,7 +6621,7 @@
           <a:lstStyle/>
           <a:p>
             <a:r>
-              <a:rPr lang="en-IN" sz="4000" dirty="0" smtClean="0">
+              <a:rPr lang="en-IN" sz="4000" dirty="0">
                 <a:solidFill>
                   <a:srgbClr val="F4F4F2"/>
                 </a:solidFill>
@@ -5915,7 +6637,7 @@
           <p:cNvPr id="7" name="TextBox 6">
             <a:extLst>
               <a:ext uri="{FF2B5EF4-FFF2-40B4-BE49-F238E27FC236}">
-                <a16:creationId xmlns="" xmlns:a16="http://schemas.microsoft.com/office/drawing/2014/main" id="{4CE4714F-5B28-DDDA-2E6D-2AD9A4F1FC7E}"/>
+                <a16:creationId xmlns:a16="http://schemas.microsoft.com/office/drawing/2014/main" id="{4CE4714F-5B28-DDDA-2E6D-2AD9A4F1FC7E}"/>
               </a:ext>
             </a:extLst>
           </p:cNvPr>
@@ -5956,7 +6678,7 @@
               <a:defRPr/>
             </a:pPr>
             <a:r>
-              <a:rPr lang="en-IN" sz="2400" dirty="0" smtClean="0">
+              <a:rPr lang="en-IN" sz="2400" dirty="0">
                 <a:solidFill>
                   <a:prstClr val="white"/>
                 </a:solidFill>
@@ -5985,7 +6707,7 @@
               <a:defRPr/>
             </a:pPr>
             <a:r>
-              <a:rPr lang="en-IN" sz="2400" dirty="0" smtClean="0">
+              <a:rPr lang="en-IN" sz="2400" dirty="0">
                 <a:solidFill>
                   <a:prstClr val="white"/>
                 </a:solidFill>
@@ -5994,13 +6716,6 @@
               </a:rPr>
               <a:t>Buy near Moving Average</a:t>
             </a:r>
-            <a:endParaRPr lang="en-IN" sz="2400" dirty="0" smtClean="0">
-              <a:solidFill>
-                <a:prstClr val="white"/>
-              </a:solidFill>
-              <a:latin typeface="Cascadia Code SemiBold" pitchFamily="50" charset="0"/>
-              <a:cs typeface="Cascadia Code SemiBold" pitchFamily="50" charset="0"/>
-            </a:endParaRPr>
           </a:p>
           <a:p>
             <a:pPr marL="342900" marR="0" lvl="0" indent="-342900" algn="l" defTabSz="457200" rtl="0" eaLnBrk="1" fontAlgn="auto" latinLnBrk="0" hangingPunct="1">
@@ -6021,7 +6736,7 @@
               <a:defRPr/>
             </a:pPr>
             <a:r>
-              <a:rPr kumimoji="0" lang="en-IN" sz="2400" b="0" i="0" u="none" strike="noStrike" kern="1200" cap="none" spc="0" normalizeH="0" noProof="0" dirty="0" smtClean="0">
+              <a:rPr kumimoji="0" lang="en-IN" sz="2400" b="0" i="0" u="none" strike="noStrike" kern="1200" cap="none" spc="0" normalizeH="0" noProof="0" dirty="0">
                 <a:ln>
                   <a:noFill/>
                 </a:ln>
@@ -6037,20 +6752,6 @@
               </a:rPr>
               <a:t>Trade Breakouts</a:t>
             </a:r>
-            <a:endParaRPr kumimoji="0" lang="en-IN" sz="2400" b="0" i="0" u="none" strike="noStrike" kern="1200" cap="none" spc="0" normalizeH="0" noProof="0" dirty="0">
-              <a:ln>
-                <a:noFill/>
-              </a:ln>
-              <a:solidFill>
-                <a:prstClr val="white"/>
-              </a:solidFill>
-              <a:effectLst/>
-              <a:uLnTx/>
-              <a:uFillTx/>
-              <a:latin typeface="Cascadia Code SemiBold" pitchFamily="50" charset="0"/>
-              <a:ea typeface="+mn-ea"/>
-              <a:cs typeface="Cascadia Code SemiBold" pitchFamily="50" charset="0"/>
-            </a:endParaRPr>
           </a:p>
         </p:txBody>
       </p:sp>
@@ -6059,7 +6760,7 @@
           <p:cNvPr id="8" name="TextBox 7">
             <a:extLst>
               <a:ext uri="{FF2B5EF4-FFF2-40B4-BE49-F238E27FC236}">
-                <a16:creationId xmlns="" xmlns:a16="http://schemas.microsoft.com/office/drawing/2014/main" id="{3FCF3979-E4B3-0634-4C0B-AB862892E9BF}"/>
+                <a16:creationId xmlns:a16="http://schemas.microsoft.com/office/drawing/2014/main" id="{3FCF3979-E4B3-0634-4C0B-AB862892E9BF}"/>
               </a:ext>
             </a:extLst>
           </p:cNvPr>
@@ -6083,7 +6784,7 @@
           <a:lstStyle/>
           <a:p>
             <a:r>
-              <a:rPr lang="en-IN" sz="4000" dirty="0" smtClean="0">
+              <a:rPr lang="en-IN" sz="4000" dirty="0">
                 <a:solidFill>
                   <a:srgbClr val="F4F4F2"/>
                 </a:solidFill>
@@ -6099,7 +6800,7 @@
           <p:cNvPr id="9" name="TextBox 8">
             <a:extLst>
               <a:ext uri="{FF2B5EF4-FFF2-40B4-BE49-F238E27FC236}">
-                <a16:creationId xmlns="" xmlns:a16="http://schemas.microsoft.com/office/drawing/2014/main" id="{4CE4714F-5B28-DDDA-2E6D-2AD9A4F1FC7E}"/>
+                <a16:creationId xmlns:a16="http://schemas.microsoft.com/office/drawing/2014/main" id="{4CE4714F-5B28-DDDA-2E6D-2AD9A4F1FC7E}"/>
               </a:ext>
             </a:extLst>
           </p:cNvPr>
@@ -6140,7 +6841,7 @@
               <a:defRPr/>
             </a:pPr>
             <a:r>
-              <a:rPr lang="en-IN" sz="2400" dirty="0" smtClean="0">
+              <a:rPr lang="en-IN" sz="2400" dirty="0">
                 <a:solidFill>
                   <a:prstClr val="white"/>
                 </a:solidFill>
@@ -6169,7 +6870,7 @@
               <a:defRPr/>
             </a:pPr>
             <a:r>
-              <a:rPr lang="en-IN" sz="2400" dirty="0" smtClean="0">
+              <a:rPr lang="en-IN" sz="2400" dirty="0">
                 <a:solidFill>
                   <a:prstClr val="white"/>
                 </a:solidFill>
@@ -6198,7 +6899,7 @@
               <a:defRPr/>
             </a:pPr>
             <a:r>
-              <a:rPr lang="en-IN" sz="2400" dirty="0" smtClean="0">
+              <a:rPr lang="en-IN" sz="2400" dirty="0">
                 <a:solidFill>
                   <a:prstClr val="white"/>
                 </a:solidFill>
@@ -6208,7 +6909,7 @@
               <a:t>Lower </a:t>
             </a:r>
             <a:r>
-              <a:rPr lang="en-IN" sz="2400" dirty="0" err="1" smtClean="0">
+              <a:rPr lang="en-IN" sz="2400" dirty="0" err="1">
                 <a:solidFill>
                   <a:prstClr val="white"/>
                 </a:solidFill>
@@ -6218,7 +6919,7 @@
               <a:t>Trendline</a:t>
             </a:r>
             <a:r>
-              <a:rPr lang="en-IN" sz="2400" dirty="0" smtClean="0">
+              <a:rPr lang="en-IN" sz="2400" dirty="0">
                 <a:solidFill>
                   <a:prstClr val="white"/>
                 </a:solidFill>
@@ -6247,7 +6948,7 @@
     </p:spTree>
     <p:extLst>
       <p:ext uri="{BB962C8B-B14F-4D97-AF65-F5344CB8AC3E}">
-        <p14:creationId xmlns="" xmlns:p14="http://schemas.microsoft.com/office/powerpoint/2010/main" val="2656182769"/>
+        <p14:creationId xmlns:p14="http://schemas.microsoft.com/office/powerpoint/2010/main" val="2656182769"/>
       </p:ext>
     </p:extLst>
   </p:cSld>
@@ -6258,9 +6959,142 @@
   <p:timing>
     <p:tnLst>
       <p:par>
-        <p:cTn id="1" dur="indefinite" restart="never" nodeType="tmRoot"/>
+        <p:cTn id="1" dur="indefinite" restart="never" nodeType="tmRoot">
+          <p:childTnLst>
+            <p:seq concurrent="1" nextAc="seek">
+              <p:cTn id="2" dur="indefinite" nodeType="mainSeq">
+                <p:childTnLst>
+                  <p:par>
+                    <p:cTn id="3" fill="hold">
+                      <p:stCondLst>
+                        <p:cond delay="indefinite"/>
+                      </p:stCondLst>
+                      <p:childTnLst>
+                        <p:par>
+                          <p:cTn id="4" fill="hold">
+                            <p:stCondLst>
+                              <p:cond delay="0"/>
+                            </p:stCondLst>
+                            <p:childTnLst>
+                              <p:par>
+                                <p:cTn id="5" presetID="10" presetClass="entr" presetSubtype="0" fill="hold" grpId="0" nodeType="clickEffect">
+                                  <p:stCondLst>
+                                    <p:cond delay="0"/>
+                                  </p:stCondLst>
+                                  <p:childTnLst>
+                                    <p:set>
+                                      <p:cBhvr>
+                                        <p:cTn id="6" dur="1" fill="hold">
+                                          <p:stCondLst>
+                                            <p:cond delay="0"/>
+                                          </p:stCondLst>
+                                        </p:cTn>
+                                        <p:tgtEl>
+                                          <p:spTgt spid="7"/>
+                                        </p:tgtEl>
+                                        <p:attrNameLst>
+                                          <p:attrName>style.visibility</p:attrName>
+                                        </p:attrNameLst>
+                                      </p:cBhvr>
+                                      <p:to>
+                                        <p:strVal val="visible"/>
+                                      </p:to>
+                                    </p:set>
+                                    <p:animEffect transition="in" filter="fade">
+                                      <p:cBhvr>
+                                        <p:cTn id="7" dur="500"/>
+                                        <p:tgtEl>
+                                          <p:spTgt spid="7"/>
+                                        </p:tgtEl>
+                                      </p:cBhvr>
+                                    </p:animEffect>
+                                  </p:childTnLst>
+                                </p:cTn>
+                              </p:par>
+                            </p:childTnLst>
+                          </p:cTn>
+                        </p:par>
+                      </p:childTnLst>
+                    </p:cTn>
+                  </p:par>
+                  <p:par>
+                    <p:cTn id="8" fill="hold">
+                      <p:stCondLst>
+                        <p:cond delay="indefinite"/>
+                      </p:stCondLst>
+                      <p:childTnLst>
+                        <p:par>
+                          <p:cTn id="9" fill="hold">
+                            <p:stCondLst>
+                              <p:cond delay="0"/>
+                            </p:stCondLst>
+                            <p:childTnLst>
+                              <p:par>
+                                <p:cTn id="10" presetID="10" presetClass="entr" presetSubtype="0" fill="hold" grpId="0" nodeType="clickEffect">
+                                  <p:stCondLst>
+                                    <p:cond delay="0"/>
+                                  </p:stCondLst>
+                                  <p:childTnLst>
+                                    <p:set>
+                                      <p:cBhvr>
+                                        <p:cTn id="11" dur="1" fill="hold">
+                                          <p:stCondLst>
+                                            <p:cond delay="0"/>
+                                          </p:stCondLst>
+                                        </p:cTn>
+                                        <p:tgtEl>
+                                          <p:spTgt spid="9"/>
+                                        </p:tgtEl>
+                                        <p:attrNameLst>
+                                          <p:attrName>style.visibility</p:attrName>
+                                        </p:attrNameLst>
+                                      </p:cBhvr>
+                                      <p:to>
+                                        <p:strVal val="visible"/>
+                                      </p:to>
+                                    </p:set>
+                                    <p:animEffect transition="in" filter="fade">
+                                      <p:cBhvr>
+                                        <p:cTn id="12" dur="500"/>
+                                        <p:tgtEl>
+                                          <p:spTgt spid="9"/>
+                                        </p:tgtEl>
+                                      </p:cBhvr>
+                                    </p:animEffect>
+                                  </p:childTnLst>
+                                </p:cTn>
+                              </p:par>
+                            </p:childTnLst>
+                          </p:cTn>
+                        </p:par>
+                      </p:childTnLst>
+                    </p:cTn>
+                  </p:par>
+                </p:childTnLst>
+              </p:cTn>
+              <p:prevCondLst>
+                <p:cond evt="onPrev" delay="0">
+                  <p:tgtEl>
+                    <p:sldTgt/>
+                  </p:tgtEl>
+                </p:cond>
+              </p:prevCondLst>
+              <p:nextCondLst>
+                <p:cond evt="onNext" delay="0">
+                  <p:tgtEl>
+                    <p:sldTgt/>
+                  </p:tgtEl>
+                </p:cond>
+              </p:nextCondLst>
+            </p:seq>
+          </p:childTnLst>
+        </p:cTn>
       </p:par>
     </p:tnLst>
+    <p:bldLst>
+      <p:bldP spid="7" grpId="0"/>
+      <p:bldP spid="9" grpId="0"/>
+    </p:bldLst>
   </p:timing>
 </p:sld>
 </file>
@@ -6295,7 +7129,7 @@
           <p:cNvPr id="3" name="TextBox 2">
             <a:extLst>
               <a:ext uri="{FF2B5EF4-FFF2-40B4-BE49-F238E27FC236}">
-                <a16:creationId xmlns="" xmlns:a16="http://schemas.microsoft.com/office/drawing/2014/main" id="{3FCF3979-E4B3-0634-4C0B-AB862892E9BF}"/>
+                <a16:creationId xmlns:a16="http://schemas.microsoft.com/office/drawing/2014/main" id="{3FCF3979-E4B3-0634-4C0B-AB862892E9BF}"/>
               </a:ext>
             </a:extLst>
           </p:cNvPr>
@@ -6304,8 +7138,8 @@
         </p:nvSpPr>
         <p:spPr>
           <a:xfrm>
-            <a:off x="688880" y="452140"/>
-            <a:ext cx="7239778" cy="707886"/>
+            <a:off x="344440" y="461972"/>
+            <a:ext cx="8455120" cy="707886"/>
           </a:xfrm>
           <a:prstGeom prst="rect">
             <a:avLst/>
@@ -6319,7 +7153,7 @@
           <a:lstStyle/>
           <a:p>
             <a:r>
-              <a:rPr lang="en-IN" sz="4000" dirty="0" smtClean="0">
+              <a:rPr lang="en-IN" sz="4000" dirty="0">
                 <a:solidFill>
                   <a:srgbClr val="F4F4F2"/>
                 </a:solidFill>
@@ -6335,7 +7169,7 @@
           <p:cNvPr id="7" name="TextBox 6">
             <a:extLst>
               <a:ext uri="{FF2B5EF4-FFF2-40B4-BE49-F238E27FC236}">
-                <a16:creationId xmlns="" xmlns:a16="http://schemas.microsoft.com/office/drawing/2014/main" id="{4CE4714F-5B28-DDDA-2E6D-2AD9A4F1FC7E}"/>
+                <a16:creationId xmlns:a16="http://schemas.microsoft.com/office/drawing/2014/main" id="{4CE4714F-5B28-DDDA-2E6D-2AD9A4F1FC7E}"/>
               </a:ext>
             </a:extLst>
           </p:cNvPr>
@@ -6344,7 +7178,7 @@
         </p:nvSpPr>
         <p:spPr>
           <a:xfrm>
-            <a:off x="723352" y="1233471"/>
+            <a:off x="344440" y="1420283"/>
             <a:ext cx="7735502" cy="461665"/>
           </a:xfrm>
           <a:prstGeom prst="rect">
@@ -6374,7 +7208,7 @@
               <a:defRPr/>
             </a:pPr>
             <a:r>
-              <a:rPr kumimoji="0" lang="en-IN" sz="2400" b="0" i="0" u="none" strike="noStrike" kern="1200" cap="none" spc="0" normalizeH="0" noProof="0" dirty="0" smtClean="0">
+              <a:rPr kumimoji="0" lang="en-IN" sz="2400" b="0" i="0" u="none" strike="noStrike" kern="1200" cap="none" spc="0" normalizeH="0" noProof="0" dirty="0">
                 <a:ln>
                   <a:noFill/>
                 </a:ln>
@@ -6390,27 +7224,13 @@
               </a:rPr>
               <a:t>All action is happening here</a:t>
             </a:r>
-            <a:endParaRPr kumimoji="0" lang="en-IN" sz="2400" b="0" i="0" u="none" strike="noStrike" kern="1200" cap="none" spc="0" normalizeH="0" noProof="0" dirty="0">
-              <a:ln>
-                <a:noFill/>
-              </a:ln>
-              <a:solidFill>
-                <a:prstClr val="white"/>
-              </a:solidFill>
-              <a:effectLst/>
-              <a:uLnTx/>
-              <a:uFillTx/>
-              <a:latin typeface="Cascadia Code SemiBold" pitchFamily="50" charset="0"/>
-              <a:ea typeface="+mn-ea"/>
-              <a:cs typeface="Cascadia Code SemiBold" pitchFamily="50" charset="0"/>
-            </a:endParaRPr>
           </a:p>
         </p:txBody>
       </p:sp>
     </p:spTree>
     <p:extLst>
       <p:ext uri="{BB962C8B-B14F-4D97-AF65-F5344CB8AC3E}">
-        <p14:creationId xmlns="" xmlns:p14="http://schemas.microsoft.com/office/powerpoint/2010/main" val="2656182769"/>
+        <p14:creationId xmlns:p14="http://schemas.microsoft.com/office/powerpoint/2010/main" val="2656182769"/>
       </p:ext>
     </p:extLst>
   </p:cSld>
@@ -6421,9 +7241,88 @@
   <p:timing>
     <p:tnLst>
       <p:par>
-        <p:cTn id="1" dur="indefinite" restart="never" nodeType="tmRoot"/>
+        <p:cTn id="1" dur="indefinite" restart="never" nodeType="tmRoot">
+          <p:childTnLst>
+            <p:seq concurrent="1" nextAc="seek">
+              <p:cTn id="2" dur="indefinite" nodeType="mainSeq">
+                <p:childTnLst>
+                  <p:par>
+                    <p:cTn id="3" fill="hold">
+                      <p:stCondLst>
+                        <p:cond delay="indefinite"/>
+                      </p:stCondLst>
+                      <p:childTnLst>
+                        <p:par>
+                          <p:cTn id="4" fill="hold">
+                            <p:stCondLst>
+                              <p:cond delay="0"/>
+                            </p:stCondLst>
+                            <p:childTnLst>
+                              <p:par>
+                                <p:cTn id="5" presetID="10" presetClass="entr" presetSubtype="0" fill="hold" grpId="0" nodeType="clickEffect">
+                                  <p:stCondLst>
+                                    <p:cond delay="0"/>
+                                  </p:stCondLst>
+                                  <p:childTnLst>
+                                    <p:set>
+                                      <p:cBhvr>
+                                        <p:cTn id="6" dur="1" fill="hold">
+                                          <p:stCondLst>
+                                            <p:cond delay="0"/>
+                                          </p:stCondLst>
+                                        </p:cTn>
+                                        <p:tgtEl>
+                                          <p:spTgt spid="7"/>
+                                        </p:tgtEl>
+                                        <p:attrNameLst>
+                                          <p:attrName>style.visibility</p:attrName>
+                                        </p:attrNameLst>
+                                      </p:cBhvr>
+                                      <p:to>
+                                        <p:strVal val="visible"/>
+                                      </p:to>
+                                    </p:set>
+                                    <p:animEffect transition="in" filter="fade">
+                                      <p:cBhvr>
+                                        <p:cTn id="7" dur="500"/>
+                                        <p:tgtEl>
+                                          <p:spTgt spid="7"/>
+                                        </p:tgtEl>
+                                      </p:cBhvr>
+                                    </p:animEffect>
+                                  </p:childTnLst>
+                                </p:cTn>
+                              </p:par>
+                            </p:childTnLst>
+                          </p:cTn>
+                        </p:par>
+                      </p:childTnLst>
+                    </p:cTn>
+                  </p:par>
+                </p:childTnLst>
+              </p:cTn>
+              <p:prevCondLst>
+                <p:cond evt="onPrev" delay="0">
+                  <p:tgtEl>
+                    <p:sldTgt/>
+                  </p:tgtEl>
+                </p:cond>
+              </p:prevCondLst>
+              <p:nextCondLst>
+                <p:cond evt="onNext" delay="0">
+                  <p:tgtEl>
+                    <p:sldTgt/>
+                  </p:tgtEl>
+                </p:cond>
+              </p:nextCondLst>
+            </p:seq>
+          </p:childTnLst>
+        </p:cTn>
       </p:par>
     </p:tnLst>
+    <p:bldLst>
+      <p:bldP spid="7" grpId="0"/>
+    </p:bldLst>
   </p:timing>
 </p:sld>
 </file>
@@ -6458,7 +7357,7 @@
           <p:cNvPr id="3" name="TextBox 2">
             <a:extLst>
               <a:ext uri="{FF2B5EF4-FFF2-40B4-BE49-F238E27FC236}">
-                <a16:creationId xmlns="" xmlns:a16="http://schemas.microsoft.com/office/drawing/2014/main" id="{3FCF3979-E4B3-0634-4C0B-AB862892E9BF}"/>
+                <a16:creationId xmlns:a16="http://schemas.microsoft.com/office/drawing/2014/main" id="{3FCF3979-E4B3-0634-4C0B-AB862892E9BF}"/>
               </a:ext>
             </a:extLst>
           </p:cNvPr>
@@ -6467,8 +7366,8 @@
         </p:nvSpPr>
         <p:spPr>
           <a:xfrm>
-            <a:off x="688880" y="452140"/>
-            <a:ext cx="7239778" cy="707886"/>
+            <a:off x="688879" y="452140"/>
+            <a:ext cx="8179817" cy="707886"/>
           </a:xfrm>
           <a:prstGeom prst="rect">
             <a:avLst/>
@@ -6482,7 +7381,7 @@
           <a:lstStyle/>
           <a:p>
             <a:r>
-              <a:rPr lang="en-IN" sz="4000" dirty="0" smtClean="0">
+              <a:rPr lang="en-IN" sz="4000" dirty="0">
                 <a:solidFill>
                   <a:srgbClr val="F4F4F2"/>
                 </a:solidFill>
@@ -6498,7 +7397,7 @@
           <p:cNvPr id="4" name="TextBox 3">
             <a:extLst>
               <a:ext uri="{FF2B5EF4-FFF2-40B4-BE49-F238E27FC236}">
-                <a16:creationId xmlns="" xmlns:a16="http://schemas.microsoft.com/office/drawing/2014/main" id="{4CE4714F-5B28-DDDA-2E6D-2AD9A4F1FC7E}"/>
+                <a16:creationId xmlns:a16="http://schemas.microsoft.com/office/drawing/2014/main" id="{4CE4714F-5B28-DDDA-2E6D-2AD9A4F1FC7E}"/>
               </a:ext>
             </a:extLst>
           </p:cNvPr>
@@ -6507,7 +7406,7 @@
         </p:nvSpPr>
         <p:spPr>
           <a:xfrm>
-            <a:off x="723352" y="1233471"/>
+            <a:off x="704249" y="1459613"/>
             <a:ext cx="7735502" cy="461665"/>
           </a:xfrm>
           <a:prstGeom prst="rect">
@@ -6537,7 +7436,7 @@
               <a:defRPr/>
             </a:pPr>
             <a:r>
-              <a:rPr kumimoji="0" lang="en-IN" sz="2400" b="0" i="0" u="none" strike="noStrike" kern="1200" cap="none" spc="0" normalizeH="0" noProof="0" dirty="0" smtClean="0">
+              <a:rPr kumimoji="0" lang="en-IN" sz="2400" b="0" i="0" u="none" strike="noStrike" kern="1200" cap="none" spc="0" normalizeH="0" noProof="0" dirty="0">
                 <a:ln>
                   <a:noFill/>
                 </a:ln>
@@ -6553,27 +7452,13 @@
               </a:rPr>
               <a:t>Buy at support sell at resistance</a:t>
             </a:r>
-            <a:endParaRPr kumimoji="0" lang="en-IN" sz="2400" b="0" i="0" u="none" strike="noStrike" kern="1200" cap="none" spc="0" normalizeH="0" noProof="0" dirty="0">
-              <a:ln>
-                <a:noFill/>
-              </a:ln>
-              <a:solidFill>
-                <a:prstClr val="white"/>
-              </a:solidFill>
-              <a:effectLst/>
-              <a:uLnTx/>
-              <a:uFillTx/>
-              <a:latin typeface="Cascadia Code SemiBold" pitchFamily="50" charset="0"/>
-              <a:ea typeface="+mn-ea"/>
-              <a:cs typeface="Cascadia Code SemiBold" pitchFamily="50" charset="0"/>
-            </a:endParaRPr>
           </a:p>
         </p:txBody>
       </p:sp>
     </p:spTree>
     <p:extLst>
       <p:ext uri="{BB962C8B-B14F-4D97-AF65-F5344CB8AC3E}">
-        <p14:creationId xmlns="" xmlns:p14="http://schemas.microsoft.com/office/powerpoint/2010/main" val="2656182769"/>
+        <p14:creationId xmlns:p14="http://schemas.microsoft.com/office/powerpoint/2010/main" val="2656182769"/>
       </p:ext>
     </p:extLst>
   </p:cSld>
@@ -6584,9 +7469,88 @@
   <p:timing>
     <p:tnLst>
       <p:par>
-        <p:cTn id="1" dur="indefinite" restart="never" nodeType="tmRoot"/>
+        <p:cTn id="1" dur="indefinite" restart="never" nodeType="tmRoot">
+          <p:childTnLst>
+            <p:seq concurrent="1" nextAc="seek">
+              <p:cTn id="2" dur="indefinite" nodeType="mainSeq">
+                <p:childTnLst>
+                  <p:par>
+                    <p:cTn id="3" fill="hold">
+                      <p:stCondLst>
+                        <p:cond delay="indefinite"/>
+                      </p:stCondLst>
+                      <p:childTnLst>
+                        <p:par>
+                          <p:cTn id="4" fill="hold">
+                            <p:stCondLst>
+                              <p:cond delay="0"/>
+                            </p:stCondLst>
+                            <p:childTnLst>
+                              <p:par>
+                                <p:cTn id="5" presetID="10" presetClass="entr" presetSubtype="0" fill="hold" grpId="0" nodeType="clickEffect">
+                                  <p:stCondLst>
+                                    <p:cond delay="0"/>
+                                  </p:stCondLst>
+                                  <p:childTnLst>
+                                    <p:set>
+                                      <p:cBhvr>
+                                        <p:cTn id="6" dur="1" fill="hold">
+                                          <p:stCondLst>
+                                            <p:cond delay="0"/>
+                                          </p:stCondLst>
+                                        </p:cTn>
+                                        <p:tgtEl>
+                                          <p:spTgt spid="4"/>
+                                        </p:tgtEl>
+                                        <p:attrNameLst>
+                                          <p:attrName>style.visibility</p:attrName>
+                                        </p:attrNameLst>
+                                      </p:cBhvr>
+                                      <p:to>
+                                        <p:strVal val="visible"/>
+                                      </p:to>
+                                    </p:set>
+                                    <p:animEffect transition="in" filter="fade">
+                                      <p:cBhvr>
+                                        <p:cTn id="7" dur="500"/>
+                                        <p:tgtEl>
+                                          <p:spTgt spid="4"/>
+                                        </p:tgtEl>
+                                      </p:cBhvr>
+                                    </p:animEffect>
+                                  </p:childTnLst>
+                                </p:cTn>
+                              </p:par>
+                            </p:childTnLst>
+                          </p:cTn>
+                        </p:par>
+                      </p:childTnLst>
+                    </p:cTn>
+                  </p:par>
+                </p:childTnLst>
+              </p:cTn>
+              <p:prevCondLst>
+                <p:cond evt="onPrev" delay="0">
+                  <p:tgtEl>
+                    <p:sldTgt/>
+                  </p:tgtEl>
+                </p:cond>
+              </p:prevCondLst>
+              <p:nextCondLst>
+                <p:cond evt="onNext" delay="0">
+                  <p:tgtEl>
+                    <p:sldTgt/>
+                  </p:tgtEl>
+                </p:cond>
+              </p:nextCondLst>
+            </p:seq>
+          </p:childTnLst>
+        </p:cTn>
       </p:par>
     </p:tnLst>
+    <p:bldLst>
+      <p:bldP spid="4" grpId="0"/>
+    </p:bldLst>
   </p:timing>
 </p:sld>
 </file>
@@ -6621,7 +7585,7 @@
           <p:cNvPr id="3" name="TextBox 2">
             <a:extLst>
               <a:ext uri="{FF2B5EF4-FFF2-40B4-BE49-F238E27FC236}">
-                <a16:creationId xmlns="" xmlns:a16="http://schemas.microsoft.com/office/drawing/2014/main" id="{3FCF3979-E4B3-0634-4C0B-AB862892E9BF}"/>
+                <a16:creationId xmlns:a16="http://schemas.microsoft.com/office/drawing/2014/main" id="{3FCF3979-E4B3-0634-4C0B-AB862892E9BF}"/>
               </a:ext>
             </a:extLst>
           </p:cNvPr>
@@ -6686,7 +7650,7 @@
           <p:cNvPr id="2" name="Rectangle 1">
             <a:extLst>
               <a:ext uri="{FF2B5EF4-FFF2-40B4-BE49-F238E27FC236}">
-                <a16:creationId xmlns="" xmlns:a16="http://schemas.microsoft.com/office/drawing/2014/main" id="{896F725C-4CFE-FF8F-2A15-4F7F9AE3225E}"/>
+                <a16:creationId xmlns:a16="http://schemas.microsoft.com/office/drawing/2014/main" id="{896F725C-4CFE-FF8F-2A15-4F7F9AE3225E}"/>
               </a:ext>
             </a:extLst>
           </p:cNvPr>
@@ -6740,7 +7704,7 @@
           <p:cNvPr id="4" name="TextBox 3">
             <a:extLst>
               <a:ext uri="{FF2B5EF4-FFF2-40B4-BE49-F238E27FC236}">
-                <a16:creationId xmlns="" xmlns:a16="http://schemas.microsoft.com/office/drawing/2014/main" id="{D5C1F7EF-58E9-E9F1-EBA7-5DFF2EBC19AD}"/>
+                <a16:creationId xmlns:a16="http://schemas.microsoft.com/office/drawing/2014/main" id="{D5C1F7EF-58E9-E9F1-EBA7-5DFF2EBC19AD}"/>
               </a:ext>
             </a:extLst>
           </p:cNvPr>
@@ -6805,7 +7769,7 @@
           <p:cNvPr id="9" name="Rectangle 8">
             <a:extLst>
               <a:ext uri="{FF2B5EF4-FFF2-40B4-BE49-F238E27FC236}">
-                <a16:creationId xmlns="" xmlns:a16="http://schemas.microsoft.com/office/drawing/2014/main" id="{98B1ABDA-BAC5-141C-5958-60F064BE1B5F}"/>
+                <a16:creationId xmlns:a16="http://schemas.microsoft.com/office/drawing/2014/main" id="{98B1ABDA-BAC5-141C-5958-60F064BE1B5F}"/>
               </a:ext>
             </a:extLst>
           </p:cNvPr>
@@ -6859,7 +7823,7 @@
           <p:cNvPr id="10" name="TextBox 9">
             <a:extLst>
               <a:ext uri="{FF2B5EF4-FFF2-40B4-BE49-F238E27FC236}">
-                <a16:creationId xmlns="" xmlns:a16="http://schemas.microsoft.com/office/drawing/2014/main" id="{0BB6C4CE-5B83-9958-BF36-9C92A04CFE6E}"/>
+                <a16:creationId xmlns:a16="http://schemas.microsoft.com/office/drawing/2014/main" id="{0BB6C4CE-5B83-9958-BF36-9C92A04CFE6E}"/>
               </a:ext>
             </a:extLst>
           </p:cNvPr>
@@ -6899,7 +7863,7 @@
           <p:cNvPr id="11" name="Rectangle 10">
             <a:extLst>
               <a:ext uri="{FF2B5EF4-FFF2-40B4-BE49-F238E27FC236}">
-                <a16:creationId xmlns="" xmlns:a16="http://schemas.microsoft.com/office/drawing/2014/main" id="{38BA3D8C-1C99-47AE-668E-0376D060CA8F}"/>
+                <a16:creationId xmlns:a16="http://schemas.microsoft.com/office/drawing/2014/main" id="{38BA3D8C-1C99-47AE-668E-0376D060CA8F}"/>
               </a:ext>
             </a:extLst>
           </p:cNvPr>
@@ -6957,7 +7921,7 @@
           <p:cNvPr id="12" name="TextBox 11">
             <a:extLst>
               <a:ext uri="{FF2B5EF4-FFF2-40B4-BE49-F238E27FC236}">
-                <a16:creationId xmlns="" xmlns:a16="http://schemas.microsoft.com/office/drawing/2014/main" id="{4BA0361D-6F86-2D83-7555-CDC0E026D4F7}"/>
+                <a16:creationId xmlns:a16="http://schemas.microsoft.com/office/drawing/2014/main" id="{4BA0361D-6F86-2D83-7555-CDC0E026D4F7}"/>
               </a:ext>
             </a:extLst>
           </p:cNvPr>
@@ -6997,7 +7961,7 @@
           <p:cNvPr id="13" name="Rectangle 12">
             <a:extLst>
               <a:ext uri="{FF2B5EF4-FFF2-40B4-BE49-F238E27FC236}">
-                <a16:creationId xmlns="" xmlns:a16="http://schemas.microsoft.com/office/drawing/2014/main" id="{5E70ADB7-CBFB-0C70-C052-0898B0B598D4}"/>
+                <a16:creationId xmlns:a16="http://schemas.microsoft.com/office/drawing/2014/main" id="{5E70ADB7-CBFB-0C70-C052-0898B0B598D4}"/>
               </a:ext>
             </a:extLst>
           </p:cNvPr>
@@ -7053,7 +8017,7 @@
     </p:spTree>
     <p:extLst>
       <p:ext uri="{BB962C8B-B14F-4D97-AF65-F5344CB8AC3E}">
-        <p14:creationId xmlns="" xmlns:p14="http://schemas.microsoft.com/office/powerpoint/2010/main" val="3489613101"/>
+        <p14:creationId xmlns:p14="http://schemas.microsoft.com/office/powerpoint/2010/main" val="3489613101"/>
       </p:ext>
     </p:extLst>
   </p:cSld>
@@ -7352,7 +8316,7 @@
   <a:extraClrSchemeLst/>
   <a:extLst>
     <a:ext uri="{05A4C25C-085E-4340-85A3-A5531E510DB2}">
-      <thm15:themeFamily xmlns="" xmlns:thm15="http://schemas.microsoft.com/office/thememl/2012/main" name="Office Theme" id="{62F939B6-93AF-4DB8-9C6B-D6C7DFDC589F}" vid="{4A3C46E8-61CC-4603-A589-7422A47A8E4A}"/>
+      <thm15:themeFamily xmlns:thm15="http://schemas.microsoft.com/office/thememl/2012/main" name="Office Theme" id="{62F939B6-93AF-4DB8-9C6B-D6C7DFDC589F}" vid="{4A3C46E8-61CC-4603-A589-7422A47A8E4A}"/>
     </a:ext>
   </a:extLst>
 </a:theme>
@@ -7647,7 +8611,7 @@
   <a:extraClrSchemeLst/>
   <a:extLst>
     <a:ext uri="{05A4C25C-085E-4340-85A3-A5531E510DB2}">
-      <thm15:themeFamily xmlns="" xmlns:thm15="http://schemas.microsoft.com/office/thememl/2012/main" name="Office Theme" id="{62F939B6-93AF-4DB8-9C6B-D6C7DFDC589F}" vid="{4A3C46E8-61CC-4603-A589-7422A47A8E4A}"/>
+      <thm15:themeFamily xmlns:thm15="http://schemas.microsoft.com/office/thememl/2012/main" name="Office Theme" id="{62F939B6-93AF-4DB8-9C6B-D6C7DFDC589F}" vid="{4A3C46E8-61CC-4603-A589-7422A47A8E4A}"/>
     </a:ext>
   </a:extLst>
 </a:theme>

--- a/Introductory lecture/Investment Strategies.pptx
+++ b/Introductory lecture/Investment Strategies.pptx
@@ -5,18 +5,20 @@
     <p:sldMasterId id="2147483798" r:id="rId1"/>
   </p:sldMasterIdLst>
   <p:notesMasterIdLst>
-    <p:notesMasterId r:id="rId11"/>
+    <p:notesMasterId r:id="rId13"/>
   </p:notesMasterIdLst>
   <p:sldIdLst>
     <p:sldId id="257" r:id="rId2"/>
     <p:sldId id="286" r:id="rId3"/>
-    <p:sldId id="287" r:id="rId4"/>
-    <p:sldId id="289" r:id="rId5"/>
-    <p:sldId id="288" r:id="rId6"/>
-    <p:sldId id="291" r:id="rId7"/>
-    <p:sldId id="290" r:id="rId8"/>
-    <p:sldId id="292" r:id="rId9"/>
-    <p:sldId id="259" r:id="rId10"/>
+    <p:sldId id="293" r:id="rId4"/>
+    <p:sldId id="287" r:id="rId5"/>
+    <p:sldId id="289" r:id="rId6"/>
+    <p:sldId id="288" r:id="rId7"/>
+    <p:sldId id="291" r:id="rId8"/>
+    <p:sldId id="290" r:id="rId9"/>
+    <p:sldId id="292" r:id="rId10"/>
+    <p:sldId id="294" r:id="rId11"/>
+    <p:sldId id="259" r:id="rId12"/>
   </p:sldIdLst>
   <p:sldSz cx="9144000" cy="6858000" type="screen4x3"/>
   <p:notesSz cx="6858000" cy="9144000"/>
@@ -217,7 +219,7 @@
             <a:fld id="{C81CBF8C-69DB-4BE7-8E23-12F58A32682F}" type="datetimeFigureOut">
               <a:rPr lang="en-IN" smtClean="0"/>
               <a:pPr/>
-              <a:t>26-10-2022</a:t>
+              <a:t>29-10-2022</a:t>
             </a:fld>
             <a:endParaRPr lang="en-IN"/>
           </a:p>
@@ -721,7 +723,7 @@
             <a:fld id="{7D265885-DBBE-4952-92FC-FA735BB9E704}" type="datetimeFigureOut">
               <a:rPr lang="en-IN" smtClean="0"/>
               <a:pPr/>
-              <a:t>26-10-2022</a:t>
+              <a:t>29-10-2022</a:t>
             </a:fld>
             <a:endParaRPr lang="en-IN"/>
           </a:p>
@@ -923,7 +925,7 @@
             <a:fld id="{7D265885-DBBE-4952-92FC-FA735BB9E704}" type="datetimeFigureOut">
               <a:rPr lang="en-IN" smtClean="0"/>
               <a:pPr/>
-              <a:t>26-10-2022</a:t>
+              <a:t>29-10-2022</a:t>
             </a:fld>
             <a:endParaRPr lang="en-IN"/>
           </a:p>
@@ -1135,7 +1137,7 @@
             <a:fld id="{7D265885-DBBE-4952-92FC-FA735BB9E704}" type="datetimeFigureOut">
               <a:rPr lang="en-IN" smtClean="0"/>
               <a:pPr/>
-              <a:t>26-10-2022</a:t>
+              <a:t>29-10-2022</a:t>
             </a:fld>
             <a:endParaRPr lang="en-IN"/>
           </a:p>
@@ -1337,7 +1339,7 @@
             <a:fld id="{7D265885-DBBE-4952-92FC-FA735BB9E704}" type="datetimeFigureOut">
               <a:rPr lang="en-IN" smtClean="0"/>
               <a:pPr/>
-              <a:t>26-10-2022</a:t>
+              <a:t>29-10-2022</a:t>
             </a:fld>
             <a:endParaRPr lang="en-IN"/>
           </a:p>
@@ -1615,7 +1617,7 @@
             <a:fld id="{7D265885-DBBE-4952-92FC-FA735BB9E704}" type="datetimeFigureOut">
               <a:rPr lang="en-IN" smtClean="0"/>
               <a:pPr/>
-              <a:t>26-10-2022</a:t>
+              <a:t>29-10-2022</a:t>
             </a:fld>
             <a:endParaRPr lang="en-IN"/>
           </a:p>
@@ -1885,7 +1887,7 @@
             <a:fld id="{7D265885-DBBE-4952-92FC-FA735BB9E704}" type="datetimeFigureOut">
               <a:rPr lang="en-IN" smtClean="0"/>
               <a:pPr/>
-              <a:t>26-10-2022</a:t>
+              <a:t>29-10-2022</a:t>
             </a:fld>
             <a:endParaRPr lang="en-IN"/>
           </a:p>
@@ -2302,7 +2304,7 @@
             <a:fld id="{7D265885-DBBE-4952-92FC-FA735BB9E704}" type="datetimeFigureOut">
               <a:rPr lang="en-IN" smtClean="0"/>
               <a:pPr/>
-              <a:t>26-10-2022</a:t>
+              <a:t>29-10-2022</a:t>
             </a:fld>
             <a:endParaRPr lang="en-IN"/>
           </a:p>
@@ -2446,7 +2448,7 @@
             <a:fld id="{7D265885-DBBE-4952-92FC-FA735BB9E704}" type="datetimeFigureOut">
               <a:rPr lang="en-IN" smtClean="0"/>
               <a:pPr/>
-              <a:t>26-10-2022</a:t>
+              <a:t>29-10-2022</a:t>
             </a:fld>
             <a:endParaRPr lang="en-IN"/>
           </a:p>
@@ -2561,7 +2563,7 @@
             <a:fld id="{7D265885-DBBE-4952-92FC-FA735BB9E704}" type="datetimeFigureOut">
               <a:rPr lang="en-IN" smtClean="0"/>
               <a:pPr/>
-              <a:t>26-10-2022</a:t>
+              <a:t>29-10-2022</a:t>
             </a:fld>
             <a:endParaRPr lang="en-IN"/>
           </a:p>
@@ -2876,7 +2878,7 @@
             <a:fld id="{7D265885-DBBE-4952-92FC-FA735BB9E704}" type="datetimeFigureOut">
               <a:rPr lang="en-IN" smtClean="0"/>
               <a:pPr/>
-              <a:t>26-10-2022</a:t>
+              <a:t>29-10-2022</a:t>
             </a:fld>
             <a:endParaRPr lang="en-IN"/>
           </a:p>
@@ -3167,7 +3169,7 @@
             <a:fld id="{7D265885-DBBE-4952-92FC-FA735BB9E704}" type="datetimeFigureOut">
               <a:rPr lang="en-IN" smtClean="0"/>
               <a:pPr/>
-              <a:t>26-10-2022</a:t>
+              <a:t>29-10-2022</a:t>
             </a:fld>
             <a:endParaRPr lang="en-IN"/>
           </a:p>
@@ -3412,7 +3414,7 @@
             <a:fld id="{7D265885-DBBE-4952-92FC-FA735BB9E704}" type="datetimeFigureOut">
               <a:rPr lang="en-IN" smtClean="0"/>
               <a:pPr/>
-              <a:t>26-10-2022</a:t>
+              <a:t>29-10-2022</a:t>
             </a:fld>
             <a:endParaRPr lang="en-IN"/>
           </a:p>
@@ -4152,6 +4154,582 @@
 </p:sld>
 </file>
 
+<file path=ppt/slides/slide10.xml><?xml version="1.0" encoding="utf-8"?>
+<p:sld xmlns:a="http://schemas.openxmlformats.org/drawingml/2006/main" xmlns:r="http://schemas.openxmlformats.org/officeDocument/2006/relationships" xmlns:p="http://schemas.openxmlformats.org/presentationml/2006/main">
+  <p:cSld>
+    <p:bg>
+      <p:bgPr>
+        <a:solidFill>
+          <a:srgbClr val="4A206A"/>
+        </a:solidFill>
+        <a:effectLst/>
+      </p:bgPr>
+    </p:bg>
+    <p:spTree>
+      <p:nvGrpSpPr>
+        <p:cNvPr id="1" name=""/>
+        <p:cNvGrpSpPr/>
+        <p:nvPr/>
+      </p:nvGrpSpPr>
+      <p:grpSpPr>
+        <a:xfrm>
+          <a:off x="0" y="0"/>
+          <a:ext cx="0" cy="0"/>
+          <a:chOff x="0" y="0"/>
+          <a:chExt cx="0" cy="0"/>
+        </a:xfrm>
+      </p:grpSpPr>
+      <p:sp>
+        <p:nvSpPr>
+          <p:cNvPr id="3" name="TextBox 2">
+            <a:extLst>
+              <a:ext uri="{FF2B5EF4-FFF2-40B4-BE49-F238E27FC236}">
+                <a16:creationId xmlns:a16="http://schemas.microsoft.com/office/drawing/2014/main" id="{3FCF3979-E4B3-0634-4C0B-AB862892E9BF}"/>
+              </a:ext>
+            </a:extLst>
+          </p:cNvPr>
+          <p:cNvSpPr txBox="1"/>
+          <p:nvPr/>
+        </p:nvSpPr>
+        <p:spPr>
+          <a:xfrm>
+            <a:off x="688879" y="452140"/>
+            <a:ext cx="8179817" cy="707886"/>
+          </a:xfrm>
+          <a:prstGeom prst="rect">
+            <a:avLst/>
+          </a:prstGeom>
+          <a:noFill/>
+        </p:spPr>
+        <p:txBody>
+          <a:bodyPr wrap="square" rtlCol="0">
+            <a:spAutoFit/>
+          </a:bodyPr>
+          <a:lstStyle/>
+          <a:p>
+            <a:pPr marL="0" marR="0" lvl="0" indent="0" algn="l" defTabSz="914400" rtl="0" eaLnBrk="1" fontAlgn="auto" latinLnBrk="0" hangingPunct="1">
+              <a:lnSpc>
+                <a:spcPct val="100000"/>
+              </a:lnSpc>
+              <a:spcBef>
+                <a:spcPts val="0"/>
+              </a:spcBef>
+              <a:spcAft>
+                <a:spcPts val="0"/>
+              </a:spcAft>
+              <a:buClrTx/>
+              <a:buSzTx/>
+              <a:buFontTx/>
+              <a:buNone/>
+              <a:tabLst/>
+              <a:defRPr/>
+            </a:pPr>
+            <a:r>
+              <a:rPr kumimoji="0" lang="en-IN" sz="4000" b="0" i="0" u="none" strike="noStrike" kern="1200" cap="none" spc="0" normalizeH="0" baseline="0" noProof="0" dirty="0">
+                <a:ln>
+                  <a:noFill/>
+                </a:ln>
+                <a:solidFill>
+                  <a:srgbClr val="F4F4F2"/>
+                </a:solidFill>
+                <a:effectLst/>
+                <a:uLnTx/>
+                <a:uFillTx/>
+                <a:latin typeface="Amasis MT Pro Black" panose="02040A04050005020304" pitchFamily="18" charset="0"/>
+                <a:ea typeface="+mn-ea"/>
+                <a:cs typeface="+mn-cs"/>
+              </a:rPr>
+              <a:t>Risk Management</a:t>
+            </a:r>
+          </a:p>
+        </p:txBody>
+      </p:sp>
+    </p:spTree>
+    <p:extLst>
+      <p:ext uri="{BB962C8B-B14F-4D97-AF65-F5344CB8AC3E}">
+        <p14:creationId xmlns:p14="http://schemas.microsoft.com/office/powerpoint/2010/main" val="1297896924"/>
+      </p:ext>
+    </p:extLst>
+  </p:cSld>
+  <p:clrMapOvr>
+    <a:masterClrMapping/>
+  </p:clrMapOvr>
+  <p:transition/>
+</p:sld>
+</file>
+
+<file path=ppt/slides/slide11.xml><?xml version="1.0" encoding="utf-8"?>
+<p:sld xmlns:a="http://schemas.openxmlformats.org/drawingml/2006/main" xmlns:r="http://schemas.openxmlformats.org/officeDocument/2006/relationships" xmlns:p="http://schemas.openxmlformats.org/presentationml/2006/main">
+  <p:cSld>
+    <p:bg>
+      <p:bgPr>
+        <a:solidFill>
+          <a:schemeClr val="bg2"/>
+        </a:solidFill>
+        <a:effectLst/>
+      </p:bgPr>
+    </p:bg>
+    <p:spTree>
+      <p:nvGrpSpPr>
+        <p:cNvPr id="1" name=""/>
+        <p:cNvGrpSpPr/>
+        <p:nvPr/>
+      </p:nvGrpSpPr>
+      <p:grpSpPr>
+        <a:xfrm>
+          <a:off x="0" y="0"/>
+          <a:ext cx="0" cy="0"/>
+          <a:chOff x="0" y="0"/>
+          <a:chExt cx="0" cy="0"/>
+        </a:xfrm>
+      </p:grpSpPr>
+      <p:sp>
+        <p:nvSpPr>
+          <p:cNvPr id="3" name="TextBox 2">
+            <a:extLst>
+              <a:ext uri="{FF2B5EF4-FFF2-40B4-BE49-F238E27FC236}">
+                <a16:creationId xmlns:a16="http://schemas.microsoft.com/office/drawing/2014/main" id="{3FCF3979-E4B3-0634-4C0B-AB862892E9BF}"/>
+              </a:ext>
+            </a:extLst>
+          </p:cNvPr>
+          <p:cNvSpPr txBox="1"/>
+          <p:nvPr/>
+        </p:nvSpPr>
+        <p:spPr>
+          <a:xfrm>
+            <a:off x="-439963" y="329968"/>
+            <a:ext cx="3691954" cy="707886"/>
+          </a:xfrm>
+          <a:prstGeom prst="rect">
+            <a:avLst/>
+          </a:prstGeom>
+          <a:noFill/>
+        </p:spPr>
+        <p:txBody>
+          <a:bodyPr wrap="square" rtlCol="0">
+            <a:spAutoFit/>
+          </a:bodyPr>
+          <a:lstStyle/>
+          <a:p>
+            <a:pPr marL="0" marR="0" lvl="0" indent="0" algn="ctr" defTabSz="457200" rtl="0" eaLnBrk="1" fontAlgn="auto" latinLnBrk="0" hangingPunct="1">
+              <a:lnSpc>
+                <a:spcPct val="100000"/>
+              </a:lnSpc>
+              <a:spcBef>
+                <a:spcPts val="0"/>
+              </a:spcBef>
+              <a:spcAft>
+                <a:spcPts val="0"/>
+              </a:spcAft>
+              <a:buClrTx/>
+              <a:buSzTx/>
+              <a:buFontTx/>
+              <a:buNone/>
+              <a:tabLst/>
+              <a:defRPr/>
+            </a:pPr>
+            <a:r>
+              <a:rPr kumimoji="0" lang="en-IN" sz="4000" b="0" i="0" u="none" strike="noStrike" kern="1200" cap="none" spc="0" normalizeH="0" baseline="0" noProof="0" dirty="0">
+                <a:ln>
+                  <a:noFill/>
+                </a:ln>
+                <a:solidFill>
+                  <a:schemeClr val="bg1"/>
+                </a:solidFill>
+                <a:effectLst/>
+                <a:uLnTx/>
+                <a:uFillTx/>
+                <a:latin typeface="Amasis MT Pro Black" panose="02040A04050005020304" pitchFamily="18" charset="0"/>
+                <a:ea typeface="+mn-ea"/>
+                <a:cs typeface="+mn-cs"/>
+              </a:rPr>
+              <a:t>#06283D</a:t>
+            </a:r>
+          </a:p>
+        </p:txBody>
+      </p:sp>
+      <p:sp>
+        <p:nvSpPr>
+          <p:cNvPr id="2" name="Rectangle 1">
+            <a:extLst>
+              <a:ext uri="{FF2B5EF4-FFF2-40B4-BE49-F238E27FC236}">
+                <a16:creationId xmlns:a16="http://schemas.microsoft.com/office/drawing/2014/main" id="{896F725C-4CFE-FF8F-2A15-4F7F9AE3225E}"/>
+              </a:ext>
+            </a:extLst>
+          </p:cNvPr>
+          <p:cNvSpPr/>
+          <p:nvPr/>
+        </p:nvSpPr>
+        <p:spPr>
+          <a:xfrm>
+            <a:off x="2726023" y="405874"/>
+            <a:ext cx="1730478" cy="556074"/>
+          </a:xfrm>
+          <a:prstGeom prst="rect">
+            <a:avLst/>
+          </a:prstGeom>
+          <a:solidFill>
+            <a:srgbClr val="06283D"/>
+          </a:solidFill>
+          <a:ln>
+            <a:solidFill>
+              <a:srgbClr val="06283D"/>
+            </a:solidFill>
+          </a:ln>
+        </p:spPr>
+        <p:style>
+          <a:lnRef idx="2">
+            <a:schemeClr val="accent1">
+              <a:shade val="50000"/>
+            </a:schemeClr>
+          </a:lnRef>
+          <a:fillRef idx="1">
+            <a:schemeClr val="accent1"/>
+          </a:fillRef>
+          <a:effectRef idx="0">
+            <a:schemeClr val="accent1"/>
+          </a:effectRef>
+          <a:fontRef idx="minor">
+            <a:schemeClr val="lt1"/>
+          </a:fontRef>
+        </p:style>
+        <p:txBody>
+          <a:bodyPr rtlCol="0" anchor="ctr"/>
+          <a:lstStyle/>
+          <a:p>
+            <a:pPr algn="ctr"/>
+            <a:endParaRPr lang="en-IN" dirty="0"/>
+          </a:p>
+        </p:txBody>
+      </p:sp>
+      <p:sp>
+        <p:nvSpPr>
+          <p:cNvPr id="4" name="TextBox 3">
+            <a:extLst>
+              <a:ext uri="{FF2B5EF4-FFF2-40B4-BE49-F238E27FC236}">
+                <a16:creationId xmlns:a16="http://schemas.microsoft.com/office/drawing/2014/main" id="{D5C1F7EF-58E9-E9F1-EBA7-5DFF2EBC19AD}"/>
+              </a:ext>
+            </a:extLst>
+          </p:cNvPr>
+          <p:cNvSpPr txBox="1"/>
+          <p:nvPr/>
+        </p:nvSpPr>
+        <p:spPr>
+          <a:xfrm>
+            <a:off x="-439963" y="1189667"/>
+            <a:ext cx="3691954" cy="707886"/>
+          </a:xfrm>
+          <a:prstGeom prst="rect">
+            <a:avLst/>
+          </a:prstGeom>
+          <a:noFill/>
+        </p:spPr>
+        <p:txBody>
+          <a:bodyPr wrap="square" rtlCol="0">
+            <a:spAutoFit/>
+          </a:bodyPr>
+          <a:lstStyle/>
+          <a:p>
+            <a:pPr marL="0" marR="0" lvl="0" indent="0" algn="ctr" defTabSz="457200" rtl="0" eaLnBrk="1" fontAlgn="auto" latinLnBrk="0" hangingPunct="1">
+              <a:lnSpc>
+                <a:spcPct val="100000"/>
+              </a:lnSpc>
+              <a:spcBef>
+                <a:spcPts val="0"/>
+              </a:spcBef>
+              <a:spcAft>
+                <a:spcPts val="0"/>
+              </a:spcAft>
+              <a:buClrTx/>
+              <a:buSzTx/>
+              <a:buFontTx/>
+              <a:buNone/>
+              <a:tabLst/>
+              <a:defRPr/>
+            </a:pPr>
+            <a:r>
+              <a:rPr kumimoji="0" lang="en-IN" sz="4000" b="0" i="0" u="none" strike="noStrike" kern="1200" cap="none" spc="0" normalizeH="0" baseline="0" noProof="0" dirty="0">
+                <a:ln>
+                  <a:noFill/>
+                </a:ln>
+                <a:solidFill>
+                  <a:schemeClr val="bg1"/>
+                </a:solidFill>
+                <a:effectLst/>
+                <a:uLnTx/>
+                <a:uFillTx/>
+                <a:latin typeface="Amasis MT Pro Black" panose="02040A04050005020304" pitchFamily="18" charset="0"/>
+                <a:ea typeface="+mn-ea"/>
+                <a:cs typeface="+mn-cs"/>
+              </a:rPr>
+              <a:t>#F4F4F2</a:t>
+            </a:r>
+          </a:p>
+        </p:txBody>
+      </p:sp>
+      <p:sp>
+        <p:nvSpPr>
+          <p:cNvPr id="9" name="Rectangle 8">
+            <a:extLst>
+              <a:ext uri="{FF2B5EF4-FFF2-40B4-BE49-F238E27FC236}">
+                <a16:creationId xmlns:a16="http://schemas.microsoft.com/office/drawing/2014/main" id="{98B1ABDA-BAC5-141C-5958-60F064BE1B5F}"/>
+              </a:ext>
+            </a:extLst>
+          </p:cNvPr>
+          <p:cNvSpPr/>
+          <p:nvPr/>
+        </p:nvSpPr>
+        <p:spPr>
+          <a:xfrm>
+            <a:off x="2726023" y="1265573"/>
+            <a:ext cx="1730478" cy="556074"/>
+          </a:xfrm>
+          <a:prstGeom prst="rect">
+            <a:avLst/>
+          </a:prstGeom>
+          <a:solidFill>
+            <a:srgbClr val="F4F4F2"/>
+          </a:solidFill>
+          <a:ln>
+            <a:solidFill>
+              <a:srgbClr val="F4F4F2"/>
+            </a:solidFill>
+          </a:ln>
+        </p:spPr>
+        <p:style>
+          <a:lnRef idx="2">
+            <a:schemeClr val="accent1">
+              <a:shade val="50000"/>
+            </a:schemeClr>
+          </a:lnRef>
+          <a:fillRef idx="1">
+            <a:schemeClr val="accent1"/>
+          </a:fillRef>
+          <a:effectRef idx="0">
+            <a:schemeClr val="accent1"/>
+          </a:effectRef>
+          <a:fontRef idx="minor">
+            <a:schemeClr val="lt1"/>
+          </a:fontRef>
+        </p:style>
+        <p:txBody>
+          <a:bodyPr rtlCol="0" anchor="ctr"/>
+          <a:lstStyle/>
+          <a:p>
+            <a:pPr algn="ctr"/>
+            <a:endParaRPr lang="en-IN" dirty="0"/>
+          </a:p>
+        </p:txBody>
+      </p:sp>
+      <p:sp>
+        <p:nvSpPr>
+          <p:cNvPr id="10" name="TextBox 9">
+            <a:extLst>
+              <a:ext uri="{FF2B5EF4-FFF2-40B4-BE49-F238E27FC236}">
+                <a16:creationId xmlns:a16="http://schemas.microsoft.com/office/drawing/2014/main" id="{0BB6C4CE-5B83-9958-BF36-9C92A04CFE6E}"/>
+              </a:ext>
+            </a:extLst>
+          </p:cNvPr>
+          <p:cNvSpPr txBox="1"/>
+          <p:nvPr/>
+        </p:nvSpPr>
+        <p:spPr>
+          <a:xfrm>
+            <a:off x="196646" y="2159534"/>
+            <a:ext cx="2979173" cy="707886"/>
+          </a:xfrm>
+          <a:prstGeom prst="rect">
+            <a:avLst/>
+          </a:prstGeom>
+          <a:noFill/>
+        </p:spPr>
+        <p:txBody>
+          <a:bodyPr wrap="square" rtlCol="0">
+            <a:spAutoFit/>
+          </a:bodyPr>
+          <a:lstStyle/>
+          <a:p>
+            <a:r>
+              <a:rPr lang="en-IN" sz="4000" dirty="0">
+                <a:solidFill>
+                  <a:schemeClr val="bg1"/>
+                </a:solidFill>
+                <a:latin typeface="Amasis MT Pro Black" panose="02040A04050005020304" pitchFamily="18" charset="0"/>
+              </a:rPr>
+              <a:t>#FEB202</a:t>
+            </a:r>
+          </a:p>
+        </p:txBody>
+      </p:sp>
+      <p:sp>
+        <p:nvSpPr>
+          <p:cNvPr id="11" name="Rectangle 10">
+            <a:extLst>
+              <a:ext uri="{FF2B5EF4-FFF2-40B4-BE49-F238E27FC236}">
+                <a16:creationId xmlns:a16="http://schemas.microsoft.com/office/drawing/2014/main" id="{38BA3D8C-1C99-47AE-668E-0376D060CA8F}"/>
+              </a:ext>
+            </a:extLst>
+          </p:cNvPr>
+          <p:cNvSpPr/>
+          <p:nvPr/>
+        </p:nvSpPr>
+        <p:spPr>
+          <a:xfrm>
+            <a:off x="2726023" y="2227578"/>
+            <a:ext cx="1730478" cy="556074"/>
+          </a:xfrm>
+          <a:prstGeom prst="rect">
+            <a:avLst/>
+          </a:prstGeom>
+          <a:solidFill>
+            <a:srgbClr val="FEB202"/>
+          </a:solidFill>
+          <a:ln>
+            <a:solidFill>
+              <a:srgbClr val="FEB202"/>
+            </a:solidFill>
+          </a:ln>
+        </p:spPr>
+        <p:style>
+          <a:lnRef idx="2">
+            <a:schemeClr val="accent1">
+              <a:shade val="50000"/>
+            </a:schemeClr>
+          </a:lnRef>
+          <a:fillRef idx="1">
+            <a:schemeClr val="accent1"/>
+          </a:fillRef>
+          <a:effectRef idx="0">
+            <a:schemeClr val="accent1"/>
+          </a:effectRef>
+          <a:fontRef idx="minor">
+            <a:schemeClr val="lt1"/>
+          </a:fontRef>
+        </p:style>
+        <p:txBody>
+          <a:bodyPr rtlCol="0" anchor="ctr"/>
+          <a:lstStyle/>
+          <a:p>
+            <a:pPr algn="ctr"/>
+            <a:endParaRPr lang="en-IN" dirty="0">
+              <a:solidFill>
+                <a:srgbClr val="FEB202"/>
+              </a:solidFill>
+            </a:endParaRPr>
+          </a:p>
+        </p:txBody>
+      </p:sp>
+      <p:sp>
+        <p:nvSpPr>
+          <p:cNvPr id="12" name="TextBox 11">
+            <a:extLst>
+              <a:ext uri="{FF2B5EF4-FFF2-40B4-BE49-F238E27FC236}">
+                <a16:creationId xmlns:a16="http://schemas.microsoft.com/office/drawing/2014/main" id="{4BA0361D-6F86-2D83-7555-CDC0E026D4F7}"/>
+              </a:ext>
+            </a:extLst>
+          </p:cNvPr>
+          <p:cNvSpPr txBox="1"/>
+          <p:nvPr/>
+        </p:nvSpPr>
+        <p:spPr>
+          <a:xfrm>
+            <a:off x="196646" y="2919408"/>
+            <a:ext cx="2979173" cy="707886"/>
+          </a:xfrm>
+          <a:prstGeom prst="rect">
+            <a:avLst/>
+          </a:prstGeom>
+          <a:noFill/>
+        </p:spPr>
+        <p:txBody>
+          <a:bodyPr wrap="square" rtlCol="0">
+            <a:spAutoFit/>
+          </a:bodyPr>
+          <a:lstStyle/>
+          <a:p>
+            <a:r>
+              <a:rPr lang="en-IN" sz="4000" dirty="0">
+                <a:solidFill>
+                  <a:schemeClr val="bg1"/>
+                </a:solidFill>
+                <a:latin typeface="Amasis MT Pro Black" panose="02040A04050005020304" pitchFamily="18" charset="0"/>
+              </a:rPr>
+              <a:t>#FF8701</a:t>
+            </a:r>
+          </a:p>
+        </p:txBody>
+      </p:sp>
+      <p:sp>
+        <p:nvSpPr>
+          <p:cNvPr id="13" name="Rectangle 12">
+            <a:extLst>
+              <a:ext uri="{FF2B5EF4-FFF2-40B4-BE49-F238E27FC236}">
+                <a16:creationId xmlns:a16="http://schemas.microsoft.com/office/drawing/2014/main" id="{5E70ADB7-CBFB-0C70-C052-0898B0B598D4}"/>
+              </a:ext>
+            </a:extLst>
+          </p:cNvPr>
+          <p:cNvSpPr/>
+          <p:nvPr/>
+        </p:nvSpPr>
+        <p:spPr>
+          <a:xfrm>
+            <a:off x="2726023" y="2995314"/>
+            <a:ext cx="1730478" cy="556074"/>
+          </a:xfrm>
+          <a:prstGeom prst="rect">
+            <a:avLst/>
+          </a:prstGeom>
+          <a:solidFill>
+            <a:srgbClr val="FF8701"/>
+          </a:solidFill>
+          <a:ln>
+            <a:solidFill>
+              <a:srgbClr val="FF8701"/>
+            </a:solidFill>
+          </a:ln>
+        </p:spPr>
+        <p:style>
+          <a:lnRef idx="2">
+            <a:schemeClr val="accent1">
+              <a:shade val="50000"/>
+            </a:schemeClr>
+          </a:lnRef>
+          <a:fillRef idx="1">
+            <a:schemeClr val="accent1"/>
+          </a:fillRef>
+          <a:effectRef idx="0">
+            <a:schemeClr val="accent1"/>
+          </a:effectRef>
+          <a:fontRef idx="minor">
+            <a:schemeClr val="lt1"/>
+          </a:fontRef>
+        </p:style>
+        <p:txBody>
+          <a:bodyPr rtlCol="0" anchor="ctr"/>
+          <a:lstStyle/>
+          <a:p>
+            <a:pPr algn="ctr"/>
+            <a:endParaRPr lang="en-IN" dirty="0">
+              <a:solidFill>
+                <a:srgbClr val="FEB202"/>
+              </a:solidFill>
+            </a:endParaRPr>
+          </a:p>
+        </p:txBody>
+      </p:sp>
+    </p:spTree>
+    <p:extLst>
+      <p:ext uri="{BB962C8B-B14F-4D97-AF65-F5344CB8AC3E}">
+        <p14:creationId xmlns:p14="http://schemas.microsoft.com/office/powerpoint/2010/main" val="3489613101"/>
+      </p:ext>
+    </p:extLst>
+  </p:cSld>
+  <p:clrMapOvr>
+    <a:masterClrMapping/>
+  </p:clrMapOvr>
+</p:sld>
+</file>
+
 <file path=ppt/slides/slide2.xml><?xml version="1.0" encoding="utf-8"?>
 <p:sld xmlns:a="http://schemas.openxmlformats.org/drawingml/2006/main" xmlns:r="http://schemas.openxmlformats.org/officeDocument/2006/relationships" xmlns:p="http://schemas.openxmlformats.org/presentationml/2006/main">
   <p:cSld>
@@ -4848,6 +5426,145 @@
   <p:cSld>
     <p:bg>
       <p:bgPr>
+        <a:blipFill dpi="0" rotWithShape="1">
+          <a:blip r:embed="rId2">
+            <a:lum/>
+          </a:blip>
+          <a:srcRect/>
+          <a:stretch>
+            <a:fillRect r="-25000"/>
+          </a:stretch>
+        </a:blipFill>
+        <a:effectLst/>
+      </p:bgPr>
+    </p:bg>
+    <p:spTree>
+      <p:nvGrpSpPr>
+        <p:cNvPr id="1" name=""/>
+        <p:cNvGrpSpPr/>
+        <p:nvPr/>
+      </p:nvGrpSpPr>
+      <p:grpSpPr>
+        <a:xfrm>
+          <a:off x="0" y="0"/>
+          <a:ext cx="0" cy="0"/>
+          <a:chOff x="0" y="0"/>
+          <a:chExt cx="0" cy="0"/>
+        </a:xfrm>
+      </p:grpSpPr>
+      <p:sp>
+        <p:nvSpPr>
+          <p:cNvPr id="2" name="TextBox 1">
+            <a:extLst>
+              <a:ext uri="{FF2B5EF4-FFF2-40B4-BE49-F238E27FC236}">
+                <a16:creationId xmlns:a16="http://schemas.microsoft.com/office/drawing/2014/main" id="{7C173E56-1B95-9D7D-9F0D-F13E9329F619}"/>
+              </a:ext>
+            </a:extLst>
+          </p:cNvPr>
+          <p:cNvSpPr txBox="1"/>
+          <p:nvPr/>
+        </p:nvSpPr>
+        <p:spPr>
+          <a:xfrm>
+            <a:off x="147483" y="550606"/>
+            <a:ext cx="5024285" cy="1323439"/>
+          </a:xfrm>
+          <a:prstGeom prst="rect">
+            <a:avLst/>
+          </a:prstGeom>
+          <a:noFill/>
+        </p:spPr>
+        <p:txBody>
+          <a:bodyPr wrap="square" rtlCol="0">
+            <a:spAutoFit/>
+          </a:bodyPr>
+          <a:lstStyle/>
+          <a:p>
+            <a:r>
+              <a:rPr lang="en-IN" sz="4000" i="1" dirty="0">
+                <a:solidFill>
+                  <a:prstClr val="white"/>
+                </a:solidFill>
+                <a:latin typeface="Brush Script MT" panose="03060802040406070304" pitchFamily="66" charset="0"/>
+                <a:cs typeface="Cascadia Code SemiBold" pitchFamily="50" charset="0"/>
+              </a:rPr>
+              <a:t>“Price is what you pay.</a:t>
+            </a:r>
+          </a:p>
+          <a:p>
+            <a:r>
+              <a:rPr lang="en-IN" sz="4000" i="1" dirty="0">
+                <a:solidFill>
+                  <a:prstClr val="white"/>
+                </a:solidFill>
+                <a:latin typeface="Brush Script MT" panose="03060802040406070304" pitchFamily="66" charset="0"/>
+                <a:cs typeface="Cascadia Code SemiBold" pitchFamily="50" charset="0"/>
+              </a:rPr>
+              <a:t> Value is what you get”</a:t>
+            </a:r>
+          </a:p>
+        </p:txBody>
+      </p:sp>
+      <p:sp>
+        <p:nvSpPr>
+          <p:cNvPr id="4" name="TextBox 3">
+            <a:extLst>
+              <a:ext uri="{FF2B5EF4-FFF2-40B4-BE49-F238E27FC236}">
+                <a16:creationId xmlns:a16="http://schemas.microsoft.com/office/drawing/2014/main" id="{68D1CBD3-40C6-6945-2F20-EB028744F509}"/>
+              </a:ext>
+            </a:extLst>
+          </p:cNvPr>
+          <p:cNvSpPr txBox="1"/>
+          <p:nvPr/>
+        </p:nvSpPr>
+        <p:spPr>
+          <a:xfrm>
+            <a:off x="314632" y="2858765"/>
+            <a:ext cx="5024285" cy="707886"/>
+          </a:xfrm>
+          <a:prstGeom prst="rect">
+            <a:avLst/>
+          </a:prstGeom>
+          <a:noFill/>
+        </p:spPr>
+        <p:txBody>
+          <a:bodyPr wrap="square" rtlCol="0">
+            <a:spAutoFit/>
+          </a:bodyPr>
+          <a:lstStyle/>
+          <a:p>
+            <a:r>
+              <a:rPr lang="en-IN" sz="4000" dirty="0">
+                <a:solidFill>
+                  <a:prstClr val="white"/>
+                </a:solidFill>
+                <a:latin typeface="Aharoni" panose="02010803020104030203" pitchFamily="2" charset="-79"/>
+                <a:cs typeface="Aharoni" panose="02010803020104030203" pitchFamily="2" charset="-79"/>
+              </a:rPr>
+              <a:t>Warren Buffett</a:t>
+            </a:r>
+          </a:p>
+        </p:txBody>
+      </p:sp>
+    </p:spTree>
+    <p:extLst>
+      <p:ext uri="{BB962C8B-B14F-4D97-AF65-F5344CB8AC3E}">
+        <p14:creationId xmlns:p14="http://schemas.microsoft.com/office/powerpoint/2010/main" val="1251965619"/>
+      </p:ext>
+    </p:extLst>
+  </p:cSld>
+  <p:clrMapOvr>
+    <a:masterClrMapping/>
+  </p:clrMapOvr>
+  <p:transition/>
+</p:sld>
+</file>
+
+<file path=ppt/slides/slide4.xml><?xml version="1.0" encoding="utf-8"?>
+<p:sld xmlns:a="http://schemas.openxmlformats.org/drawingml/2006/main" xmlns:r="http://schemas.openxmlformats.org/officeDocument/2006/relationships" xmlns:p="http://schemas.openxmlformats.org/presentationml/2006/main">
+  <p:cSld>
+    <p:bg>
+      <p:bgPr>
         <a:solidFill>
           <a:srgbClr val="4A206A"/>
         </a:solidFill>
@@ -4961,7 +5678,7 @@
                 <a:latin typeface="Cascadia Code SemiBold" pitchFamily="50" charset="0"/>
                 <a:cs typeface="Cascadia Code SemiBold" pitchFamily="50" charset="0"/>
               </a:rPr>
-              <a:t>Always has low PE</a:t>
+              <a:t>Normally has lower PE</a:t>
             </a:r>
           </a:p>
           <a:p>
@@ -5418,7 +6135,7 @@
 </p:sld>
 </file>
 
-<file path=ppt/slides/slide4.xml><?xml version="1.0" encoding="utf-8"?>
+<file path=ppt/slides/slide5.xml><?xml version="1.0" encoding="utf-8"?>
 <p:sld xmlns:a="http://schemas.openxmlformats.org/drawingml/2006/main" xmlns:r="http://schemas.openxmlformats.org/officeDocument/2006/relationships" xmlns:p="http://schemas.openxmlformats.org/presentationml/2006/main">
   <p:cSld>
     <p:bg>
@@ -6021,7 +6738,7 @@
 </p:sld>
 </file>
 
-<file path=ppt/slides/slide5.xml><?xml version="1.0" encoding="utf-8"?>
+<file path=ppt/slides/slide6.xml><?xml version="1.0" encoding="utf-8"?>
 <p:sld xmlns:a="http://schemas.openxmlformats.org/drawingml/2006/main" xmlns:r="http://schemas.openxmlformats.org/officeDocument/2006/relationships" xmlns:p="http://schemas.openxmlformats.org/presentationml/2006/main">
   <p:cSld>
     <p:bg>
@@ -6567,7 +7284,7 @@
 </p:sld>
 </file>
 
-<file path=ppt/slides/slide6.xml><?xml version="1.0" encoding="utf-8"?>
+<file path=ppt/slides/slide7.xml><?xml version="1.0" encoding="utf-8"?>
 <p:sld xmlns:a="http://schemas.openxmlformats.org/drawingml/2006/main" xmlns:r="http://schemas.openxmlformats.org/officeDocument/2006/relationships" xmlns:p="http://schemas.openxmlformats.org/presentationml/2006/main">
   <p:cSld>
     <p:bg>
@@ -7099,7 +7816,7 @@
 </p:sld>
 </file>
 
-<file path=ppt/slides/slide7.xml><?xml version="1.0" encoding="utf-8"?>
+<file path=ppt/slides/slide8.xml><?xml version="1.0" encoding="utf-8"?>
 <p:sld xmlns:a="http://schemas.openxmlformats.org/drawingml/2006/main" xmlns:r="http://schemas.openxmlformats.org/officeDocument/2006/relationships" xmlns:p="http://schemas.openxmlformats.org/presentationml/2006/main">
   <p:cSld>
     <p:bg>
@@ -7327,7 +8044,7 @@
 </p:sld>
 </file>
 
-<file path=ppt/slides/slide8.xml><?xml version="1.0" encoding="utf-8"?>
+<file path=ppt/slides/slide9.xml><?xml version="1.0" encoding="utf-8"?>
 <p:sld xmlns:a="http://schemas.openxmlformats.org/drawingml/2006/main" xmlns:r="http://schemas.openxmlformats.org/officeDocument/2006/relationships" xmlns:p="http://schemas.openxmlformats.org/presentationml/2006/main">
   <p:cSld>
     <p:bg>
@@ -7552,478 +8269,6 @@
       <p:bldP spid="4" grpId="0"/>
     </p:bldLst>
   </p:timing>
-</p:sld>
-</file>
-
-<file path=ppt/slides/slide9.xml><?xml version="1.0" encoding="utf-8"?>
-<p:sld xmlns:a="http://schemas.openxmlformats.org/drawingml/2006/main" xmlns:r="http://schemas.openxmlformats.org/officeDocument/2006/relationships" xmlns:p="http://schemas.openxmlformats.org/presentationml/2006/main">
-  <p:cSld>
-    <p:bg>
-      <p:bgPr>
-        <a:solidFill>
-          <a:schemeClr val="bg2"/>
-        </a:solidFill>
-        <a:effectLst/>
-      </p:bgPr>
-    </p:bg>
-    <p:spTree>
-      <p:nvGrpSpPr>
-        <p:cNvPr id="1" name=""/>
-        <p:cNvGrpSpPr/>
-        <p:nvPr/>
-      </p:nvGrpSpPr>
-      <p:grpSpPr>
-        <a:xfrm>
-          <a:off x="0" y="0"/>
-          <a:ext cx="0" cy="0"/>
-          <a:chOff x="0" y="0"/>
-          <a:chExt cx="0" cy="0"/>
-        </a:xfrm>
-      </p:grpSpPr>
-      <p:sp>
-        <p:nvSpPr>
-          <p:cNvPr id="3" name="TextBox 2">
-            <a:extLst>
-              <a:ext uri="{FF2B5EF4-FFF2-40B4-BE49-F238E27FC236}">
-                <a16:creationId xmlns:a16="http://schemas.microsoft.com/office/drawing/2014/main" id="{3FCF3979-E4B3-0634-4C0B-AB862892E9BF}"/>
-              </a:ext>
-            </a:extLst>
-          </p:cNvPr>
-          <p:cNvSpPr txBox="1"/>
-          <p:nvPr/>
-        </p:nvSpPr>
-        <p:spPr>
-          <a:xfrm>
-            <a:off x="-439963" y="329968"/>
-            <a:ext cx="3691954" cy="707886"/>
-          </a:xfrm>
-          <a:prstGeom prst="rect">
-            <a:avLst/>
-          </a:prstGeom>
-          <a:noFill/>
-        </p:spPr>
-        <p:txBody>
-          <a:bodyPr wrap="square" rtlCol="0">
-            <a:spAutoFit/>
-          </a:bodyPr>
-          <a:lstStyle/>
-          <a:p>
-            <a:pPr marL="0" marR="0" lvl="0" indent="0" algn="ctr" defTabSz="457200" rtl="0" eaLnBrk="1" fontAlgn="auto" latinLnBrk="0" hangingPunct="1">
-              <a:lnSpc>
-                <a:spcPct val="100000"/>
-              </a:lnSpc>
-              <a:spcBef>
-                <a:spcPts val="0"/>
-              </a:spcBef>
-              <a:spcAft>
-                <a:spcPts val="0"/>
-              </a:spcAft>
-              <a:buClrTx/>
-              <a:buSzTx/>
-              <a:buFontTx/>
-              <a:buNone/>
-              <a:tabLst/>
-              <a:defRPr/>
-            </a:pPr>
-            <a:r>
-              <a:rPr kumimoji="0" lang="en-IN" sz="4000" b="0" i="0" u="none" strike="noStrike" kern="1200" cap="none" spc="0" normalizeH="0" baseline="0" noProof="0" dirty="0">
-                <a:ln>
-                  <a:noFill/>
-                </a:ln>
-                <a:solidFill>
-                  <a:schemeClr val="bg1"/>
-                </a:solidFill>
-                <a:effectLst/>
-                <a:uLnTx/>
-                <a:uFillTx/>
-                <a:latin typeface="Amasis MT Pro Black" panose="02040A04050005020304" pitchFamily="18" charset="0"/>
-                <a:ea typeface="+mn-ea"/>
-                <a:cs typeface="+mn-cs"/>
-              </a:rPr>
-              <a:t>#06283D</a:t>
-            </a:r>
-          </a:p>
-        </p:txBody>
-      </p:sp>
-      <p:sp>
-        <p:nvSpPr>
-          <p:cNvPr id="2" name="Rectangle 1">
-            <a:extLst>
-              <a:ext uri="{FF2B5EF4-FFF2-40B4-BE49-F238E27FC236}">
-                <a16:creationId xmlns:a16="http://schemas.microsoft.com/office/drawing/2014/main" id="{896F725C-4CFE-FF8F-2A15-4F7F9AE3225E}"/>
-              </a:ext>
-            </a:extLst>
-          </p:cNvPr>
-          <p:cNvSpPr/>
-          <p:nvPr/>
-        </p:nvSpPr>
-        <p:spPr>
-          <a:xfrm>
-            <a:off x="2726023" y="405874"/>
-            <a:ext cx="1730478" cy="556074"/>
-          </a:xfrm>
-          <a:prstGeom prst="rect">
-            <a:avLst/>
-          </a:prstGeom>
-          <a:solidFill>
-            <a:srgbClr val="06283D"/>
-          </a:solidFill>
-          <a:ln>
-            <a:solidFill>
-              <a:srgbClr val="06283D"/>
-            </a:solidFill>
-          </a:ln>
-        </p:spPr>
-        <p:style>
-          <a:lnRef idx="2">
-            <a:schemeClr val="accent1">
-              <a:shade val="50000"/>
-            </a:schemeClr>
-          </a:lnRef>
-          <a:fillRef idx="1">
-            <a:schemeClr val="accent1"/>
-          </a:fillRef>
-          <a:effectRef idx="0">
-            <a:schemeClr val="accent1"/>
-          </a:effectRef>
-          <a:fontRef idx="minor">
-            <a:schemeClr val="lt1"/>
-          </a:fontRef>
-        </p:style>
-        <p:txBody>
-          <a:bodyPr rtlCol="0" anchor="ctr"/>
-          <a:lstStyle/>
-          <a:p>
-            <a:pPr algn="ctr"/>
-            <a:endParaRPr lang="en-IN" dirty="0"/>
-          </a:p>
-        </p:txBody>
-      </p:sp>
-      <p:sp>
-        <p:nvSpPr>
-          <p:cNvPr id="4" name="TextBox 3">
-            <a:extLst>
-              <a:ext uri="{FF2B5EF4-FFF2-40B4-BE49-F238E27FC236}">
-                <a16:creationId xmlns:a16="http://schemas.microsoft.com/office/drawing/2014/main" id="{D5C1F7EF-58E9-E9F1-EBA7-5DFF2EBC19AD}"/>
-              </a:ext>
-            </a:extLst>
-          </p:cNvPr>
-          <p:cNvSpPr txBox="1"/>
-          <p:nvPr/>
-        </p:nvSpPr>
-        <p:spPr>
-          <a:xfrm>
-            <a:off x="-439963" y="1189667"/>
-            <a:ext cx="3691954" cy="707886"/>
-          </a:xfrm>
-          <a:prstGeom prst="rect">
-            <a:avLst/>
-          </a:prstGeom>
-          <a:noFill/>
-        </p:spPr>
-        <p:txBody>
-          <a:bodyPr wrap="square" rtlCol="0">
-            <a:spAutoFit/>
-          </a:bodyPr>
-          <a:lstStyle/>
-          <a:p>
-            <a:pPr marL="0" marR="0" lvl="0" indent="0" algn="ctr" defTabSz="457200" rtl="0" eaLnBrk="1" fontAlgn="auto" latinLnBrk="0" hangingPunct="1">
-              <a:lnSpc>
-                <a:spcPct val="100000"/>
-              </a:lnSpc>
-              <a:spcBef>
-                <a:spcPts val="0"/>
-              </a:spcBef>
-              <a:spcAft>
-                <a:spcPts val="0"/>
-              </a:spcAft>
-              <a:buClrTx/>
-              <a:buSzTx/>
-              <a:buFontTx/>
-              <a:buNone/>
-              <a:tabLst/>
-              <a:defRPr/>
-            </a:pPr>
-            <a:r>
-              <a:rPr kumimoji="0" lang="en-IN" sz="4000" b="0" i="0" u="none" strike="noStrike" kern="1200" cap="none" spc="0" normalizeH="0" baseline="0" noProof="0" dirty="0">
-                <a:ln>
-                  <a:noFill/>
-                </a:ln>
-                <a:solidFill>
-                  <a:schemeClr val="bg1"/>
-                </a:solidFill>
-                <a:effectLst/>
-                <a:uLnTx/>
-                <a:uFillTx/>
-                <a:latin typeface="Amasis MT Pro Black" panose="02040A04050005020304" pitchFamily="18" charset="0"/>
-                <a:ea typeface="+mn-ea"/>
-                <a:cs typeface="+mn-cs"/>
-              </a:rPr>
-              <a:t>#F4F4F2</a:t>
-            </a:r>
-          </a:p>
-        </p:txBody>
-      </p:sp>
-      <p:sp>
-        <p:nvSpPr>
-          <p:cNvPr id="9" name="Rectangle 8">
-            <a:extLst>
-              <a:ext uri="{FF2B5EF4-FFF2-40B4-BE49-F238E27FC236}">
-                <a16:creationId xmlns:a16="http://schemas.microsoft.com/office/drawing/2014/main" id="{98B1ABDA-BAC5-141C-5958-60F064BE1B5F}"/>
-              </a:ext>
-            </a:extLst>
-          </p:cNvPr>
-          <p:cNvSpPr/>
-          <p:nvPr/>
-        </p:nvSpPr>
-        <p:spPr>
-          <a:xfrm>
-            <a:off x="2726023" y="1265573"/>
-            <a:ext cx="1730478" cy="556074"/>
-          </a:xfrm>
-          <a:prstGeom prst="rect">
-            <a:avLst/>
-          </a:prstGeom>
-          <a:solidFill>
-            <a:srgbClr val="F4F4F2"/>
-          </a:solidFill>
-          <a:ln>
-            <a:solidFill>
-              <a:srgbClr val="F4F4F2"/>
-            </a:solidFill>
-          </a:ln>
-        </p:spPr>
-        <p:style>
-          <a:lnRef idx="2">
-            <a:schemeClr val="accent1">
-              <a:shade val="50000"/>
-            </a:schemeClr>
-          </a:lnRef>
-          <a:fillRef idx="1">
-            <a:schemeClr val="accent1"/>
-          </a:fillRef>
-          <a:effectRef idx="0">
-            <a:schemeClr val="accent1"/>
-          </a:effectRef>
-          <a:fontRef idx="minor">
-            <a:schemeClr val="lt1"/>
-          </a:fontRef>
-        </p:style>
-        <p:txBody>
-          <a:bodyPr rtlCol="0" anchor="ctr"/>
-          <a:lstStyle/>
-          <a:p>
-            <a:pPr algn="ctr"/>
-            <a:endParaRPr lang="en-IN" dirty="0"/>
-          </a:p>
-        </p:txBody>
-      </p:sp>
-      <p:sp>
-        <p:nvSpPr>
-          <p:cNvPr id="10" name="TextBox 9">
-            <a:extLst>
-              <a:ext uri="{FF2B5EF4-FFF2-40B4-BE49-F238E27FC236}">
-                <a16:creationId xmlns:a16="http://schemas.microsoft.com/office/drawing/2014/main" id="{0BB6C4CE-5B83-9958-BF36-9C92A04CFE6E}"/>
-              </a:ext>
-            </a:extLst>
-          </p:cNvPr>
-          <p:cNvSpPr txBox="1"/>
-          <p:nvPr/>
-        </p:nvSpPr>
-        <p:spPr>
-          <a:xfrm>
-            <a:off x="196646" y="2159534"/>
-            <a:ext cx="2979173" cy="707886"/>
-          </a:xfrm>
-          <a:prstGeom prst="rect">
-            <a:avLst/>
-          </a:prstGeom>
-          <a:noFill/>
-        </p:spPr>
-        <p:txBody>
-          <a:bodyPr wrap="square" rtlCol="0">
-            <a:spAutoFit/>
-          </a:bodyPr>
-          <a:lstStyle/>
-          <a:p>
-            <a:r>
-              <a:rPr lang="en-IN" sz="4000" dirty="0">
-                <a:solidFill>
-                  <a:schemeClr val="bg1"/>
-                </a:solidFill>
-                <a:latin typeface="Amasis MT Pro Black" panose="02040A04050005020304" pitchFamily="18" charset="0"/>
-              </a:rPr>
-              <a:t>#FEB202</a:t>
-            </a:r>
-          </a:p>
-        </p:txBody>
-      </p:sp>
-      <p:sp>
-        <p:nvSpPr>
-          <p:cNvPr id="11" name="Rectangle 10">
-            <a:extLst>
-              <a:ext uri="{FF2B5EF4-FFF2-40B4-BE49-F238E27FC236}">
-                <a16:creationId xmlns:a16="http://schemas.microsoft.com/office/drawing/2014/main" id="{38BA3D8C-1C99-47AE-668E-0376D060CA8F}"/>
-              </a:ext>
-            </a:extLst>
-          </p:cNvPr>
-          <p:cNvSpPr/>
-          <p:nvPr/>
-        </p:nvSpPr>
-        <p:spPr>
-          <a:xfrm>
-            <a:off x="2726023" y="2227578"/>
-            <a:ext cx="1730478" cy="556074"/>
-          </a:xfrm>
-          <a:prstGeom prst="rect">
-            <a:avLst/>
-          </a:prstGeom>
-          <a:solidFill>
-            <a:srgbClr val="FEB202"/>
-          </a:solidFill>
-          <a:ln>
-            <a:solidFill>
-              <a:srgbClr val="FEB202"/>
-            </a:solidFill>
-          </a:ln>
-        </p:spPr>
-        <p:style>
-          <a:lnRef idx="2">
-            <a:schemeClr val="accent1">
-              <a:shade val="50000"/>
-            </a:schemeClr>
-          </a:lnRef>
-          <a:fillRef idx="1">
-            <a:schemeClr val="accent1"/>
-          </a:fillRef>
-          <a:effectRef idx="0">
-            <a:schemeClr val="accent1"/>
-          </a:effectRef>
-          <a:fontRef idx="minor">
-            <a:schemeClr val="lt1"/>
-          </a:fontRef>
-        </p:style>
-        <p:txBody>
-          <a:bodyPr rtlCol="0" anchor="ctr"/>
-          <a:lstStyle/>
-          <a:p>
-            <a:pPr algn="ctr"/>
-            <a:endParaRPr lang="en-IN" dirty="0">
-              <a:solidFill>
-                <a:srgbClr val="FEB202"/>
-              </a:solidFill>
-            </a:endParaRPr>
-          </a:p>
-        </p:txBody>
-      </p:sp>
-      <p:sp>
-        <p:nvSpPr>
-          <p:cNvPr id="12" name="TextBox 11">
-            <a:extLst>
-              <a:ext uri="{FF2B5EF4-FFF2-40B4-BE49-F238E27FC236}">
-                <a16:creationId xmlns:a16="http://schemas.microsoft.com/office/drawing/2014/main" id="{4BA0361D-6F86-2D83-7555-CDC0E026D4F7}"/>
-              </a:ext>
-            </a:extLst>
-          </p:cNvPr>
-          <p:cNvSpPr txBox="1"/>
-          <p:nvPr/>
-        </p:nvSpPr>
-        <p:spPr>
-          <a:xfrm>
-            <a:off x="196646" y="2919408"/>
-            <a:ext cx="2979173" cy="707886"/>
-          </a:xfrm>
-          <a:prstGeom prst="rect">
-            <a:avLst/>
-          </a:prstGeom>
-          <a:noFill/>
-        </p:spPr>
-        <p:txBody>
-          <a:bodyPr wrap="square" rtlCol="0">
-            <a:spAutoFit/>
-          </a:bodyPr>
-          <a:lstStyle/>
-          <a:p>
-            <a:r>
-              <a:rPr lang="en-IN" sz="4000" dirty="0">
-                <a:solidFill>
-                  <a:schemeClr val="bg1"/>
-                </a:solidFill>
-                <a:latin typeface="Amasis MT Pro Black" panose="02040A04050005020304" pitchFamily="18" charset="0"/>
-              </a:rPr>
-              <a:t>#FF8701</a:t>
-            </a:r>
-          </a:p>
-        </p:txBody>
-      </p:sp>
-      <p:sp>
-        <p:nvSpPr>
-          <p:cNvPr id="13" name="Rectangle 12">
-            <a:extLst>
-              <a:ext uri="{FF2B5EF4-FFF2-40B4-BE49-F238E27FC236}">
-                <a16:creationId xmlns:a16="http://schemas.microsoft.com/office/drawing/2014/main" id="{5E70ADB7-CBFB-0C70-C052-0898B0B598D4}"/>
-              </a:ext>
-            </a:extLst>
-          </p:cNvPr>
-          <p:cNvSpPr/>
-          <p:nvPr/>
-        </p:nvSpPr>
-        <p:spPr>
-          <a:xfrm>
-            <a:off x="2726023" y="2995314"/>
-            <a:ext cx="1730478" cy="556074"/>
-          </a:xfrm>
-          <a:prstGeom prst="rect">
-            <a:avLst/>
-          </a:prstGeom>
-          <a:solidFill>
-            <a:srgbClr val="FF8701"/>
-          </a:solidFill>
-          <a:ln>
-            <a:solidFill>
-              <a:srgbClr val="FF8701"/>
-            </a:solidFill>
-          </a:ln>
-        </p:spPr>
-        <p:style>
-          <a:lnRef idx="2">
-            <a:schemeClr val="accent1">
-              <a:shade val="50000"/>
-            </a:schemeClr>
-          </a:lnRef>
-          <a:fillRef idx="1">
-            <a:schemeClr val="accent1"/>
-          </a:fillRef>
-          <a:effectRef idx="0">
-            <a:schemeClr val="accent1"/>
-          </a:effectRef>
-          <a:fontRef idx="minor">
-            <a:schemeClr val="lt1"/>
-          </a:fontRef>
-        </p:style>
-        <p:txBody>
-          <a:bodyPr rtlCol="0" anchor="ctr"/>
-          <a:lstStyle/>
-          <a:p>
-            <a:pPr algn="ctr"/>
-            <a:endParaRPr lang="en-IN" dirty="0">
-              <a:solidFill>
-                <a:srgbClr val="FEB202"/>
-              </a:solidFill>
-            </a:endParaRPr>
-          </a:p>
-        </p:txBody>
-      </p:sp>
-    </p:spTree>
-    <p:extLst>
-      <p:ext uri="{BB962C8B-B14F-4D97-AF65-F5344CB8AC3E}">
-        <p14:creationId xmlns:p14="http://schemas.microsoft.com/office/powerpoint/2010/main" val="3489613101"/>
-      </p:ext>
-    </p:extLst>
-  </p:cSld>
-  <p:clrMapOvr>
-    <a:masterClrMapping/>
-  </p:clrMapOvr>
 </p:sld>
 </file>
 
